--- a/design/Wireframe.pptx
+++ b/design/Wireframe.pptx
@@ -4,9 +4,28 @@
   <p:sldMasterIdLst>
     <p:sldMasterId id="2147483648" r:id="rId1"/>
   </p:sldMasterIdLst>
+  <p:notesMasterIdLst>
+    <p:notesMasterId r:id="rId20"/>
+  </p:notesMasterIdLst>
   <p:sldIdLst>
-    <p:sldId id="256" r:id="rId2"/>
-    <p:sldId id="257" r:id="rId3"/>
+    <p:sldId id="261" r:id="rId2"/>
+    <p:sldId id="262" r:id="rId3"/>
+    <p:sldId id="257" r:id="rId4"/>
+    <p:sldId id="266" r:id="rId5"/>
+    <p:sldId id="264" r:id="rId6"/>
+    <p:sldId id="265" r:id="rId7"/>
+    <p:sldId id="256" r:id="rId8"/>
+    <p:sldId id="260" r:id="rId9"/>
+    <p:sldId id="259" r:id="rId10"/>
+    <p:sldId id="263" r:id="rId11"/>
+    <p:sldId id="267" r:id="rId12"/>
+    <p:sldId id="268" r:id="rId13"/>
+    <p:sldId id="269" r:id="rId14"/>
+    <p:sldId id="270" r:id="rId15"/>
+    <p:sldId id="271" r:id="rId16"/>
+    <p:sldId id="272" r:id="rId17"/>
+    <p:sldId id="273" r:id="rId18"/>
+    <p:sldId id="274" r:id="rId19"/>
   </p:sldIdLst>
   <p:sldSz cx="12192000" cy="6858000"/>
   <p:notesSz cx="6858000" cy="9144000"/>
@@ -106,11 +125,559 @@
     </a:lvl9pPr>
   </p:defaultTextStyle>
   <p:extLst>
+    <p:ext uri="{521415D9-36F7-43E2-AB2F-B90AF26B5E84}">
+      <p14:sectionLst xmlns:p14="http://schemas.microsoft.com/office/powerpoint/2010/main">
+        <p14:section name="Default Section" id="{55523F27-F896-4177-936B-EE1FCDE65CB2}">
+          <p14:sldIdLst>
+            <p14:sldId id="261"/>
+            <p14:sldId id="262"/>
+            <p14:sldId id="257"/>
+            <p14:sldId id="266"/>
+            <p14:sldId id="264"/>
+            <p14:sldId id="265"/>
+            <p14:sldId id="256"/>
+            <p14:sldId id="260"/>
+            <p14:sldId id="259"/>
+          </p14:sldIdLst>
+        </p14:section>
+        <p14:section name="Page Wireframes" id="{39BE2078-F305-4421-97EE-266F6D18258C}">
+          <p14:sldIdLst>
+            <p14:sldId id="263"/>
+            <p14:sldId id="267"/>
+            <p14:sldId id="268"/>
+            <p14:sldId id="269"/>
+            <p14:sldId id="270"/>
+            <p14:sldId id="271"/>
+            <p14:sldId id="272"/>
+            <p14:sldId id="273"/>
+            <p14:sldId id="274"/>
+          </p14:sldIdLst>
+        </p14:section>
+      </p14:sectionLst>
+    </p:ext>
     <p:ext uri="{EFAFB233-063F-42B5-8137-9DF3F51BA10A}">
       <p15:sldGuideLst xmlns:p15="http://schemas.microsoft.com/office/powerpoint/2012/main"/>
     </p:ext>
   </p:extLst>
 </p:presentation>
+</file>
+
+<file path=ppt/notesMasters/notesMaster1.xml><?xml version="1.0" encoding="utf-8"?>
+<p:notesMaster xmlns:a="http://schemas.openxmlformats.org/drawingml/2006/main" xmlns:r="http://schemas.openxmlformats.org/officeDocument/2006/relationships" xmlns:p="http://schemas.openxmlformats.org/presentationml/2006/main">
+  <p:cSld>
+    <p:bg>
+      <p:bgRef idx="1001">
+        <a:schemeClr val="bg1"/>
+      </p:bgRef>
+    </p:bg>
+    <p:spTree>
+      <p:nvGrpSpPr>
+        <p:cNvPr id="1" name=""/>
+        <p:cNvGrpSpPr/>
+        <p:nvPr/>
+      </p:nvGrpSpPr>
+      <p:grpSpPr>
+        <a:xfrm>
+          <a:off x="0" y="0"/>
+          <a:ext cx="0" cy="0"/>
+          <a:chOff x="0" y="0"/>
+          <a:chExt cx="0" cy="0"/>
+        </a:xfrm>
+      </p:grpSpPr>
+      <p:sp>
+        <p:nvSpPr>
+          <p:cNvPr id="2" name="Header Placeholder 1"/>
+          <p:cNvSpPr>
+            <a:spLocks noGrp="1"/>
+          </p:cNvSpPr>
+          <p:nvPr>
+            <p:ph type="hdr" sz="quarter"/>
+          </p:nvPr>
+        </p:nvSpPr>
+        <p:spPr>
+          <a:xfrm>
+            <a:off x="0" y="0"/>
+            <a:ext cx="2971800" cy="458788"/>
+          </a:xfrm>
+          <a:prstGeom prst="rect">
+            <a:avLst/>
+          </a:prstGeom>
+        </p:spPr>
+        <p:txBody>
+          <a:bodyPr vert="horz" lIns="91440" tIns="45720" rIns="91440" bIns="45720" rtlCol="0"/>
+          <a:lstStyle>
+            <a:lvl1pPr algn="l">
+              <a:defRPr sz="1200"/>
+            </a:lvl1pPr>
+          </a:lstStyle>
+          <a:p>
+            <a:endParaRPr lang="en-US"/>
+          </a:p>
+        </p:txBody>
+      </p:sp>
+      <p:sp>
+        <p:nvSpPr>
+          <p:cNvPr id="3" name="Date Placeholder 2"/>
+          <p:cNvSpPr>
+            <a:spLocks noGrp="1"/>
+          </p:cNvSpPr>
+          <p:nvPr>
+            <p:ph type="dt" idx="1"/>
+          </p:nvPr>
+        </p:nvSpPr>
+        <p:spPr>
+          <a:xfrm>
+            <a:off x="3884613" y="0"/>
+            <a:ext cx="2971800" cy="458788"/>
+          </a:xfrm>
+          <a:prstGeom prst="rect">
+            <a:avLst/>
+          </a:prstGeom>
+        </p:spPr>
+        <p:txBody>
+          <a:bodyPr vert="horz" lIns="91440" tIns="45720" rIns="91440" bIns="45720" rtlCol="0"/>
+          <a:lstStyle>
+            <a:lvl1pPr algn="r">
+              <a:defRPr sz="1200"/>
+            </a:lvl1pPr>
+          </a:lstStyle>
+          <a:p>
+            <a:fld id="{83BD93B1-4FFB-4F2F-86DA-FC2169DC86CC}" type="datetimeFigureOut">
+              <a:rPr lang="en-US" smtClean="0"/>
+              <a:t>8/17/2017</a:t>
+            </a:fld>
+            <a:endParaRPr lang="en-US"/>
+          </a:p>
+        </p:txBody>
+      </p:sp>
+      <p:sp>
+        <p:nvSpPr>
+          <p:cNvPr id="4" name="Slide Image Placeholder 3"/>
+          <p:cNvSpPr>
+            <a:spLocks noGrp="1" noRot="1" noChangeAspect="1"/>
+          </p:cNvSpPr>
+          <p:nvPr>
+            <p:ph type="sldImg" idx="2"/>
+          </p:nvPr>
+        </p:nvSpPr>
+        <p:spPr>
+          <a:xfrm>
+            <a:off x="685800" y="1143000"/>
+            <a:ext cx="5486400" cy="3086100"/>
+          </a:xfrm>
+          <a:prstGeom prst="rect">
+            <a:avLst/>
+          </a:prstGeom>
+          <a:noFill/>
+          <a:ln w="12700">
+            <a:solidFill>
+              <a:prstClr val="black"/>
+            </a:solidFill>
+          </a:ln>
+        </p:spPr>
+        <p:txBody>
+          <a:bodyPr vert="horz" lIns="91440" tIns="45720" rIns="91440" bIns="45720" rtlCol="0" anchor="ctr"/>
+          <a:lstStyle/>
+          <a:p>
+            <a:endParaRPr lang="en-US"/>
+          </a:p>
+        </p:txBody>
+      </p:sp>
+      <p:sp>
+        <p:nvSpPr>
+          <p:cNvPr id="5" name="Notes Placeholder 4"/>
+          <p:cNvSpPr>
+            <a:spLocks noGrp="1"/>
+          </p:cNvSpPr>
+          <p:nvPr>
+            <p:ph type="body" sz="quarter" idx="3"/>
+          </p:nvPr>
+        </p:nvSpPr>
+        <p:spPr>
+          <a:xfrm>
+            <a:off x="685800" y="4400550"/>
+            <a:ext cx="5486400" cy="3600450"/>
+          </a:xfrm>
+          <a:prstGeom prst="rect">
+            <a:avLst/>
+          </a:prstGeom>
+        </p:spPr>
+        <p:txBody>
+          <a:bodyPr vert="horz" lIns="91440" tIns="45720" rIns="91440" bIns="45720" rtlCol="0"/>
+          <a:lstStyle/>
+          <a:p>
+            <a:pPr lvl="0"/>
+            <a:r>
+              <a:rPr lang="en-US" smtClean="0"/>
+              <a:t>Edit Master text styles</a:t>
+            </a:r>
+          </a:p>
+          <a:p>
+            <a:pPr lvl="1"/>
+            <a:r>
+              <a:rPr lang="en-US" smtClean="0"/>
+              <a:t>Second level</a:t>
+            </a:r>
+          </a:p>
+          <a:p>
+            <a:pPr lvl="2"/>
+            <a:r>
+              <a:rPr lang="en-US" smtClean="0"/>
+              <a:t>Third level</a:t>
+            </a:r>
+          </a:p>
+          <a:p>
+            <a:pPr lvl="3"/>
+            <a:r>
+              <a:rPr lang="en-US" smtClean="0"/>
+              <a:t>Fourth level</a:t>
+            </a:r>
+          </a:p>
+          <a:p>
+            <a:pPr lvl="4"/>
+            <a:r>
+              <a:rPr lang="en-US" smtClean="0"/>
+              <a:t>Fifth level</a:t>
+            </a:r>
+            <a:endParaRPr lang="en-US"/>
+          </a:p>
+        </p:txBody>
+      </p:sp>
+      <p:sp>
+        <p:nvSpPr>
+          <p:cNvPr id="6" name="Footer Placeholder 5"/>
+          <p:cNvSpPr>
+            <a:spLocks noGrp="1"/>
+          </p:cNvSpPr>
+          <p:nvPr>
+            <p:ph type="ftr" sz="quarter" idx="4"/>
+          </p:nvPr>
+        </p:nvSpPr>
+        <p:spPr>
+          <a:xfrm>
+            <a:off x="0" y="8685213"/>
+            <a:ext cx="2971800" cy="458787"/>
+          </a:xfrm>
+          <a:prstGeom prst="rect">
+            <a:avLst/>
+          </a:prstGeom>
+        </p:spPr>
+        <p:txBody>
+          <a:bodyPr vert="horz" lIns="91440" tIns="45720" rIns="91440" bIns="45720" rtlCol="0" anchor="b"/>
+          <a:lstStyle>
+            <a:lvl1pPr algn="l">
+              <a:defRPr sz="1200"/>
+            </a:lvl1pPr>
+          </a:lstStyle>
+          <a:p>
+            <a:endParaRPr lang="en-US"/>
+          </a:p>
+        </p:txBody>
+      </p:sp>
+      <p:sp>
+        <p:nvSpPr>
+          <p:cNvPr id="7" name="Slide Number Placeholder 6"/>
+          <p:cNvSpPr>
+            <a:spLocks noGrp="1"/>
+          </p:cNvSpPr>
+          <p:nvPr>
+            <p:ph type="sldNum" sz="quarter" idx="5"/>
+          </p:nvPr>
+        </p:nvSpPr>
+        <p:spPr>
+          <a:xfrm>
+            <a:off x="3884613" y="8685213"/>
+            <a:ext cx="2971800" cy="458787"/>
+          </a:xfrm>
+          <a:prstGeom prst="rect">
+            <a:avLst/>
+          </a:prstGeom>
+        </p:spPr>
+        <p:txBody>
+          <a:bodyPr vert="horz" lIns="91440" tIns="45720" rIns="91440" bIns="45720" rtlCol="0" anchor="b"/>
+          <a:lstStyle>
+            <a:lvl1pPr algn="r">
+              <a:defRPr sz="1200"/>
+            </a:lvl1pPr>
+          </a:lstStyle>
+          <a:p>
+            <a:fld id="{C3D8217E-97CE-4E01-BDDF-22F26FA78057}" type="slidenum">
+              <a:rPr lang="en-US" smtClean="0"/>
+              <a:t>‹#›</a:t>
+            </a:fld>
+            <a:endParaRPr lang="en-US"/>
+          </a:p>
+        </p:txBody>
+      </p:sp>
+    </p:spTree>
+    <p:extLst>
+      <p:ext uri="{BB962C8B-B14F-4D97-AF65-F5344CB8AC3E}">
+        <p14:creationId xmlns:p14="http://schemas.microsoft.com/office/powerpoint/2010/main" val="2687724517"/>
+      </p:ext>
+    </p:extLst>
+  </p:cSld>
+  <p:clrMap bg1="lt1" tx1="dk1" bg2="lt2" tx2="dk2" accent1="accent1" accent2="accent2" accent3="accent3" accent4="accent4" accent5="accent5" accent6="accent6" hlink="hlink" folHlink="folHlink"/>
+  <p:notesStyle>
+    <a:lvl1pPr marL="0" algn="l" defTabSz="914400" rtl="0" eaLnBrk="1" latinLnBrk="0" hangingPunct="1">
+      <a:defRPr sz="1200" kern="1200">
+        <a:solidFill>
+          <a:schemeClr val="tx1"/>
+        </a:solidFill>
+        <a:latin typeface="+mn-lt"/>
+        <a:ea typeface="+mn-ea"/>
+        <a:cs typeface="+mn-cs"/>
+      </a:defRPr>
+    </a:lvl1pPr>
+    <a:lvl2pPr marL="457200" algn="l" defTabSz="914400" rtl="0" eaLnBrk="1" latinLnBrk="0" hangingPunct="1">
+      <a:defRPr sz="1200" kern="1200">
+        <a:solidFill>
+          <a:schemeClr val="tx1"/>
+        </a:solidFill>
+        <a:latin typeface="+mn-lt"/>
+        <a:ea typeface="+mn-ea"/>
+        <a:cs typeface="+mn-cs"/>
+      </a:defRPr>
+    </a:lvl2pPr>
+    <a:lvl3pPr marL="914400" algn="l" defTabSz="914400" rtl="0" eaLnBrk="1" latinLnBrk="0" hangingPunct="1">
+      <a:defRPr sz="1200" kern="1200">
+        <a:solidFill>
+          <a:schemeClr val="tx1"/>
+        </a:solidFill>
+        <a:latin typeface="+mn-lt"/>
+        <a:ea typeface="+mn-ea"/>
+        <a:cs typeface="+mn-cs"/>
+      </a:defRPr>
+    </a:lvl3pPr>
+    <a:lvl4pPr marL="1371600" algn="l" defTabSz="914400" rtl="0" eaLnBrk="1" latinLnBrk="0" hangingPunct="1">
+      <a:defRPr sz="1200" kern="1200">
+        <a:solidFill>
+          <a:schemeClr val="tx1"/>
+        </a:solidFill>
+        <a:latin typeface="+mn-lt"/>
+        <a:ea typeface="+mn-ea"/>
+        <a:cs typeface="+mn-cs"/>
+      </a:defRPr>
+    </a:lvl4pPr>
+    <a:lvl5pPr marL="1828800" algn="l" defTabSz="914400" rtl="0" eaLnBrk="1" latinLnBrk="0" hangingPunct="1">
+      <a:defRPr sz="1200" kern="1200">
+        <a:solidFill>
+          <a:schemeClr val="tx1"/>
+        </a:solidFill>
+        <a:latin typeface="+mn-lt"/>
+        <a:ea typeface="+mn-ea"/>
+        <a:cs typeface="+mn-cs"/>
+      </a:defRPr>
+    </a:lvl5pPr>
+    <a:lvl6pPr marL="2286000" algn="l" defTabSz="914400" rtl="0" eaLnBrk="1" latinLnBrk="0" hangingPunct="1">
+      <a:defRPr sz="1200" kern="1200">
+        <a:solidFill>
+          <a:schemeClr val="tx1"/>
+        </a:solidFill>
+        <a:latin typeface="+mn-lt"/>
+        <a:ea typeface="+mn-ea"/>
+        <a:cs typeface="+mn-cs"/>
+      </a:defRPr>
+    </a:lvl6pPr>
+    <a:lvl7pPr marL="2743200" algn="l" defTabSz="914400" rtl="0" eaLnBrk="1" latinLnBrk="0" hangingPunct="1">
+      <a:defRPr sz="1200" kern="1200">
+        <a:solidFill>
+          <a:schemeClr val="tx1"/>
+        </a:solidFill>
+        <a:latin typeface="+mn-lt"/>
+        <a:ea typeface="+mn-ea"/>
+        <a:cs typeface="+mn-cs"/>
+      </a:defRPr>
+    </a:lvl7pPr>
+    <a:lvl8pPr marL="3200400" algn="l" defTabSz="914400" rtl="0" eaLnBrk="1" latinLnBrk="0" hangingPunct="1">
+      <a:defRPr sz="1200" kern="1200">
+        <a:solidFill>
+          <a:schemeClr val="tx1"/>
+        </a:solidFill>
+        <a:latin typeface="+mn-lt"/>
+        <a:ea typeface="+mn-ea"/>
+        <a:cs typeface="+mn-cs"/>
+      </a:defRPr>
+    </a:lvl8pPr>
+    <a:lvl9pPr marL="3657600" algn="l" defTabSz="914400" rtl="0" eaLnBrk="1" latinLnBrk="0" hangingPunct="1">
+      <a:defRPr sz="1200" kern="1200">
+        <a:solidFill>
+          <a:schemeClr val="tx1"/>
+        </a:solidFill>
+        <a:latin typeface="+mn-lt"/>
+        <a:ea typeface="+mn-ea"/>
+        <a:cs typeface="+mn-cs"/>
+      </a:defRPr>
+    </a:lvl9pPr>
+  </p:notesStyle>
+</p:notesMaster>
+</file>
+
+<file path=ppt/notesSlides/notesSlide1.xml><?xml version="1.0" encoding="utf-8"?>
+<p:notes xmlns:a="http://schemas.openxmlformats.org/drawingml/2006/main" xmlns:r="http://schemas.openxmlformats.org/officeDocument/2006/relationships" xmlns:p="http://schemas.openxmlformats.org/presentationml/2006/main">
+  <p:cSld>
+    <p:spTree>
+      <p:nvGrpSpPr>
+        <p:cNvPr id="1" name=""/>
+        <p:cNvGrpSpPr/>
+        <p:nvPr/>
+      </p:nvGrpSpPr>
+      <p:grpSpPr>
+        <a:xfrm>
+          <a:off x="0" y="0"/>
+          <a:ext cx="0" cy="0"/>
+          <a:chOff x="0" y="0"/>
+          <a:chExt cx="0" cy="0"/>
+        </a:xfrm>
+      </p:grpSpPr>
+      <p:sp>
+        <p:nvSpPr>
+          <p:cNvPr id="2" name="Slide Image Placeholder 1"/>
+          <p:cNvSpPr>
+            <a:spLocks noGrp="1" noRot="1" noChangeAspect="1"/>
+          </p:cNvSpPr>
+          <p:nvPr>
+            <p:ph type="sldImg"/>
+          </p:nvPr>
+        </p:nvSpPr>
+        <p:spPr/>
+      </p:sp>
+      <p:sp>
+        <p:nvSpPr>
+          <p:cNvPr id="3" name="Notes Placeholder 2"/>
+          <p:cNvSpPr>
+            <a:spLocks noGrp="1"/>
+          </p:cNvSpPr>
+          <p:nvPr>
+            <p:ph type="body" idx="1"/>
+          </p:nvPr>
+        </p:nvSpPr>
+        <p:spPr/>
+        <p:txBody>
+          <a:bodyPr/>
+          <a:lstStyle/>
+          <a:p>
+            <a:endParaRPr lang="en-US" dirty="0"/>
+          </a:p>
+        </p:txBody>
+      </p:sp>
+      <p:sp>
+        <p:nvSpPr>
+          <p:cNvPr id="4" name="Slide Number Placeholder 3"/>
+          <p:cNvSpPr>
+            <a:spLocks noGrp="1"/>
+          </p:cNvSpPr>
+          <p:nvPr>
+            <p:ph type="sldNum" sz="quarter" idx="10"/>
+          </p:nvPr>
+        </p:nvSpPr>
+        <p:spPr/>
+        <p:txBody>
+          <a:bodyPr/>
+          <a:lstStyle/>
+          <a:p>
+            <a:fld id="{C3D8217E-97CE-4E01-BDDF-22F26FA78057}" type="slidenum">
+              <a:rPr lang="en-US" smtClean="0"/>
+              <a:t>3</a:t>
+            </a:fld>
+            <a:endParaRPr lang="en-US"/>
+          </a:p>
+        </p:txBody>
+      </p:sp>
+    </p:spTree>
+    <p:extLst>
+      <p:ext uri="{BB962C8B-B14F-4D97-AF65-F5344CB8AC3E}">
+        <p14:creationId xmlns:p14="http://schemas.microsoft.com/office/powerpoint/2010/main" val="618030038"/>
+      </p:ext>
+    </p:extLst>
+  </p:cSld>
+  <p:clrMapOvr>
+    <a:masterClrMapping/>
+  </p:clrMapOvr>
+</p:notes>
+</file>
+
+<file path=ppt/notesSlides/notesSlide2.xml><?xml version="1.0" encoding="utf-8"?>
+<p:notes xmlns:a="http://schemas.openxmlformats.org/drawingml/2006/main" xmlns:r="http://schemas.openxmlformats.org/officeDocument/2006/relationships" xmlns:p="http://schemas.openxmlformats.org/presentationml/2006/main">
+  <p:cSld>
+    <p:spTree>
+      <p:nvGrpSpPr>
+        <p:cNvPr id="1" name=""/>
+        <p:cNvGrpSpPr/>
+        <p:nvPr/>
+      </p:nvGrpSpPr>
+      <p:grpSpPr>
+        <a:xfrm>
+          <a:off x="0" y="0"/>
+          <a:ext cx="0" cy="0"/>
+          <a:chOff x="0" y="0"/>
+          <a:chExt cx="0" cy="0"/>
+        </a:xfrm>
+      </p:grpSpPr>
+      <p:sp>
+        <p:nvSpPr>
+          <p:cNvPr id="2" name="Slide Image Placeholder 1"/>
+          <p:cNvSpPr>
+            <a:spLocks noGrp="1" noRot="1" noChangeAspect="1"/>
+          </p:cNvSpPr>
+          <p:nvPr>
+            <p:ph type="sldImg"/>
+          </p:nvPr>
+        </p:nvSpPr>
+        <p:spPr/>
+      </p:sp>
+      <p:sp>
+        <p:nvSpPr>
+          <p:cNvPr id="3" name="Notes Placeholder 2"/>
+          <p:cNvSpPr>
+            <a:spLocks noGrp="1"/>
+          </p:cNvSpPr>
+          <p:nvPr>
+            <p:ph type="body" idx="1"/>
+          </p:nvPr>
+        </p:nvSpPr>
+        <p:spPr/>
+        <p:txBody>
+          <a:bodyPr/>
+          <a:lstStyle/>
+          <a:p>
+            <a:endParaRPr lang="en-US" dirty="0"/>
+          </a:p>
+        </p:txBody>
+      </p:sp>
+      <p:sp>
+        <p:nvSpPr>
+          <p:cNvPr id="4" name="Slide Number Placeholder 3"/>
+          <p:cNvSpPr>
+            <a:spLocks noGrp="1"/>
+          </p:cNvSpPr>
+          <p:nvPr>
+            <p:ph type="sldNum" sz="quarter" idx="10"/>
+          </p:nvPr>
+        </p:nvSpPr>
+        <p:spPr/>
+        <p:txBody>
+          <a:bodyPr/>
+          <a:lstStyle/>
+          <a:p>
+            <a:fld id="{C3D8217E-97CE-4E01-BDDF-22F26FA78057}" type="slidenum">
+              <a:rPr lang="en-US" smtClean="0"/>
+              <a:t>10</a:t>
+            </a:fld>
+            <a:endParaRPr lang="en-US"/>
+          </a:p>
+        </p:txBody>
+      </p:sp>
+    </p:spTree>
+    <p:extLst>
+      <p:ext uri="{BB962C8B-B14F-4D97-AF65-F5344CB8AC3E}">
+        <p14:creationId xmlns:p14="http://schemas.microsoft.com/office/powerpoint/2010/main" val="1679060015"/>
+      </p:ext>
+    </p:extLst>
+  </p:cSld>
+  <p:clrMapOvr>
+    <a:masterClrMapping/>
+  </p:clrMapOvr>
+</p:notes>
 </file>
 
 <file path=ppt/slideLayouts/slideLayout1.xml><?xml version="1.0" encoding="utf-8"?>
@@ -244,7 +811,7 @@
           <a:p>
             <a:fld id="{C3ED2144-9C76-4636-9D8F-BA5586FDC78C}" type="datetimeFigureOut">
               <a:rPr lang="en-US" smtClean="0"/>
-              <a:t>7/25/2017</a:t>
+              <a:t>8/17/2017</a:t>
             </a:fld>
             <a:endParaRPr lang="en-US"/>
           </a:p>
@@ -414,7 +981,7 @@
           <a:p>
             <a:fld id="{C3ED2144-9C76-4636-9D8F-BA5586FDC78C}" type="datetimeFigureOut">
               <a:rPr lang="en-US" smtClean="0"/>
-              <a:t>7/25/2017</a:t>
+              <a:t>8/17/2017</a:t>
             </a:fld>
             <a:endParaRPr lang="en-US"/>
           </a:p>
@@ -594,7 +1161,7 @@
           <a:p>
             <a:fld id="{C3ED2144-9C76-4636-9D8F-BA5586FDC78C}" type="datetimeFigureOut">
               <a:rPr lang="en-US" smtClean="0"/>
-              <a:t>7/25/2017</a:t>
+              <a:t>8/17/2017</a:t>
             </a:fld>
             <a:endParaRPr lang="en-US"/>
           </a:p>
@@ -764,7 +1331,7 @@
           <a:p>
             <a:fld id="{C3ED2144-9C76-4636-9D8F-BA5586FDC78C}" type="datetimeFigureOut">
               <a:rPr lang="en-US" smtClean="0"/>
-              <a:t>7/25/2017</a:t>
+              <a:t>8/17/2017</a:t>
             </a:fld>
             <a:endParaRPr lang="en-US"/>
           </a:p>
@@ -1010,7 +1577,7 @@
           <a:p>
             <a:fld id="{C3ED2144-9C76-4636-9D8F-BA5586FDC78C}" type="datetimeFigureOut">
               <a:rPr lang="en-US" smtClean="0"/>
-              <a:t>7/25/2017</a:t>
+              <a:t>8/17/2017</a:t>
             </a:fld>
             <a:endParaRPr lang="en-US"/>
           </a:p>
@@ -1242,7 +1809,7 @@
           <a:p>
             <a:fld id="{C3ED2144-9C76-4636-9D8F-BA5586FDC78C}" type="datetimeFigureOut">
               <a:rPr lang="en-US" smtClean="0"/>
-              <a:t>7/25/2017</a:t>
+              <a:t>8/17/2017</a:t>
             </a:fld>
             <a:endParaRPr lang="en-US"/>
           </a:p>
@@ -1609,7 +2176,7 @@
           <a:p>
             <a:fld id="{C3ED2144-9C76-4636-9D8F-BA5586FDC78C}" type="datetimeFigureOut">
               <a:rPr lang="en-US" smtClean="0"/>
-              <a:t>7/25/2017</a:t>
+              <a:t>8/17/2017</a:t>
             </a:fld>
             <a:endParaRPr lang="en-US"/>
           </a:p>
@@ -1727,7 +2294,7 @@
           <a:p>
             <a:fld id="{C3ED2144-9C76-4636-9D8F-BA5586FDC78C}" type="datetimeFigureOut">
               <a:rPr lang="en-US" smtClean="0"/>
-              <a:t>7/25/2017</a:t>
+              <a:t>8/17/2017</a:t>
             </a:fld>
             <a:endParaRPr lang="en-US"/>
           </a:p>
@@ -1822,7 +2389,7 @@
           <a:p>
             <a:fld id="{C3ED2144-9C76-4636-9D8F-BA5586FDC78C}" type="datetimeFigureOut">
               <a:rPr lang="en-US" smtClean="0"/>
-              <a:t>7/25/2017</a:t>
+              <a:t>8/17/2017</a:t>
             </a:fld>
             <a:endParaRPr lang="en-US"/>
           </a:p>
@@ -2099,7 +2666,7 @@
           <a:p>
             <a:fld id="{C3ED2144-9C76-4636-9D8F-BA5586FDC78C}" type="datetimeFigureOut">
               <a:rPr lang="en-US" smtClean="0"/>
-              <a:t>7/25/2017</a:t>
+              <a:t>8/17/2017</a:t>
             </a:fld>
             <a:endParaRPr lang="en-US"/>
           </a:p>
@@ -2352,7 +2919,7 @@
           <a:p>
             <a:fld id="{C3ED2144-9C76-4636-9D8F-BA5586FDC78C}" type="datetimeFigureOut">
               <a:rPr lang="en-US" smtClean="0"/>
-              <a:t>7/25/2017</a:t>
+              <a:t>8/17/2017</a:t>
             </a:fld>
             <a:endParaRPr lang="en-US"/>
           </a:p>
@@ -2565,7 +3132,7 @@
           <a:p>
             <a:fld id="{C3ED2144-9C76-4636-9D8F-BA5586FDC78C}" type="datetimeFigureOut">
               <a:rPr lang="en-US" smtClean="0"/>
-              <a:t>7/25/2017</a:t>
+              <a:t>8/17/2017</a:t>
             </a:fld>
             <a:endParaRPr lang="en-US"/>
           </a:p>
@@ -2954,6 +3521,3065 @@
 </file>
 
 <file path=ppt/slides/slide1.xml><?xml version="1.0" encoding="utf-8"?>
+<p:sld xmlns:a="http://schemas.openxmlformats.org/drawingml/2006/main" xmlns:r="http://schemas.openxmlformats.org/officeDocument/2006/relationships" xmlns:p="http://schemas.openxmlformats.org/presentationml/2006/main">
+  <p:cSld>
+    <p:spTree>
+      <p:nvGrpSpPr>
+        <p:cNvPr id="1" name=""/>
+        <p:cNvGrpSpPr/>
+        <p:nvPr/>
+      </p:nvGrpSpPr>
+      <p:grpSpPr>
+        <a:xfrm>
+          <a:off x="0" y="0"/>
+          <a:ext cx="0" cy="0"/>
+          <a:chOff x="0" y="0"/>
+          <a:chExt cx="0" cy="0"/>
+        </a:xfrm>
+      </p:grpSpPr>
+      <p:sp>
+        <p:nvSpPr>
+          <p:cNvPr id="2" name="Title 1"/>
+          <p:cNvSpPr>
+            <a:spLocks noGrp="1"/>
+          </p:cNvSpPr>
+          <p:nvPr>
+            <p:ph type="ctrTitle"/>
+          </p:nvPr>
+        </p:nvSpPr>
+        <p:spPr/>
+        <p:txBody>
+          <a:bodyPr/>
+          <a:lstStyle/>
+          <a:p>
+            <a:r>
+              <a:rPr lang="en-US" dirty="0" err="1" smtClean="0"/>
+              <a:t>justNoise</a:t>
+            </a:r>
+            <a:endParaRPr lang="en-US" dirty="0"/>
+          </a:p>
+        </p:txBody>
+      </p:sp>
+      <p:sp>
+        <p:nvSpPr>
+          <p:cNvPr id="3" name="Subtitle 2"/>
+          <p:cNvSpPr>
+            <a:spLocks noGrp="1"/>
+          </p:cNvSpPr>
+          <p:nvPr>
+            <p:ph type="subTitle" idx="1"/>
+          </p:nvPr>
+        </p:nvSpPr>
+        <p:spPr/>
+        <p:txBody>
+          <a:bodyPr/>
+          <a:lstStyle/>
+          <a:p>
+            <a:endParaRPr lang="en-US"/>
+          </a:p>
+        </p:txBody>
+      </p:sp>
+    </p:spTree>
+    <p:extLst>
+      <p:ext uri="{BB962C8B-B14F-4D97-AF65-F5344CB8AC3E}">
+        <p14:creationId xmlns:p14="http://schemas.microsoft.com/office/powerpoint/2010/main" val="3322384604"/>
+      </p:ext>
+    </p:extLst>
+  </p:cSld>
+  <p:clrMapOvr>
+    <a:masterClrMapping/>
+  </p:clrMapOvr>
+</p:sld>
+</file>
+
+<file path=ppt/slides/slide10.xml><?xml version="1.0" encoding="utf-8"?>
+<p:sld xmlns:a="http://schemas.openxmlformats.org/drawingml/2006/main" xmlns:r="http://schemas.openxmlformats.org/officeDocument/2006/relationships" xmlns:p="http://schemas.openxmlformats.org/presentationml/2006/main">
+  <p:cSld>
+    <p:spTree>
+      <p:nvGrpSpPr>
+        <p:cNvPr id="1" name=""/>
+        <p:cNvGrpSpPr/>
+        <p:nvPr/>
+      </p:nvGrpSpPr>
+      <p:grpSpPr>
+        <a:xfrm>
+          <a:off x="0" y="0"/>
+          <a:ext cx="0" cy="0"/>
+          <a:chOff x="0" y="0"/>
+          <a:chExt cx="0" cy="0"/>
+        </a:xfrm>
+      </p:grpSpPr>
+      <p:sp>
+        <p:nvSpPr>
+          <p:cNvPr id="2" name="Title 1"/>
+          <p:cNvSpPr>
+            <a:spLocks noGrp="1"/>
+          </p:cNvSpPr>
+          <p:nvPr>
+            <p:ph type="title"/>
+          </p:nvPr>
+        </p:nvSpPr>
+        <p:spPr/>
+        <p:txBody>
+          <a:bodyPr/>
+          <a:lstStyle/>
+          <a:p>
+            <a:r>
+              <a:rPr lang="en-US" dirty="0" smtClean="0"/>
+              <a:t>Page Flow</a:t>
+            </a:r>
+            <a:endParaRPr lang="en-US" dirty="0"/>
+          </a:p>
+        </p:txBody>
+      </p:sp>
+      <p:sp>
+        <p:nvSpPr>
+          <p:cNvPr id="4" name="Rectangle 3"/>
+          <p:cNvSpPr/>
+          <p:nvPr/>
+        </p:nvSpPr>
+        <p:spPr>
+          <a:xfrm>
+            <a:off x="5246286" y="3209360"/>
+            <a:ext cx="1699426" cy="896480"/>
+          </a:xfrm>
+          <a:prstGeom prst="rect">
+            <a:avLst/>
+          </a:prstGeom>
+          <a:effectLst>
+            <a:outerShdw blurRad="50800" dist="38100" dir="8100000" algn="tr" rotWithShape="0">
+              <a:prstClr val="black">
+                <a:alpha val="40000"/>
+              </a:prstClr>
+            </a:outerShdw>
+          </a:effectLst>
+        </p:spPr>
+        <p:style>
+          <a:lnRef idx="2">
+            <a:schemeClr val="dk1">
+              <a:shade val="50000"/>
+            </a:schemeClr>
+          </a:lnRef>
+          <a:fillRef idx="1">
+            <a:schemeClr val="dk1"/>
+          </a:fillRef>
+          <a:effectRef idx="0">
+            <a:schemeClr val="dk1"/>
+          </a:effectRef>
+          <a:fontRef idx="minor">
+            <a:schemeClr val="lt1"/>
+          </a:fontRef>
+        </p:style>
+        <p:txBody>
+          <a:bodyPr rtlCol="0" anchor="ctr"/>
+          <a:lstStyle/>
+          <a:p>
+            <a:pPr algn="ctr"/>
+            <a:r>
+              <a:rPr lang="en-US" dirty="0" smtClean="0"/>
+              <a:t>Home Page</a:t>
+            </a:r>
+            <a:endParaRPr lang="en-US" dirty="0"/>
+          </a:p>
+        </p:txBody>
+      </p:sp>
+      <p:sp>
+        <p:nvSpPr>
+          <p:cNvPr id="5" name="Rectangle 4"/>
+          <p:cNvSpPr/>
+          <p:nvPr/>
+        </p:nvSpPr>
+        <p:spPr>
+          <a:xfrm>
+            <a:off x="8115039" y="3209360"/>
+            <a:ext cx="1699426" cy="896480"/>
+          </a:xfrm>
+          <a:prstGeom prst="rect">
+            <a:avLst/>
+          </a:prstGeom>
+          <a:effectLst>
+            <a:outerShdw blurRad="50800" dist="38100" dir="8100000" algn="tr" rotWithShape="0">
+              <a:prstClr val="black">
+                <a:alpha val="40000"/>
+              </a:prstClr>
+            </a:outerShdw>
+          </a:effectLst>
+        </p:spPr>
+        <p:style>
+          <a:lnRef idx="2">
+            <a:schemeClr val="dk1">
+              <a:shade val="50000"/>
+            </a:schemeClr>
+          </a:lnRef>
+          <a:fillRef idx="1">
+            <a:schemeClr val="dk1"/>
+          </a:fillRef>
+          <a:effectRef idx="0">
+            <a:schemeClr val="dk1"/>
+          </a:effectRef>
+          <a:fontRef idx="minor">
+            <a:schemeClr val="lt1"/>
+          </a:fontRef>
+        </p:style>
+        <p:txBody>
+          <a:bodyPr rtlCol="0" anchor="ctr"/>
+          <a:lstStyle/>
+          <a:p>
+            <a:pPr algn="ctr"/>
+            <a:r>
+              <a:rPr lang="en-US" dirty="0" smtClean="0"/>
+              <a:t>Group Page</a:t>
+            </a:r>
+            <a:endParaRPr lang="en-US" dirty="0"/>
+          </a:p>
+        </p:txBody>
+      </p:sp>
+      <p:sp>
+        <p:nvSpPr>
+          <p:cNvPr id="6" name="Rectangle 5"/>
+          <p:cNvSpPr/>
+          <p:nvPr/>
+        </p:nvSpPr>
+        <p:spPr>
+          <a:xfrm>
+            <a:off x="2377533" y="2537000"/>
+            <a:ext cx="1699426" cy="896480"/>
+          </a:xfrm>
+          <a:prstGeom prst="rect">
+            <a:avLst/>
+          </a:prstGeom>
+          <a:effectLst>
+            <a:outerShdw blurRad="50800" dist="38100" dir="8100000" algn="tr" rotWithShape="0">
+              <a:prstClr val="black">
+                <a:alpha val="40000"/>
+              </a:prstClr>
+            </a:outerShdw>
+          </a:effectLst>
+        </p:spPr>
+        <p:style>
+          <a:lnRef idx="2">
+            <a:schemeClr val="dk1">
+              <a:shade val="50000"/>
+            </a:schemeClr>
+          </a:lnRef>
+          <a:fillRef idx="1">
+            <a:schemeClr val="dk1"/>
+          </a:fillRef>
+          <a:effectRef idx="0">
+            <a:schemeClr val="dk1"/>
+          </a:effectRef>
+          <a:fontRef idx="minor">
+            <a:schemeClr val="lt1"/>
+          </a:fontRef>
+        </p:style>
+        <p:txBody>
+          <a:bodyPr rtlCol="0" anchor="ctr"/>
+          <a:lstStyle/>
+          <a:p>
+            <a:pPr algn="ctr"/>
+            <a:r>
+              <a:rPr lang="en-US" dirty="0" smtClean="0"/>
+              <a:t>Sign Up Page</a:t>
+            </a:r>
+            <a:endParaRPr lang="en-US" dirty="0"/>
+          </a:p>
+        </p:txBody>
+      </p:sp>
+      <p:sp>
+        <p:nvSpPr>
+          <p:cNvPr id="7" name="Rectangle 6"/>
+          <p:cNvSpPr/>
+          <p:nvPr/>
+        </p:nvSpPr>
+        <p:spPr>
+          <a:xfrm>
+            <a:off x="2377533" y="4105840"/>
+            <a:ext cx="1699426" cy="896480"/>
+          </a:xfrm>
+          <a:prstGeom prst="rect">
+            <a:avLst/>
+          </a:prstGeom>
+          <a:effectLst>
+            <a:outerShdw blurRad="50800" dist="38100" dir="8100000" algn="tr" rotWithShape="0">
+              <a:prstClr val="black">
+                <a:alpha val="40000"/>
+              </a:prstClr>
+            </a:outerShdw>
+          </a:effectLst>
+        </p:spPr>
+        <p:style>
+          <a:lnRef idx="2">
+            <a:schemeClr val="dk1">
+              <a:shade val="50000"/>
+            </a:schemeClr>
+          </a:lnRef>
+          <a:fillRef idx="1">
+            <a:schemeClr val="dk1"/>
+          </a:fillRef>
+          <a:effectRef idx="0">
+            <a:schemeClr val="dk1"/>
+          </a:effectRef>
+          <a:fontRef idx="minor">
+            <a:schemeClr val="lt1"/>
+          </a:fontRef>
+        </p:style>
+        <p:txBody>
+          <a:bodyPr rtlCol="0" anchor="ctr"/>
+          <a:lstStyle/>
+          <a:p>
+            <a:pPr algn="ctr"/>
+            <a:r>
+              <a:rPr lang="en-US" dirty="0" smtClean="0"/>
+              <a:t>Log In Page</a:t>
+            </a:r>
+            <a:endParaRPr lang="en-US" dirty="0"/>
+          </a:p>
+        </p:txBody>
+      </p:sp>
+      <p:sp>
+        <p:nvSpPr>
+          <p:cNvPr id="8" name="Rectangle 7"/>
+          <p:cNvSpPr/>
+          <p:nvPr/>
+        </p:nvSpPr>
+        <p:spPr>
+          <a:xfrm>
+            <a:off x="8115039" y="4728032"/>
+            <a:ext cx="1699426" cy="896480"/>
+          </a:xfrm>
+          <a:prstGeom prst="rect">
+            <a:avLst/>
+          </a:prstGeom>
+          <a:effectLst>
+            <a:outerShdw blurRad="50800" dist="38100" dir="8100000" algn="tr" rotWithShape="0">
+              <a:prstClr val="black">
+                <a:alpha val="40000"/>
+              </a:prstClr>
+            </a:outerShdw>
+          </a:effectLst>
+        </p:spPr>
+        <p:style>
+          <a:lnRef idx="2">
+            <a:schemeClr val="dk1">
+              <a:shade val="50000"/>
+            </a:schemeClr>
+          </a:lnRef>
+          <a:fillRef idx="1">
+            <a:schemeClr val="dk1"/>
+          </a:fillRef>
+          <a:effectRef idx="0">
+            <a:schemeClr val="dk1"/>
+          </a:effectRef>
+          <a:fontRef idx="minor">
+            <a:schemeClr val="lt1"/>
+          </a:fontRef>
+        </p:style>
+        <p:txBody>
+          <a:bodyPr rtlCol="0" anchor="ctr"/>
+          <a:lstStyle/>
+          <a:p>
+            <a:pPr algn="ctr"/>
+            <a:r>
+              <a:rPr lang="en-US" dirty="0" smtClean="0"/>
+              <a:t>Post Page</a:t>
+            </a:r>
+            <a:endParaRPr lang="en-US" dirty="0"/>
+          </a:p>
+        </p:txBody>
+      </p:sp>
+      <p:cxnSp>
+        <p:nvCxnSpPr>
+          <p:cNvPr id="10" name="Straight Arrow Connector 9"/>
+          <p:cNvCxnSpPr>
+            <a:stCxn id="5" idx="2"/>
+            <a:endCxn id="8" idx="0"/>
+          </p:cNvCxnSpPr>
+          <p:nvPr/>
+        </p:nvCxnSpPr>
+        <p:spPr>
+          <a:xfrm>
+            <a:off x="8964752" y="4105840"/>
+            <a:ext cx="0" cy="622192"/>
+          </a:xfrm>
+          <a:prstGeom prst="straightConnector1">
+            <a:avLst/>
+          </a:prstGeom>
+          <a:ln>
+            <a:headEnd type="triangle"/>
+            <a:tailEnd type="triangle"/>
+          </a:ln>
+        </p:spPr>
+        <p:style>
+          <a:lnRef idx="1">
+            <a:schemeClr val="dk1"/>
+          </a:lnRef>
+          <a:fillRef idx="0">
+            <a:schemeClr val="dk1"/>
+          </a:fillRef>
+          <a:effectRef idx="0">
+            <a:schemeClr val="dk1"/>
+          </a:effectRef>
+          <a:fontRef idx="minor">
+            <a:schemeClr val="tx1"/>
+          </a:fontRef>
+        </p:style>
+      </p:cxnSp>
+      <p:sp>
+        <p:nvSpPr>
+          <p:cNvPr id="11" name="Rectangle 10"/>
+          <p:cNvSpPr/>
+          <p:nvPr/>
+        </p:nvSpPr>
+        <p:spPr>
+          <a:xfrm>
+            <a:off x="358493" y="3261966"/>
+            <a:ext cx="1699426" cy="896480"/>
+          </a:xfrm>
+          <a:prstGeom prst="rect">
+            <a:avLst/>
+          </a:prstGeom>
+          <a:effectLst>
+            <a:outerShdw blurRad="50800" dist="38100" dir="8100000" algn="tr" rotWithShape="0">
+              <a:prstClr val="black">
+                <a:alpha val="40000"/>
+              </a:prstClr>
+            </a:outerShdw>
+          </a:effectLst>
+        </p:spPr>
+        <p:style>
+          <a:lnRef idx="2">
+            <a:schemeClr val="dk1">
+              <a:shade val="50000"/>
+            </a:schemeClr>
+          </a:lnRef>
+          <a:fillRef idx="1">
+            <a:schemeClr val="dk1"/>
+          </a:fillRef>
+          <a:effectRef idx="0">
+            <a:schemeClr val="dk1"/>
+          </a:effectRef>
+          <a:fontRef idx="minor">
+            <a:schemeClr val="lt1"/>
+          </a:fontRef>
+        </p:style>
+        <p:txBody>
+          <a:bodyPr rtlCol="0" anchor="ctr"/>
+          <a:lstStyle/>
+          <a:p>
+            <a:pPr algn="ctr"/>
+            <a:r>
+              <a:rPr lang="en-US" dirty="0" smtClean="0"/>
+              <a:t>Landing Page</a:t>
+            </a:r>
+            <a:endParaRPr lang="en-US" dirty="0"/>
+          </a:p>
+        </p:txBody>
+      </p:sp>
+      <p:cxnSp>
+        <p:nvCxnSpPr>
+          <p:cNvPr id="13" name="Elbow Connector 12"/>
+          <p:cNvCxnSpPr>
+            <a:stCxn id="11" idx="0"/>
+            <a:endCxn id="6" idx="1"/>
+          </p:cNvCxnSpPr>
+          <p:nvPr/>
+        </p:nvCxnSpPr>
+        <p:spPr>
+          <a:xfrm rot="5400000" flipH="1" flipV="1">
+            <a:off x="1654506" y="2538940"/>
+            <a:ext cx="276726" cy="1169327"/>
+          </a:xfrm>
+          <a:prstGeom prst="bentConnector2">
+            <a:avLst/>
+          </a:prstGeom>
+          <a:ln>
+            <a:tailEnd type="triangle"/>
+          </a:ln>
+        </p:spPr>
+        <p:style>
+          <a:lnRef idx="1">
+            <a:schemeClr val="dk1"/>
+          </a:lnRef>
+          <a:fillRef idx="0">
+            <a:schemeClr val="dk1"/>
+          </a:fillRef>
+          <a:effectRef idx="0">
+            <a:schemeClr val="dk1"/>
+          </a:effectRef>
+          <a:fontRef idx="minor">
+            <a:schemeClr val="tx1"/>
+          </a:fontRef>
+        </p:style>
+      </p:cxnSp>
+      <p:cxnSp>
+        <p:nvCxnSpPr>
+          <p:cNvPr id="15" name="Elbow Connector 14"/>
+          <p:cNvCxnSpPr>
+            <a:stCxn id="11" idx="2"/>
+            <a:endCxn id="7" idx="1"/>
+          </p:cNvCxnSpPr>
+          <p:nvPr/>
+        </p:nvCxnSpPr>
+        <p:spPr>
+          <a:xfrm rot="16200000" flipH="1">
+            <a:off x="1595052" y="3771599"/>
+            <a:ext cx="395634" cy="1169327"/>
+          </a:xfrm>
+          <a:prstGeom prst="bentConnector2">
+            <a:avLst/>
+          </a:prstGeom>
+          <a:ln>
+            <a:tailEnd type="triangle"/>
+          </a:ln>
+        </p:spPr>
+        <p:style>
+          <a:lnRef idx="1">
+            <a:schemeClr val="dk1"/>
+          </a:lnRef>
+          <a:fillRef idx="0">
+            <a:schemeClr val="dk1"/>
+          </a:fillRef>
+          <a:effectRef idx="0">
+            <a:schemeClr val="dk1"/>
+          </a:effectRef>
+          <a:fontRef idx="minor">
+            <a:schemeClr val="tx1"/>
+          </a:fontRef>
+        </p:style>
+      </p:cxnSp>
+      <p:cxnSp>
+        <p:nvCxnSpPr>
+          <p:cNvPr id="17" name="Elbow Connector 16"/>
+          <p:cNvCxnSpPr>
+            <a:stCxn id="7" idx="3"/>
+            <a:endCxn id="4" idx="1"/>
+          </p:cNvCxnSpPr>
+          <p:nvPr/>
+        </p:nvCxnSpPr>
+        <p:spPr>
+          <a:xfrm flipV="1">
+            <a:off x="4076959" y="3657600"/>
+            <a:ext cx="1169327" cy="896480"/>
+          </a:xfrm>
+          <a:prstGeom prst="bentConnector3">
+            <a:avLst/>
+          </a:prstGeom>
+          <a:ln>
+            <a:tailEnd type="triangle"/>
+          </a:ln>
+        </p:spPr>
+        <p:style>
+          <a:lnRef idx="1">
+            <a:schemeClr val="dk1"/>
+          </a:lnRef>
+          <a:fillRef idx="0">
+            <a:schemeClr val="dk1"/>
+          </a:fillRef>
+          <a:effectRef idx="0">
+            <a:schemeClr val="dk1"/>
+          </a:effectRef>
+          <a:fontRef idx="minor">
+            <a:schemeClr val="tx1"/>
+          </a:fontRef>
+        </p:style>
+      </p:cxnSp>
+      <p:cxnSp>
+        <p:nvCxnSpPr>
+          <p:cNvPr id="19" name="Elbow Connector 18"/>
+          <p:cNvCxnSpPr>
+            <a:stCxn id="6" idx="3"/>
+            <a:endCxn id="4" idx="1"/>
+          </p:cNvCxnSpPr>
+          <p:nvPr/>
+        </p:nvCxnSpPr>
+        <p:spPr>
+          <a:xfrm>
+            <a:off x="4076959" y="2985240"/>
+            <a:ext cx="1169327" cy="672360"/>
+          </a:xfrm>
+          <a:prstGeom prst="bentConnector3">
+            <a:avLst/>
+          </a:prstGeom>
+          <a:ln>
+            <a:tailEnd type="triangle"/>
+          </a:ln>
+        </p:spPr>
+        <p:style>
+          <a:lnRef idx="1">
+            <a:schemeClr val="dk1"/>
+          </a:lnRef>
+          <a:fillRef idx="0">
+            <a:schemeClr val="dk1"/>
+          </a:fillRef>
+          <a:effectRef idx="0">
+            <a:schemeClr val="dk1"/>
+          </a:effectRef>
+          <a:fontRef idx="minor">
+            <a:schemeClr val="tx1"/>
+          </a:fontRef>
+        </p:style>
+      </p:cxnSp>
+      <p:cxnSp>
+        <p:nvCxnSpPr>
+          <p:cNvPr id="21" name="Straight Arrow Connector 20"/>
+          <p:cNvCxnSpPr>
+            <a:stCxn id="4" idx="3"/>
+            <a:endCxn id="5" idx="1"/>
+          </p:cNvCxnSpPr>
+          <p:nvPr/>
+        </p:nvCxnSpPr>
+        <p:spPr>
+          <a:xfrm>
+            <a:off x="6945712" y="3657600"/>
+            <a:ext cx="1169327" cy="0"/>
+          </a:xfrm>
+          <a:prstGeom prst="straightConnector1">
+            <a:avLst/>
+          </a:prstGeom>
+          <a:ln>
+            <a:headEnd type="triangle"/>
+            <a:tailEnd type="triangle"/>
+          </a:ln>
+        </p:spPr>
+        <p:style>
+          <a:lnRef idx="1">
+            <a:schemeClr val="dk1"/>
+          </a:lnRef>
+          <a:fillRef idx="0">
+            <a:schemeClr val="dk1"/>
+          </a:fillRef>
+          <a:effectRef idx="0">
+            <a:schemeClr val="dk1"/>
+          </a:effectRef>
+          <a:fontRef idx="minor">
+            <a:schemeClr val="tx1"/>
+          </a:fontRef>
+        </p:style>
+      </p:cxnSp>
+      <p:sp>
+        <p:nvSpPr>
+          <p:cNvPr id="26" name="Rectangle 25"/>
+          <p:cNvSpPr/>
+          <p:nvPr/>
+        </p:nvSpPr>
+        <p:spPr>
+          <a:xfrm>
+            <a:off x="10316818" y="3209360"/>
+            <a:ext cx="1699426" cy="896480"/>
+          </a:xfrm>
+          <a:prstGeom prst="rect">
+            <a:avLst/>
+          </a:prstGeom>
+          <a:effectLst>
+            <a:outerShdw blurRad="50800" dist="38100" dir="8100000" algn="tr" rotWithShape="0">
+              <a:prstClr val="black">
+                <a:alpha val="40000"/>
+              </a:prstClr>
+            </a:outerShdw>
+          </a:effectLst>
+        </p:spPr>
+        <p:style>
+          <a:lnRef idx="2">
+            <a:schemeClr val="dk1">
+              <a:shade val="50000"/>
+            </a:schemeClr>
+          </a:lnRef>
+          <a:fillRef idx="1">
+            <a:schemeClr val="dk1"/>
+          </a:fillRef>
+          <a:effectRef idx="0">
+            <a:schemeClr val="dk1"/>
+          </a:effectRef>
+          <a:fontRef idx="minor">
+            <a:schemeClr val="lt1"/>
+          </a:fontRef>
+        </p:style>
+        <p:txBody>
+          <a:bodyPr rtlCol="0" anchor="ctr"/>
+          <a:lstStyle/>
+          <a:p>
+            <a:pPr algn="ctr"/>
+            <a:r>
+              <a:rPr lang="en-US" dirty="0" smtClean="0"/>
+              <a:t>Create Post Page</a:t>
+            </a:r>
+            <a:endParaRPr lang="en-US" dirty="0"/>
+          </a:p>
+        </p:txBody>
+      </p:sp>
+      <p:sp>
+        <p:nvSpPr>
+          <p:cNvPr id="27" name="Rectangle 26"/>
+          <p:cNvSpPr/>
+          <p:nvPr/>
+        </p:nvSpPr>
+        <p:spPr>
+          <a:xfrm>
+            <a:off x="8115039" y="1579847"/>
+            <a:ext cx="1699426" cy="896480"/>
+          </a:xfrm>
+          <a:prstGeom prst="rect">
+            <a:avLst/>
+          </a:prstGeom>
+          <a:effectLst>
+            <a:outerShdw blurRad="50800" dist="38100" dir="8100000" algn="tr" rotWithShape="0">
+              <a:prstClr val="black">
+                <a:alpha val="40000"/>
+              </a:prstClr>
+            </a:outerShdw>
+          </a:effectLst>
+        </p:spPr>
+        <p:style>
+          <a:lnRef idx="2">
+            <a:schemeClr val="dk1">
+              <a:shade val="50000"/>
+            </a:schemeClr>
+          </a:lnRef>
+          <a:fillRef idx="1">
+            <a:schemeClr val="dk1"/>
+          </a:fillRef>
+          <a:effectRef idx="0">
+            <a:schemeClr val="dk1"/>
+          </a:effectRef>
+          <a:fontRef idx="minor">
+            <a:schemeClr val="lt1"/>
+          </a:fontRef>
+        </p:style>
+        <p:txBody>
+          <a:bodyPr rtlCol="0" anchor="ctr"/>
+          <a:lstStyle/>
+          <a:p>
+            <a:pPr algn="ctr"/>
+            <a:r>
+              <a:rPr lang="en-US" dirty="0" smtClean="0"/>
+              <a:t>Create Group Page</a:t>
+            </a:r>
+            <a:endParaRPr lang="en-US" dirty="0"/>
+          </a:p>
+        </p:txBody>
+      </p:sp>
+      <p:cxnSp>
+        <p:nvCxnSpPr>
+          <p:cNvPr id="29" name="Elbow Connector 28"/>
+          <p:cNvCxnSpPr>
+            <a:stCxn id="4" idx="0"/>
+            <a:endCxn id="27" idx="1"/>
+          </p:cNvCxnSpPr>
+          <p:nvPr/>
+        </p:nvCxnSpPr>
+        <p:spPr>
+          <a:xfrm rot="5400000" flipH="1" flipV="1">
+            <a:off x="6514883" y="1609204"/>
+            <a:ext cx="1181273" cy="2019040"/>
+          </a:xfrm>
+          <a:prstGeom prst="bentConnector2">
+            <a:avLst/>
+          </a:prstGeom>
+          <a:ln>
+            <a:tailEnd type="triangle"/>
+          </a:ln>
+        </p:spPr>
+        <p:style>
+          <a:lnRef idx="1">
+            <a:schemeClr val="dk1"/>
+          </a:lnRef>
+          <a:fillRef idx="0">
+            <a:schemeClr val="dk1"/>
+          </a:fillRef>
+          <a:effectRef idx="0">
+            <a:schemeClr val="dk1"/>
+          </a:effectRef>
+          <a:fontRef idx="minor">
+            <a:schemeClr val="tx1"/>
+          </a:fontRef>
+        </p:style>
+      </p:cxnSp>
+      <p:cxnSp>
+        <p:nvCxnSpPr>
+          <p:cNvPr id="31" name="Straight Arrow Connector 30"/>
+          <p:cNvCxnSpPr>
+            <a:stCxn id="27" idx="2"/>
+            <a:endCxn id="5" idx="0"/>
+          </p:cNvCxnSpPr>
+          <p:nvPr/>
+        </p:nvCxnSpPr>
+        <p:spPr>
+          <a:xfrm>
+            <a:off x="8964752" y="2476327"/>
+            <a:ext cx="0" cy="733033"/>
+          </a:xfrm>
+          <a:prstGeom prst="straightConnector1">
+            <a:avLst/>
+          </a:prstGeom>
+          <a:ln>
+            <a:tailEnd type="triangle"/>
+          </a:ln>
+        </p:spPr>
+        <p:style>
+          <a:lnRef idx="1">
+            <a:schemeClr val="accent1"/>
+          </a:lnRef>
+          <a:fillRef idx="0">
+            <a:schemeClr val="accent1"/>
+          </a:fillRef>
+          <a:effectRef idx="0">
+            <a:schemeClr val="accent1"/>
+          </a:effectRef>
+          <a:fontRef idx="minor">
+            <a:schemeClr val="tx1"/>
+          </a:fontRef>
+        </p:style>
+      </p:cxnSp>
+      <p:cxnSp>
+        <p:nvCxnSpPr>
+          <p:cNvPr id="33" name="Straight Arrow Connector 32"/>
+          <p:cNvCxnSpPr>
+            <a:stCxn id="27" idx="2"/>
+            <a:endCxn id="5" idx="0"/>
+          </p:cNvCxnSpPr>
+          <p:nvPr/>
+        </p:nvCxnSpPr>
+        <p:spPr>
+          <a:xfrm>
+            <a:off x="8964752" y="2476327"/>
+            <a:ext cx="0" cy="733033"/>
+          </a:xfrm>
+          <a:prstGeom prst="straightConnector1">
+            <a:avLst/>
+          </a:prstGeom>
+          <a:ln>
+            <a:tailEnd type="triangle"/>
+          </a:ln>
+        </p:spPr>
+        <p:style>
+          <a:lnRef idx="1">
+            <a:schemeClr val="dk1"/>
+          </a:lnRef>
+          <a:fillRef idx="0">
+            <a:schemeClr val="dk1"/>
+          </a:fillRef>
+          <a:effectRef idx="0">
+            <a:schemeClr val="dk1"/>
+          </a:effectRef>
+          <a:fontRef idx="minor">
+            <a:schemeClr val="tx1"/>
+          </a:fontRef>
+        </p:style>
+      </p:cxnSp>
+      <p:cxnSp>
+        <p:nvCxnSpPr>
+          <p:cNvPr id="35" name="Elbow Connector 34"/>
+          <p:cNvCxnSpPr>
+            <a:stCxn id="26" idx="2"/>
+            <a:endCxn id="8" idx="3"/>
+          </p:cNvCxnSpPr>
+          <p:nvPr/>
+        </p:nvCxnSpPr>
+        <p:spPr>
+          <a:xfrm rot="5400000">
+            <a:off x="9955282" y="3965023"/>
+            <a:ext cx="1070432" cy="1352066"/>
+          </a:xfrm>
+          <a:prstGeom prst="bentConnector2">
+            <a:avLst/>
+          </a:prstGeom>
+          <a:ln>
+            <a:tailEnd type="triangle"/>
+          </a:ln>
+        </p:spPr>
+        <p:style>
+          <a:lnRef idx="1">
+            <a:schemeClr val="dk1"/>
+          </a:lnRef>
+          <a:fillRef idx="0">
+            <a:schemeClr val="dk1"/>
+          </a:fillRef>
+          <a:effectRef idx="0">
+            <a:schemeClr val="dk1"/>
+          </a:effectRef>
+          <a:fontRef idx="minor">
+            <a:schemeClr val="tx1"/>
+          </a:fontRef>
+        </p:style>
+      </p:cxnSp>
+      <p:cxnSp>
+        <p:nvCxnSpPr>
+          <p:cNvPr id="37" name="Straight Arrow Connector 36"/>
+          <p:cNvCxnSpPr>
+            <a:stCxn id="5" idx="3"/>
+            <a:endCxn id="26" idx="1"/>
+          </p:cNvCxnSpPr>
+          <p:nvPr/>
+        </p:nvCxnSpPr>
+        <p:spPr>
+          <a:xfrm>
+            <a:off x="9814465" y="3657600"/>
+            <a:ext cx="502353" cy="0"/>
+          </a:xfrm>
+          <a:prstGeom prst="straightConnector1">
+            <a:avLst/>
+          </a:prstGeom>
+          <a:ln>
+            <a:tailEnd type="triangle"/>
+          </a:ln>
+        </p:spPr>
+        <p:style>
+          <a:lnRef idx="1">
+            <a:schemeClr val="dk1"/>
+          </a:lnRef>
+          <a:fillRef idx="0">
+            <a:schemeClr val="dk1"/>
+          </a:fillRef>
+          <a:effectRef idx="0">
+            <a:schemeClr val="dk1"/>
+          </a:effectRef>
+          <a:fontRef idx="minor">
+            <a:schemeClr val="tx1"/>
+          </a:fontRef>
+        </p:style>
+      </p:cxnSp>
+    </p:spTree>
+    <p:extLst>
+      <p:ext uri="{BB962C8B-B14F-4D97-AF65-F5344CB8AC3E}">
+        <p14:creationId xmlns:p14="http://schemas.microsoft.com/office/powerpoint/2010/main" val="1889244685"/>
+      </p:ext>
+    </p:extLst>
+  </p:cSld>
+  <p:clrMapOvr>
+    <a:masterClrMapping/>
+  </p:clrMapOvr>
+</p:sld>
+</file>
+
+<file path=ppt/slides/slide11.xml><?xml version="1.0" encoding="utf-8"?>
+<p:sld xmlns:a="http://schemas.openxmlformats.org/drawingml/2006/main" xmlns:r="http://schemas.openxmlformats.org/officeDocument/2006/relationships" xmlns:p="http://schemas.openxmlformats.org/presentationml/2006/main">
+  <p:cSld>
+    <p:spTree>
+      <p:nvGrpSpPr>
+        <p:cNvPr id="1" name=""/>
+        <p:cNvGrpSpPr/>
+        <p:nvPr/>
+      </p:nvGrpSpPr>
+      <p:grpSpPr>
+        <a:xfrm>
+          <a:off x="0" y="0"/>
+          <a:ext cx="0" cy="0"/>
+          <a:chOff x="0" y="0"/>
+          <a:chExt cx="0" cy="0"/>
+        </a:xfrm>
+      </p:grpSpPr>
+      <p:sp>
+        <p:nvSpPr>
+          <p:cNvPr id="2" name="Title 1"/>
+          <p:cNvSpPr>
+            <a:spLocks noGrp="1"/>
+          </p:cNvSpPr>
+          <p:nvPr>
+            <p:ph type="title"/>
+          </p:nvPr>
+        </p:nvSpPr>
+        <p:spPr/>
+        <p:txBody>
+          <a:bodyPr/>
+          <a:lstStyle/>
+          <a:p>
+            <a:r>
+              <a:rPr lang="en-US" dirty="0" smtClean="0"/>
+              <a:t>Landing Page</a:t>
+            </a:r>
+            <a:endParaRPr lang="en-US" dirty="0"/>
+          </a:p>
+        </p:txBody>
+      </p:sp>
+      <p:sp>
+        <p:nvSpPr>
+          <p:cNvPr id="3" name="Content Placeholder 2"/>
+          <p:cNvSpPr>
+            <a:spLocks noGrp="1"/>
+          </p:cNvSpPr>
+          <p:nvPr>
+            <p:ph idx="1"/>
+          </p:nvPr>
+        </p:nvSpPr>
+        <p:spPr/>
+        <p:txBody>
+          <a:bodyPr/>
+          <a:lstStyle/>
+          <a:p>
+            <a:endParaRPr lang="en-US"/>
+          </a:p>
+        </p:txBody>
+      </p:sp>
+    </p:spTree>
+    <p:extLst>
+      <p:ext uri="{BB962C8B-B14F-4D97-AF65-F5344CB8AC3E}">
+        <p14:creationId xmlns:p14="http://schemas.microsoft.com/office/powerpoint/2010/main" val="1671671073"/>
+      </p:ext>
+    </p:extLst>
+  </p:cSld>
+  <p:clrMapOvr>
+    <a:masterClrMapping/>
+  </p:clrMapOvr>
+</p:sld>
+</file>
+
+<file path=ppt/slides/slide12.xml><?xml version="1.0" encoding="utf-8"?>
+<p:sld xmlns:a="http://schemas.openxmlformats.org/drawingml/2006/main" xmlns:r="http://schemas.openxmlformats.org/officeDocument/2006/relationships" xmlns:p="http://schemas.openxmlformats.org/presentationml/2006/main">
+  <p:cSld>
+    <p:spTree>
+      <p:nvGrpSpPr>
+        <p:cNvPr id="1" name=""/>
+        <p:cNvGrpSpPr/>
+        <p:nvPr/>
+      </p:nvGrpSpPr>
+      <p:grpSpPr>
+        <a:xfrm>
+          <a:off x="0" y="0"/>
+          <a:ext cx="0" cy="0"/>
+          <a:chOff x="0" y="0"/>
+          <a:chExt cx="0" cy="0"/>
+        </a:xfrm>
+      </p:grpSpPr>
+      <p:sp>
+        <p:nvSpPr>
+          <p:cNvPr id="2" name="Title 1"/>
+          <p:cNvSpPr>
+            <a:spLocks noGrp="1"/>
+          </p:cNvSpPr>
+          <p:nvPr>
+            <p:ph type="title"/>
+          </p:nvPr>
+        </p:nvSpPr>
+        <p:spPr/>
+        <p:txBody>
+          <a:bodyPr/>
+          <a:lstStyle/>
+          <a:p>
+            <a:r>
+              <a:rPr lang="en-US" dirty="0" smtClean="0"/>
+              <a:t>Log In Page</a:t>
+            </a:r>
+            <a:endParaRPr lang="en-US" dirty="0"/>
+          </a:p>
+        </p:txBody>
+      </p:sp>
+      <p:sp>
+        <p:nvSpPr>
+          <p:cNvPr id="3" name="Content Placeholder 2"/>
+          <p:cNvSpPr>
+            <a:spLocks noGrp="1"/>
+          </p:cNvSpPr>
+          <p:nvPr>
+            <p:ph idx="1"/>
+          </p:nvPr>
+        </p:nvSpPr>
+        <p:spPr/>
+        <p:txBody>
+          <a:bodyPr/>
+          <a:lstStyle/>
+          <a:p>
+            <a:endParaRPr lang="en-US"/>
+          </a:p>
+        </p:txBody>
+      </p:sp>
+    </p:spTree>
+    <p:extLst>
+      <p:ext uri="{BB962C8B-B14F-4D97-AF65-F5344CB8AC3E}">
+        <p14:creationId xmlns:p14="http://schemas.microsoft.com/office/powerpoint/2010/main" val="1345238859"/>
+      </p:ext>
+    </p:extLst>
+  </p:cSld>
+  <p:clrMapOvr>
+    <a:masterClrMapping/>
+  </p:clrMapOvr>
+</p:sld>
+</file>
+
+<file path=ppt/slides/slide13.xml><?xml version="1.0" encoding="utf-8"?>
+<p:sld xmlns:a="http://schemas.openxmlformats.org/drawingml/2006/main" xmlns:r="http://schemas.openxmlformats.org/officeDocument/2006/relationships" xmlns:p="http://schemas.openxmlformats.org/presentationml/2006/main">
+  <p:cSld>
+    <p:spTree>
+      <p:nvGrpSpPr>
+        <p:cNvPr id="1" name=""/>
+        <p:cNvGrpSpPr/>
+        <p:nvPr/>
+      </p:nvGrpSpPr>
+      <p:grpSpPr>
+        <a:xfrm>
+          <a:off x="0" y="0"/>
+          <a:ext cx="0" cy="0"/>
+          <a:chOff x="0" y="0"/>
+          <a:chExt cx="0" cy="0"/>
+        </a:xfrm>
+      </p:grpSpPr>
+      <p:sp>
+        <p:nvSpPr>
+          <p:cNvPr id="2" name="Title 1"/>
+          <p:cNvSpPr>
+            <a:spLocks noGrp="1"/>
+          </p:cNvSpPr>
+          <p:nvPr>
+            <p:ph type="title"/>
+          </p:nvPr>
+        </p:nvSpPr>
+        <p:spPr/>
+        <p:txBody>
+          <a:bodyPr/>
+          <a:lstStyle/>
+          <a:p>
+            <a:r>
+              <a:rPr lang="en-US" dirty="0" smtClean="0"/>
+              <a:t>Sign In Page</a:t>
+            </a:r>
+            <a:endParaRPr lang="en-US" dirty="0"/>
+          </a:p>
+        </p:txBody>
+      </p:sp>
+      <p:sp>
+        <p:nvSpPr>
+          <p:cNvPr id="3" name="Content Placeholder 2"/>
+          <p:cNvSpPr>
+            <a:spLocks noGrp="1"/>
+          </p:cNvSpPr>
+          <p:nvPr>
+            <p:ph idx="1"/>
+          </p:nvPr>
+        </p:nvSpPr>
+        <p:spPr/>
+        <p:txBody>
+          <a:bodyPr/>
+          <a:lstStyle/>
+          <a:p>
+            <a:endParaRPr lang="en-US"/>
+          </a:p>
+        </p:txBody>
+      </p:sp>
+    </p:spTree>
+    <p:extLst>
+      <p:ext uri="{BB962C8B-B14F-4D97-AF65-F5344CB8AC3E}">
+        <p14:creationId xmlns:p14="http://schemas.microsoft.com/office/powerpoint/2010/main" val="1856546846"/>
+      </p:ext>
+    </p:extLst>
+  </p:cSld>
+  <p:clrMapOvr>
+    <a:masterClrMapping/>
+  </p:clrMapOvr>
+</p:sld>
+</file>
+
+<file path=ppt/slides/slide14.xml><?xml version="1.0" encoding="utf-8"?>
+<p:sld xmlns:a="http://schemas.openxmlformats.org/drawingml/2006/main" xmlns:r="http://schemas.openxmlformats.org/officeDocument/2006/relationships" xmlns:p="http://schemas.openxmlformats.org/presentationml/2006/main">
+  <p:cSld>
+    <p:spTree>
+      <p:nvGrpSpPr>
+        <p:cNvPr id="1" name=""/>
+        <p:cNvGrpSpPr/>
+        <p:nvPr/>
+      </p:nvGrpSpPr>
+      <p:grpSpPr>
+        <a:xfrm>
+          <a:off x="0" y="0"/>
+          <a:ext cx="0" cy="0"/>
+          <a:chOff x="0" y="0"/>
+          <a:chExt cx="0" cy="0"/>
+        </a:xfrm>
+      </p:grpSpPr>
+      <p:sp>
+        <p:nvSpPr>
+          <p:cNvPr id="2" name="Title 1"/>
+          <p:cNvSpPr>
+            <a:spLocks noGrp="1"/>
+          </p:cNvSpPr>
+          <p:nvPr>
+            <p:ph type="title"/>
+          </p:nvPr>
+        </p:nvSpPr>
+        <p:spPr/>
+        <p:txBody>
+          <a:bodyPr/>
+          <a:lstStyle/>
+          <a:p>
+            <a:r>
+              <a:rPr lang="en-US" dirty="0" smtClean="0"/>
+              <a:t>Home Page</a:t>
+            </a:r>
+            <a:endParaRPr lang="en-US" dirty="0"/>
+          </a:p>
+        </p:txBody>
+      </p:sp>
+      <p:sp>
+        <p:nvSpPr>
+          <p:cNvPr id="3" name="Content Placeholder 2"/>
+          <p:cNvSpPr>
+            <a:spLocks noGrp="1"/>
+          </p:cNvSpPr>
+          <p:nvPr>
+            <p:ph idx="1"/>
+          </p:nvPr>
+        </p:nvSpPr>
+        <p:spPr/>
+        <p:txBody>
+          <a:bodyPr/>
+          <a:lstStyle/>
+          <a:p>
+            <a:endParaRPr lang="en-US"/>
+          </a:p>
+        </p:txBody>
+      </p:sp>
+    </p:spTree>
+    <p:extLst>
+      <p:ext uri="{BB962C8B-B14F-4D97-AF65-F5344CB8AC3E}">
+        <p14:creationId xmlns:p14="http://schemas.microsoft.com/office/powerpoint/2010/main" val="3855984753"/>
+      </p:ext>
+    </p:extLst>
+  </p:cSld>
+  <p:clrMapOvr>
+    <a:masterClrMapping/>
+  </p:clrMapOvr>
+</p:sld>
+</file>
+
+<file path=ppt/slides/slide15.xml><?xml version="1.0" encoding="utf-8"?>
+<p:sld xmlns:a="http://schemas.openxmlformats.org/drawingml/2006/main" xmlns:r="http://schemas.openxmlformats.org/officeDocument/2006/relationships" xmlns:p="http://schemas.openxmlformats.org/presentationml/2006/main">
+  <p:cSld>
+    <p:spTree>
+      <p:nvGrpSpPr>
+        <p:cNvPr id="1" name=""/>
+        <p:cNvGrpSpPr/>
+        <p:nvPr/>
+      </p:nvGrpSpPr>
+      <p:grpSpPr>
+        <a:xfrm>
+          <a:off x="0" y="0"/>
+          <a:ext cx="0" cy="0"/>
+          <a:chOff x="0" y="0"/>
+          <a:chExt cx="0" cy="0"/>
+        </a:xfrm>
+      </p:grpSpPr>
+      <p:sp>
+        <p:nvSpPr>
+          <p:cNvPr id="2" name="Title 1"/>
+          <p:cNvSpPr>
+            <a:spLocks noGrp="1"/>
+          </p:cNvSpPr>
+          <p:nvPr>
+            <p:ph type="title"/>
+          </p:nvPr>
+        </p:nvSpPr>
+        <p:spPr/>
+        <p:txBody>
+          <a:bodyPr/>
+          <a:lstStyle/>
+          <a:p>
+            <a:r>
+              <a:rPr lang="en-US" dirty="0" smtClean="0"/>
+              <a:t>Create Group Page</a:t>
+            </a:r>
+            <a:endParaRPr lang="en-US" dirty="0"/>
+          </a:p>
+        </p:txBody>
+      </p:sp>
+      <p:sp>
+        <p:nvSpPr>
+          <p:cNvPr id="3" name="Content Placeholder 2"/>
+          <p:cNvSpPr>
+            <a:spLocks noGrp="1"/>
+          </p:cNvSpPr>
+          <p:nvPr>
+            <p:ph idx="1"/>
+          </p:nvPr>
+        </p:nvSpPr>
+        <p:spPr/>
+        <p:txBody>
+          <a:bodyPr/>
+          <a:lstStyle/>
+          <a:p>
+            <a:endParaRPr lang="en-US"/>
+          </a:p>
+        </p:txBody>
+      </p:sp>
+    </p:spTree>
+    <p:extLst>
+      <p:ext uri="{BB962C8B-B14F-4D97-AF65-F5344CB8AC3E}">
+        <p14:creationId xmlns:p14="http://schemas.microsoft.com/office/powerpoint/2010/main" val="3597795036"/>
+      </p:ext>
+    </p:extLst>
+  </p:cSld>
+  <p:clrMapOvr>
+    <a:masterClrMapping/>
+  </p:clrMapOvr>
+</p:sld>
+</file>
+
+<file path=ppt/slides/slide16.xml><?xml version="1.0" encoding="utf-8"?>
+<p:sld xmlns:a="http://schemas.openxmlformats.org/drawingml/2006/main" xmlns:r="http://schemas.openxmlformats.org/officeDocument/2006/relationships" xmlns:p="http://schemas.openxmlformats.org/presentationml/2006/main">
+  <p:cSld>
+    <p:spTree>
+      <p:nvGrpSpPr>
+        <p:cNvPr id="1" name=""/>
+        <p:cNvGrpSpPr/>
+        <p:nvPr/>
+      </p:nvGrpSpPr>
+      <p:grpSpPr>
+        <a:xfrm>
+          <a:off x="0" y="0"/>
+          <a:ext cx="0" cy="0"/>
+          <a:chOff x="0" y="0"/>
+          <a:chExt cx="0" cy="0"/>
+        </a:xfrm>
+      </p:grpSpPr>
+      <p:sp>
+        <p:nvSpPr>
+          <p:cNvPr id="2" name="Title 1"/>
+          <p:cNvSpPr>
+            <a:spLocks noGrp="1"/>
+          </p:cNvSpPr>
+          <p:nvPr>
+            <p:ph type="title"/>
+          </p:nvPr>
+        </p:nvSpPr>
+        <p:spPr/>
+        <p:txBody>
+          <a:bodyPr/>
+          <a:lstStyle/>
+          <a:p>
+            <a:r>
+              <a:rPr lang="en-US" dirty="0" smtClean="0"/>
+              <a:t>Group Page</a:t>
+            </a:r>
+            <a:endParaRPr lang="en-US" dirty="0"/>
+          </a:p>
+        </p:txBody>
+      </p:sp>
+      <p:sp>
+        <p:nvSpPr>
+          <p:cNvPr id="3" name="Content Placeholder 2"/>
+          <p:cNvSpPr>
+            <a:spLocks noGrp="1"/>
+          </p:cNvSpPr>
+          <p:nvPr>
+            <p:ph idx="1"/>
+          </p:nvPr>
+        </p:nvSpPr>
+        <p:spPr/>
+        <p:txBody>
+          <a:bodyPr/>
+          <a:lstStyle/>
+          <a:p>
+            <a:endParaRPr lang="en-US"/>
+          </a:p>
+        </p:txBody>
+      </p:sp>
+    </p:spTree>
+    <p:extLst>
+      <p:ext uri="{BB962C8B-B14F-4D97-AF65-F5344CB8AC3E}">
+        <p14:creationId xmlns:p14="http://schemas.microsoft.com/office/powerpoint/2010/main" val="998429482"/>
+      </p:ext>
+    </p:extLst>
+  </p:cSld>
+  <p:clrMapOvr>
+    <a:masterClrMapping/>
+  </p:clrMapOvr>
+</p:sld>
+</file>
+
+<file path=ppt/slides/slide17.xml><?xml version="1.0" encoding="utf-8"?>
+<p:sld xmlns:a="http://schemas.openxmlformats.org/drawingml/2006/main" xmlns:r="http://schemas.openxmlformats.org/officeDocument/2006/relationships" xmlns:p="http://schemas.openxmlformats.org/presentationml/2006/main">
+  <p:cSld>
+    <p:spTree>
+      <p:nvGrpSpPr>
+        <p:cNvPr id="1" name=""/>
+        <p:cNvGrpSpPr/>
+        <p:nvPr/>
+      </p:nvGrpSpPr>
+      <p:grpSpPr>
+        <a:xfrm>
+          <a:off x="0" y="0"/>
+          <a:ext cx="0" cy="0"/>
+          <a:chOff x="0" y="0"/>
+          <a:chExt cx="0" cy="0"/>
+        </a:xfrm>
+      </p:grpSpPr>
+      <p:sp>
+        <p:nvSpPr>
+          <p:cNvPr id="2" name="Title 1"/>
+          <p:cNvSpPr>
+            <a:spLocks noGrp="1"/>
+          </p:cNvSpPr>
+          <p:nvPr>
+            <p:ph type="title"/>
+          </p:nvPr>
+        </p:nvSpPr>
+        <p:spPr/>
+        <p:txBody>
+          <a:bodyPr/>
+          <a:lstStyle/>
+          <a:p>
+            <a:r>
+              <a:rPr lang="en-US" dirty="0" smtClean="0"/>
+              <a:t>Create Post Page</a:t>
+            </a:r>
+            <a:endParaRPr lang="en-US" dirty="0"/>
+          </a:p>
+        </p:txBody>
+      </p:sp>
+      <p:sp>
+        <p:nvSpPr>
+          <p:cNvPr id="3" name="Content Placeholder 2"/>
+          <p:cNvSpPr>
+            <a:spLocks noGrp="1"/>
+          </p:cNvSpPr>
+          <p:nvPr>
+            <p:ph idx="1"/>
+          </p:nvPr>
+        </p:nvSpPr>
+        <p:spPr/>
+        <p:txBody>
+          <a:bodyPr/>
+          <a:lstStyle/>
+          <a:p>
+            <a:endParaRPr lang="en-US"/>
+          </a:p>
+        </p:txBody>
+      </p:sp>
+    </p:spTree>
+    <p:extLst>
+      <p:ext uri="{BB962C8B-B14F-4D97-AF65-F5344CB8AC3E}">
+        <p14:creationId xmlns:p14="http://schemas.microsoft.com/office/powerpoint/2010/main" val="2038666187"/>
+      </p:ext>
+    </p:extLst>
+  </p:cSld>
+  <p:clrMapOvr>
+    <a:masterClrMapping/>
+  </p:clrMapOvr>
+</p:sld>
+</file>
+
+<file path=ppt/slides/slide18.xml><?xml version="1.0" encoding="utf-8"?>
+<p:sld xmlns:a="http://schemas.openxmlformats.org/drawingml/2006/main" xmlns:r="http://schemas.openxmlformats.org/officeDocument/2006/relationships" xmlns:p="http://schemas.openxmlformats.org/presentationml/2006/main">
+  <p:cSld>
+    <p:spTree>
+      <p:nvGrpSpPr>
+        <p:cNvPr id="1" name=""/>
+        <p:cNvGrpSpPr/>
+        <p:nvPr/>
+      </p:nvGrpSpPr>
+      <p:grpSpPr>
+        <a:xfrm>
+          <a:off x="0" y="0"/>
+          <a:ext cx="0" cy="0"/>
+          <a:chOff x="0" y="0"/>
+          <a:chExt cx="0" cy="0"/>
+        </a:xfrm>
+      </p:grpSpPr>
+      <p:sp>
+        <p:nvSpPr>
+          <p:cNvPr id="2" name="Title 1"/>
+          <p:cNvSpPr>
+            <a:spLocks noGrp="1"/>
+          </p:cNvSpPr>
+          <p:nvPr>
+            <p:ph type="title"/>
+          </p:nvPr>
+        </p:nvSpPr>
+        <p:spPr/>
+        <p:txBody>
+          <a:bodyPr/>
+          <a:lstStyle/>
+          <a:p>
+            <a:r>
+              <a:rPr lang="en-US" dirty="0" smtClean="0"/>
+              <a:t>Post Page</a:t>
+            </a:r>
+            <a:endParaRPr lang="en-US" dirty="0"/>
+          </a:p>
+        </p:txBody>
+      </p:sp>
+      <p:sp>
+        <p:nvSpPr>
+          <p:cNvPr id="3" name="Content Placeholder 2"/>
+          <p:cNvSpPr>
+            <a:spLocks noGrp="1"/>
+          </p:cNvSpPr>
+          <p:nvPr>
+            <p:ph idx="1"/>
+          </p:nvPr>
+        </p:nvSpPr>
+        <p:spPr/>
+        <p:txBody>
+          <a:bodyPr/>
+          <a:lstStyle/>
+          <a:p>
+            <a:endParaRPr lang="en-US"/>
+          </a:p>
+        </p:txBody>
+      </p:sp>
+    </p:spTree>
+    <p:extLst>
+      <p:ext uri="{BB962C8B-B14F-4D97-AF65-F5344CB8AC3E}">
+        <p14:creationId xmlns:p14="http://schemas.microsoft.com/office/powerpoint/2010/main" val="3861189935"/>
+      </p:ext>
+    </p:extLst>
+  </p:cSld>
+  <p:clrMapOvr>
+    <a:masterClrMapping/>
+  </p:clrMapOvr>
+</p:sld>
+</file>
+
+<file path=ppt/slides/slide2.xml><?xml version="1.0" encoding="utf-8"?>
+<p:sld xmlns:a="http://schemas.openxmlformats.org/drawingml/2006/main" xmlns:r="http://schemas.openxmlformats.org/officeDocument/2006/relationships" xmlns:p="http://schemas.openxmlformats.org/presentationml/2006/main">
+  <p:cSld>
+    <p:spTree>
+      <p:nvGrpSpPr>
+        <p:cNvPr id="1" name=""/>
+        <p:cNvGrpSpPr/>
+        <p:nvPr/>
+      </p:nvGrpSpPr>
+      <p:grpSpPr>
+        <a:xfrm>
+          <a:off x="0" y="0"/>
+          <a:ext cx="0" cy="0"/>
+          <a:chOff x="0" y="0"/>
+          <a:chExt cx="0" cy="0"/>
+        </a:xfrm>
+      </p:grpSpPr>
+      <p:sp>
+        <p:nvSpPr>
+          <p:cNvPr id="2" name="Title 1"/>
+          <p:cNvSpPr>
+            <a:spLocks noGrp="1"/>
+          </p:cNvSpPr>
+          <p:nvPr>
+            <p:ph type="title"/>
+          </p:nvPr>
+        </p:nvSpPr>
+        <p:spPr/>
+        <p:txBody>
+          <a:bodyPr/>
+          <a:lstStyle/>
+          <a:p>
+            <a:r>
+              <a:rPr lang="en-US" dirty="0" smtClean="0"/>
+              <a:t>Concept</a:t>
+            </a:r>
+            <a:endParaRPr lang="en-US" dirty="0"/>
+          </a:p>
+        </p:txBody>
+      </p:sp>
+      <p:sp>
+        <p:nvSpPr>
+          <p:cNvPr id="4" name="Rectangle 3"/>
+          <p:cNvSpPr/>
+          <p:nvPr/>
+        </p:nvSpPr>
+        <p:spPr>
+          <a:xfrm>
+            <a:off x="838200" y="1690688"/>
+            <a:ext cx="3513221" cy="811880"/>
+          </a:xfrm>
+          <a:prstGeom prst="rect">
+            <a:avLst/>
+          </a:prstGeom>
+        </p:spPr>
+        <p:style>
+          <a:lnRef idx="2">
+            <a:schemeClr val="dk1">
+              <a:shade val="50000"/>
+            </a:schemeClr>
+          </a:lnRef>
+          <a:fillRef idx="1">
+            <a:schemeClr val="dk1"/>
+          </a:fillRef>
+          <a:effectRef idx="0">
+            <a:schemeClr val="dk1"/>
+          </a:effectRef>
+          <a:fontRef idx="minor">
+            <a:schemeClr val="lt1"/>
+          </a:fontRef>
+        </p:style>
+        <p:txBody>
+          <a:bodyPr rtlCol="0" anchor="ctr"/>
+          <a:lstStyle/>
+          <a:p>
+            <a:pPr algn="ctr"/>
+            <a:r>
+              <a:rPr lang="en-US" dirty="0" smtClean="0"/>
+              <a:t>Unite</a:t>
+            </a:r>
+            <a:endParaRPr lang="en-US" dirty="0"/>
+          </a:p>
+        </p:txBody>
+      </p:sp>
+      <p:sp>
+        <p:nvSpPr>
+          <p:cNvPr id="5" name="Rectangle 4"/>
+          <p:cNvSpPr/>
+          <p:nvPr/>
+        </p:nvSpPr>
+        <p:spPr>
+          <a:xfrm>
+            <a:off x="4483768" y="1690688"/>
+            <a:ext cx="3513221" cy="811880"/>
+          </a:xfrm>
+          <a:prstGeom prst="rect">
+            <a:avLst/>
+          </a:prstGeom>
+        </p:spPr>
+        <p:style>
+          <a:lnRef idx="2">
+            <a:schemeClr val="dk1">
+              <a:shade val="50000"/>
+            </a:schemeClr>
+          </a:lnRef>
+          <a:fillRef idx="1">
+            <a:schemeClr val="dk1"/>
+          </a:fillRef>
+          <a:effectRef idx="0">
+            <a:schemeClr val="dk1"/>
+          </a:effectRef>
+          <a:fontRef idx="minor">
+            <a:schemeClr val="lt1"/>
+          </a:fontRef>
+        </p:style>
+        <p:txBody>
+          <a:bodyPr rtlCol="0" anchor="ctr"/>
+          <a:lstStyle/>
+          <a:p>
+            <a:pPr algn="ctr"/>
+            <a:r>
+              <a:rPr lang="en-US" dirty="0" smtClean="0"/>
+              <a:t>Share</a:t>
+            </a:r>
+            <a:endParaRPr lang="en-US" dirty="0"/>
+          </a:p>
+        </p:txBody>
+      </p:sp>
+      <p:sp>
+        <p:nvSpPr>
+          <p:cNvPr id="6" name="Rectangle 5"/>
+          <p:cNvSpPr/>
+          <p:nvPr/>
+        </p:nvSpPr>
+        <p:spPr>
+          <a:xfrm>
+            <a:off x="8129336" y="1690688"/>
+            <a:ext cx="3513221" cy="811880"/>
+          </a:xfrm>
+          <a:prstGeom prst="rect">
+            <a:avLst/>
+          </a:prstGeom>
+        </p:spPr>
+        <p:style>
+          <a:lnRef idx="2">
+            <a:schemeClr val="dk1">
+              <a:shade val="50000"/>
+            </a:schemeClr>
+          </a:lnRef>
+          <a:fillRef idx="1">
+            <a:schemeClr val="dk1"/>
+          </a:fillRef>
+          <a:effectRef idx="0">
+            <a:schemeClr val="dk1"/>
+          </a:effectRef>
+          <a:fontRef idx="minor">
+            <a:schemeClr val="lt1"/>
+          </a:fontRef>
+        </p:style>
+        <p:txBody>
+          <a:bodyPr rtlCol="0" anchor="ctr"/>
+          <a:lstStyle/>
+          <a:p>
+            <a:pPr algn="ctr"/>
+            <a:r>
+              <a:rPr lang="en-US" dirty="0" smtClean="0"/>
+              <a:t>Enjoy</a:t>
+            </a:r>
+            <a:endParaRPr lang="en-US" dirty="0"/>
+          </a:p>
+        </p:txBody>
+      </p:sp>
+    </p:spTree>
+    <p:extLst>
+      <p:ext uri="{BB962C8B-B14F-4D97-AF65-F5344CB8AC3E}">
+        <p14:creationId xmlns:p14="http://schemas.microsoft.com/office/powerpoint/2010/main" val="3602695583"/>
+      </p:ext>
+    </p:extLst>
+  </p:cSld>
+  <p:clrMapOvr>
+    <a:masterClrMapping/>
+  </p:clrMapOvr>
+</p:sld>
+</file>
+
+<file path=ppt/slides/slide3.xml><?xml version="1.0" encoding="utf-8"?>
+<p:sld xmlns:a="http://schemas.openxmlformats.org/drawingml/2006/main" xmlns:r="http://schemas.openxmlformats.org/officeDocument/2006/relationships" xmlns:p="http://schemas.openxmlformats.org/presentationml/2006/main">
+  <p:cSld>
+    <p:spTree>
+      <p:nvGrpSpPr>
+        <p:cNvPr id="1" name=""/>
+        <p:cNvGrpSpPr/>
+        <p:nvPr/>
+      </p:nvGrpSpPr>
+      <p:grpSpPr>
+        <a:xfrm>
+          <a:off x="0" y="0"/>
+          <a:ext cx="0" cy="0"/>
+          <a:chOff x="0" y="0"/>
+          <a:chExt cx="0" cy="0"/>
+        </a:xfrm>
+      </p:grpSpPr>
+      <p:sp>
+        <p:nvSpPr>
+          <p:cNvPr id="27" name="Rectangle 26"/>
+          <p:cNvSpPr/>
+          <p:nvPr/>
+        </p:nvSpPr>
+        <p:spPr>
+          <a:xfrm>
+            <a:off x="11206664" y="1392989"/>
+            <a:ext cx="2651955" cy="3152246"/>
+          </a:xfrm>
+          <a:prstGeom prst="rect">
+            <a:avLst/>
+          </a:prstGeom>
+        </p:spPr>
+        <p:style>
+          <a:lnRef idx="1">
+            <a:schemeClr val="accent3"/>
+          </a:lnRef>
+          <a:fillRef idx="2">
+            <a:schemeClr val="accent3"/>
+          </a:fillRef>
+          <a:effectRef idx="1">
+            <a:schemeClr val="accent3"/>
+          </a:effectRef>
+          <a:fontRef idx="minor">
+            <a:schemeClr val="dk1"/>
+          </a:fontRef>
+        </p:style>
+        <p:txBody>
+          <a:bodyPr rot="0" spcFirstLastPara="0" vertOverflow="overflow" horzOverflow="overflow" vert="horz" wrap="square" lIns="91440" tIns="45720" rIns="91440" bIns="45720" numCol="1" spcCol="0" rtlCol="0" fromWordArt="0" anchor="t" anchorCtr="0" forceAA="0" compatLnSpc="1">
+            <a:prstTxWarp prst="textNoShape">
+              <a:avLst/>
+            </a:prstTxWarp>
+            <a:noAutofit/>
+          </a:bodyPr>
+          <a:lstStyle/>
+          <a:p>
+            <a:pPr algn="ctr"/>
+            <a:r>
+              <a:rPr lang="en-US" dirty="0" smtClean="0">
+                <a:solidFill>
+                  <a:schemeClr val="dk1"/>
+                </a:solidFill>
+              </a:rPr>
+              <a:t>Technical</a:t>
+            </a:r>
+            <a:endParaRPr lang="en-US" dirty="0">
+              <a:solidFill>
+                <a:schemeClr val="dk1"/>
+              </a:solidFill>
+            </a:endParaRPr>
+          </a:p>
+        </p:txBody>
+      </p:sp>
+      <p:sp>
+        <p:nvSpPr>
+          <p:cNvPr id="25" name="Rectangle 24"/>
+          <p:cNvSpPr/>
+          <p:nvPr/>
+        </p:nvSpPr>
+        <p:spPr>
+          <a:xfrm>
+            <a:off x="8393779" y="3919621"/>
+            <a:ext cx="2651955" cy="2312736"/>
+          </a:xfrm>
+          <a:prstGeom prst="rect">
+            <a:avLst/>
+          </a:prstGeom>
+        </p:spPr>
+        <p:style>
+          <a:lnRef idx="1">
+            <a:schemeClr val="accent3"/>
+          </a:lnRef>
+          <a:fillRef idx="2">
+            <a:schemeClr val="accent3"/>
+          </a:fillRef>
+          <a:effectRef idx="1">
+            <a:schemeClr val="accent3"/>
+          </a:effectRef>
+          <a:fontRef idx="minor">
+            <a:schemeClr val="dk1"/>
+          </a:fontRef>
+        </p:style>
+        <p:txBody>
+          <a:bodyPr rot="0" spcFirstLastPara="0" vertOverflow="overflow" horzOverflow="overflow" vert="horz" wrap="square" lIns="91440" tIns="45720" rIns="91440" bIns="45720" numCol="1" spcCol="0" rtlCol="0" fromWordArt="0" anchor="t" anchorCtr="0" forceAA="0" compatLnSpc="1">
+            <a:prstTxWarp prst="textNoShape">
+              <a:avLst/>
+            </a:prstTxWarp>
+            <a:noAutofit/>
+          </a:bodyPr>
+          <a:lstStyle/>
+          <a:p>
+            <a:pPr algn="ctr"/>
+            <a:r>
+              <a:rPr lang="en-US" dirty="0" smtClean="0">
+                <a:solidFill>
+                  <a:schemeClr val="dk1"/>
+                </a:solidFill>
+              </a:rPr>
+              <a:t>Note Management</a:t>
+            </a:r>
+            <a:endParaRPr lang="en-US" dirty="0">
+              <a:solidFill>
+                <a:schemeClr val="dk1"/>
+              </a:solidFill>
+            </a:endParaRPr>
+          </a:p>
+        </p:txBody>
+      </p:sp>
+      <p:sp>
+        <p:nvSpPr>
+          <p:cNvPr id="2" name="Title 1"/>
+          <p:cNvSpPr>
+            <a:spLocks noGrp="1"/>
+          </p:cNvSpPr>
+          <p:nvPr>
+            <p:ph type="title"/>
+          </p:nvPr>
+        </p:nvSpPr>
+        <p:spPr/>
+        <p:txBody>
+          <a:bodyPr/>
+          <a:lstStyle/>
+          <a:p>
+            <a:r>
+              <a:rPr lang="en-US" dirty="0" smtClean="0"/>
+              <a:t>User Stories</a:t>
+            </a:r>
+            <a:endParaRPr lang="en-US" dirty="0"/>
+          </a:p>
+        </p:txBody>
+      </p:sp>
+      <p:sp>
+        <p:nvSpPr>
+          <p:cNvPr id="5" name="Rectangle 4"/>
+          <p:cNvSpPr/>
+          <p:nvPr/>
+        </p:nvSpPr>
+        <p:spPr>
+          <a:xfrm>
+            <a:off x="204039" y="1392989"/>
+            <a:ext cx="2651955" cy="3152246"/>
+          </a:xfrm>
+          <a:prstGeom prst="rect">
+            <a:avLst/>
+          </a:prstGeom>
+        </p:spPr>
+        <p:style>
+          <a:lnRef idx="1">
+            <a:schemeClr val="accent3"/>
+          </a:lnRef>
+          <a:fillRef idx="2">
+            <a:schemeClr val="accent3"/>
+          </a:fillRef>
+          <a:effectRef idx="1">
+            <a:schemeClr val="accent3"/>
+          </a:effectRef>
+          <a:fontRef idx="minor">
+            <a:schemeClr val="dk1"/>
+          </a:fontRef>
+        </p:style>
+        <p:txBody>
+          <a:bodyPr rot="0" spcFirstLastPara="0" vertOverflow="overflow" horzOverflow="overflow" vert="horz" wrap="square" lIns="91440" tIns="45720" rIns="91440" bIns="45720" numCol="1" spcCol="0" rtlCol="0" fromWordArt="0" anchor="t" anchorCtr="0" forceAA="0" compatLnSpc="1">
+            <a:prstTxWarp prst="textNoShape">
+              <a:avLst/>
+            </a:prstTxWarp>
+            <a:noAutofit/>
+          </a:bodyPr>
+          <a:lstStyle/>
+          <a:p>
+            <a:pPr algn="ctr"/>
+            <a:r>
+              <a:rPr lang="en-US" dirty="0">
+                <a:solidFill>
+                  <a:schemeClr val="dk1"/>
+                </a:solidFill>
+              </a:rPr>
+              <a:t>User Management</a:t>
+            </a:r>
+          </a:p>
+        </p:txBody>
+      </p:sp>
+      <p:sp>
+        <p:nvSpPr>
+          <p:cNvPr id="6" name="Rectangle 5"/>
+          <p:cNvSpPr/>
+          <p:nvPr/>
+        </p:nvSpPr>
+        <p:spPr>
+          <a:xfrm>
+            <a:off x="2928939" y="1392990"/>
+            <a:ext cx="2651955" cy="4129505"/>
+          </a:xfrm>
+          <a:prstGeom prst="rect">
+            <a:avLst/>
+          </a:prstGeom>
+        </p:spPr>
+        <p:style>
+          <a:lnRef idx="1">
+            <a:schemeClr val="accent3"/>
+          </a:lnRef>
+          <a:fillRef idx="2">
+            <a:schemeClr val="accent3"/>
+          </a:fillRef>
+          <a:effectRef idx="1">
+            <a:schemeClr val="accent3"/>
+          </a:effectRef>
+          <a:fontRef idx="minor">
+            <a:schemeClr val="dk1"/>
+          </a:fontRef>
+        </p:style>
+        <p:txBody>
+          <a:bodyPr rot="0" spcFirstLastPara="0" vertOverflow="overflow" horzOverflow="overflow" vert="horz" wrap="square" lIns="91440" tIns="45720" rIns="91440" bIns="45720" numCol="1" spcCol="0" rtlCol="0" fromWordArt="0" anchor="t" anchorCtr="0" forceAA="0" compatLnSpc="1">
+            <a:prstTxWarp prst="textNoShape">
+              <a:avLst/>
+            </a:prstTxWarp>
+            <a:noAutofit/>
+          </a:bodyPr>
+          <a:lstStyle/>
+          <a:p>
+            <a:pPr algn="ctr"/>
+            <a:r>
+              <a:rPr lang="en-US" dirty="0" smtClean="0">
+                <a:solidFill>
+                  <a:schemeClr val="dk1"/>
+                </a:solidFill>
+              </a:rPr>
+              <a:t>Group </a:t>
+            </a:r>
+            <a:r>
+              <a:rPr lang="en-US" dirty="0">
+                <a:solidFill>
+                  <a:schemeClr val="dk1"/>
+                </a:solidFill>
+              </a:rPr>
+              <a:t>Management</a:t>
+            </a:r>
+          </a:p>
+        </p:txBody>
+      </p:sp>
+      <p:sp>
+        <p:nvSpPr>
+          <p:cNvPr id="7" name="Rectangle 6"/>
+          <p:cNvSpPr/>
+          <p:nvPr/>
+        </p:nvSpPr>
+        <p:spPr>
+          <a:xfrm>
+            <a:off x="5661359" y="1392990"/>
+            <a:ext cx="2651955" cy="3152245"/>
+          </a:xfrm>
+          <a:prstGeom prst="rect">
+            <a:avLst/>
+          </a:prstGeom>
+        </p:spPr>
+        <p:style>
+          <a:lnRef idx="1">
+            <a:schemeClr val="accent3"/>
+          </a:lnRef>
+          <a:fillRef idx="2">
+            <a:schemeClr val="accent3"/>
+          </a:fillRef>
+          <a:effectRef idx="1">
+            <a:schemeClr val="accent3"/>
+          </a:effectRef>
+          <a:fontRef idx="minor">
+            <a:schemeClr val="dk1"/>
+          </a:fontRef>
+        </p:style>
+        <p:txBody>
+          <a:bodyPr rot="0" spcFirstLastPara="0" vertOverflow="overflow" horzOverflow="overflow" vert="horz" wrap="square" lIns="91440" tIns="45720" rIns="91440" bIns="45720" numCol="1" spcCol="0" rtlCol="0" fromWordArt="0" anchor="t" anchorCtr="0" forceAA="0" compatLnSpc="1">
+            <a:prstTxWarp prst="textNoShape">
+              <a:avLst/>
+            </a:prstTxWarp>
+            <a:noAutofit/>
+          </a:bodyPr>
+          <a:lstStyle/>
+          <a:p>
+            <a:pPr algn="ctr"/>
+            <a:r>
+              <a:rPr lang="en-US" dirty="0" smtClean="0">
+                <a:solidFill>
+                  <a:schemeClr val="dk1"/>
+                </a:solidFill>
+              </a:rPr>
+              <a:t>Post Management</a:t>
+            </a:r>
+            <a:endParaRPr lang="en-US" dirty="0">
+              <a:solidFill>
+                <a:schemeClr val="dk1"/>
+              </a:solidFill>
+            </a:endParaRPr>
+          </a:p>
+        </p:txBody>
+      </p:sp>
+      <p:sp>
+        <p:nvSpPr>
+          <p:cNvPr id="8" name="Rounded Rectangle 7"/>
+          <p:cNvSpPr/>
+          <p:nvPr/>
+        </p:nvSpPr>
+        <p:spPr>
+          <a:xfrm>
+            <a:off x="284506" y="1757055"/>
+            <a:ext cx="2491019" cy="855133"/>
+          </a:xfrm>
+          <a:prstGeom prst="roundRect">
+            <a:avLst>
+              <a:gd name="adj" fmla="val 6766"/>
+            </a:avLst>
+          </a:prstGeom>
+        </p:spPr>
+        <p:style>
+          <a:lnRef idx="2">
+            <a:schemeClr val="accent3">
+              <a:shade val="50000"/>
+            </a:schemeClr>
+          </a:lnRef>
+          <a:fillRef idx="1">
+            <a:schemeClr val="accent3"/>
+          </a:fillRef>
+          <a:effectRef idx="0">
+            <a:schemeClr val="accent3"/>
+          </a:effectRef>
+          <a:fontRef idx="minor">
+            <a:schemeClr val="lt1"/>
+          </a:fontRef>
+        </p:style>
+        <p:txBody>
+          <a:bodyPr rtlCol="0" anchor="ctr"/>
+          <a:lstStyle/>
+          <a:p>
+            <a:pPr algn="ctr"/>
+            <a:r>
+              <a:rPr lang="en-US" dirty="0" smtClean="0"/>
+              <a:t>Sign Up</a:t>
+            </a:r>
+            <a:endParaRPr lang="en-US" dirty="0"/>
+          </a:p>
+        </p:txBody>
+      </p:sp>
+      <p:sp>
+        <p:nvSpPr>
+          <p:cNvPr id="9" name="Rounded Rectangle 8"/>
+          <p:cNvSpPr/>
+          <p:nvPr/>
+        </p:nvSpPr>
+        <p:spPr>
+          <a:xfrm>
+            <a:off x="284506" y="2679922"/>
+            <a:ext cx="2491019" cy="855133"/>
+          </a:xfrm>
+          <a:prstGeom prst="roundRect">
+            <a:avLst>
+              <a:gd name="adj" fmla="val 6766"/>
+            </a:avLst>
+          </a:prstGeom>
+        </p:spPr>
+        <p:style>
+          <a:lnRef idx="2">
+            <a:schemeClr val="accent3">
+              <a:shade val="50000"/>
+            </a:schemeClr>
+          </a:lnRef>
+          <a:fillRef idx="1">
+            <a:schemeClr val="accent3"/>
+          </a:fillRef>
+          <a:effectRef idx="0">
+            <a:schemeClr val="accent3"/>
+          </a:effectRef>
+          <a:fontRef idx="minor">
+            <a:schemeClr val="lt1"/>
+          </a:fontRef>
+        </p:style>
+        <p:txBody>
+          <a:bodyPr rtlCol="0" anchor="ctr"/>
+          <a:lstStyle/>
+          <a:p>
+            <a:pPr algn="ctr"/>
+            <a:r>
+              <a:rPr lang="en-US" dirty="0" smtClean="0"/>
+              <a:t>Log In</a:t>
+            </a:r>
+            <a:endParaRPr lang="en-US" dirty="0"/>
+          </a:p>
+        </p:txBody>
+      </p:sp>
+      <p:sp>
+        <p:nvSpPr>
+          <p:cNvPr id="10" name="Rounded Rectangle 9"/>
+          <p:cNvSpPr/>
+          <p:nvPr/>
+        </p:nvSpPr>
+        <p:spPr>
+          <a:xfrm>
+            <a:off x="284506" y="3602789"/>
+            <a:ext cx="2491019" cy="855133"/>
+          </a:xfrm>
+          <a:prstGeom prst="roundRect">
+            <a:avLst>
+              <a:gd name="adj" fmla="val 6766"/>
+            </a:avLst>
+          </a:prstGeom>
+        </p:spPr>
+        <p:style>
+          <a:lnRef idx="2">
+            <a:schemeClr val="accent3">
+              <a:shade val="50000"/>
+            </a:schemeClr>
+          </a:lnRef>
+          <a:fillRef idx="1">
+            <a:schemeClr val="accent3"/>
+          </a:fillRef>
+          <a:effectRef idx="0">
+            <a:schemeClr val="accent3"/>
+          </a:effectRef>
+          <a:fontRef idx="minor">
+            <a:schemeClr val="lt1"/>
+          </a:fontRef>
+        </p:style>
+        <p:txBody>
+          <a:bodyPr rtlCol="0" anchor="ctr"/>
+          <a:lstStyle/>
+          <a:p>
+            <a:pPr algn="ctr"/>
+            <a:r>
+              <a:rPr lang="en-US" dirty="0" smtClean="0"/>
+              <a:t>Log Out</a:t>
+            </a:r>
+            <a:endParaRPr lang="en-US" dirty="0"/>
+          </a:p>
+        </p:txBody>
+      </p:sp>
+      <p:sp>
+        <p:nvSpPr>
+          <p:cNvPr id="11" name="Rounded Rectangle 10"/>
+          <p:cNvSpPr/>
+          <p:nvPr/>
+        </p:nvSpPr>
+        <p:spPr>
+          <a:xfrm>
+            <a:off x="3009406" y="1757056"/>
+            <a:ext cx="2491019" cy="855133"/>
+          </a:xfrm>
+          <a:prstGeom prst="roundRect">
+            <a:avLst>
+              <a:gd name="adj" fmla="val 6766"/>
+            </a:avLst>
+          </a:prstGeom>
+        </p:spPr>
+        <p:style>
+          <a:lnRef idx="2">
+            <a:schemeClr val="accent3">
+              <a:shade val="50000"/>
+            </a:schemeClr>
+          </a:lnRef>
+          <a:fillRef idx="1">
+            <a:schemeClr val="accent3"/>
+          </a:fillRef>
+          <a:effectRef idx="0">
+            <a:schemeClr val="accent3"/>
+          </a:effectRef>
+          <a:fontRef idx="minor">
+            <a:schemeClr val="lt1"/>
+          </a:fontRef>
+        </p:style>
+        <p:txBody>
+          <a:bodyPr rtlCol="0" anchor="ctr"/>
+          <a:lstStyle/>
+          <a:p>
+            <a:pPr algn="ctr"/>
+            <a:r>
+              <a:rPr lang="en-US" dirty="0" smtClean="0"/>
+              <a:t>Create Group</a:t>
+            </a:r>
+            <a:endParaRPr lang="en-US" dirty="0"/>
+          </a:p>
+        </p:txBody>
+      </p:sp>
+      <p:sp>
+        <p:nvSpPr>
+          <p:cNvPr id="12" name="Rounded Rectangle 11"/>
+          <p:cNvSpPr/>
+          <p:nvPr/>
+        </p:nvSpPr>
+        <p:spPr>
+          <a:xfrm>
+            <a:off x="3009405" y="2675688"/>
+            <a:ext cx="2491019" cy="855133"/>
+          </a:xfrm>
+          <a:prstGeom prst="roundRect">
+            <a:avLst>
+              <a:gd name="adj" fmla="val 6766"/>
+            </a:avLst>
+          </a:prstGeom>
+        </p:spPr>
+        <p:style>
+          <a:lnRef idx="2">
+            <a:schemeClr val="accent3">
+              <a:shade val="50000"/>
+            </a:schemeClr>
+          </a:lnRef>
+          <a:fillRef idx="1">
+            <a:schemeClr val="accent3"/>
+          </a:fillRef>
+          <a:effectRef idx="0">
+            <a:schemeClr val="accent3"/>
+          </a:effectRef>
+          <a:fontRef idx="minor">
+            <a:schemeClr val="lt1"/>
+          </a:fontRef>
+        </p:style>
+        <p:txBody>
+          <a:bodyPr rtlCol="0" anchor="ctr"/>
+          <a:lstStyle/>
+          <a:p>
+            <a:pPr algn="ctr"/>
+            <a:r>
+              <a:rPr lang="en-US" dirty="0" smtClean="0"/>
+              <a:t>Edit Group</a:t>
+            </a:r>
+            <a:endParaRPr lang="en-US" dirty="0"/>
+          </a:p>
+        </p:txBody>
+      </p:sp>
+      <p:sp>
+        <p:nvSpPr>
+          <p:cNvPr id="13" name="Rounded Rectangle 12"/>
+          <p:cNvSpPr/>
+          <p:nvPr/>
+        </p:nvSpPr>
+        <p:spPr>
+          <a:xfrm>
+            <a:off x="3009405" y="3602791"/>
+            <a:ext cx="2491019" cy="855133"/>
+          </a:xfrm>
+          <a:prstGeom prst="roundRect">
+            <a:avLst>
+              <a:gd name="adj" fmla="val 6766"/>
+            </a:avLst>
+          </a:prstGeom>
+        </p:spPr>
+        <p:style>
+          <a:lnRef idx="2">
+            <a:schemeClr val="accent3">
+              <a:shade val="50000"/>
+            </a:schemeClr>
+          </a:lnRef>
+          <a:fillRef idx="1">
+            <a:schemeClr val="accent3"/>
+          </a:fillRef>
+          <a:effectRef idx="0">
+            <a:schemeClr val="accent3"/>
+          </a:effectRef>
+          <a:fontRef idx="minor">
+            <a:schemeClr val="lt1"/>
+          </a:fontRef>
+        </p:style>
+        <p:txBody>
+          <a:bodyPr rtlCol="0" anchor="ctr"/>
+          <a:lstStyle/>
+          <a:p>
+            <a:pPr algn="ctr"/>
+            <a:r>
+              <a:rPr lang="en-US" dirty="0" smtClean="0"/>
+              <a:t>Add Contributor</a:t>
+            </a:r>
+            <a:endParaRPr lang="en-US" dirty="0"/>
+          </a:p>
+        </p:txBody>
+      </p:sp>
+      <p:sp>
+        <p:nvSpPr>
+          <p:cNvPr id="14" name="Rounded Rectangle 13"/>
+          <p:cNvSpPr/>
+          <p:nvPr/>
+        </p:nvSpPr>
+        <p:spPr>
+          <a:xfrm>
+            <a:off x="3009404" y="4545236"/>
+            <a:ext cx="2491019" cy="855133"/>
+          </a:xfrm>
+          <a:prstGeom prst="roundRect">
+            <a:avLst>
+              <a:gd name="adj" fmla="val 6766"/>
+            </a:avLst>
+          </a:prstGeom>
+        </p:spPr>
+        <p:style>
+          <a:lnRef idx="2">
+            <a:schemeClr val="accent3">
+              <a:shade val="50000"/>
+            </a:schemeClr>
+          </a:lnRef>
+          <a:fillRef idx="1">
+            <a:schemeClr val="accent3"/>
+          </a:fillRef>
+          <a:effectRef idx="0">
+            <a:schemeClr val="accent3"/>
+          </a:effectRef>
+          <a:fontRef idx="minor">
+            <a:schemeClr val="lt1"/>
+          </a:fontRef>
+        </p:style>
+        <p:txBody>
+          <a:bodyPr rtlCol="0" anchor="ctr"/>
+          <a:lstStyle/>
+          <a:p>
+            <a:pPr algn="ctr"/>
+            <a:r>
+              <a:rPr lang="en-US" dirty="0" smtClean="0"/>
+              <a:t>Remove Contributor</a:t>
+            </a:r>
+            <a:endParaRPr lang="en-US" dirty="0"/>
+          </a:p>
+        </p:txBody>
+      </p:sp>
+      <p:sp>
+        <p:nvSpPr>
+          <p:cNvPr id="15" name="Rounded Rectangle 14"/>
+          <p:cNvSpPr/>
+          <p:nvPr/>
+        </p:nvSpPr>
+        <p:spPr>
+          <a:xfrm>
+            <a:off x="5741826" y="1757055"/>
+            <a:ext cx="2491019" cy="855133"/>
+          </a:xfrm>
+          <a:prstGeom prst="roundRect">
+            <a:avLst>
+              <a:gd name="adj" fmla="val 6766"/>
+            </a:avLst>
+          </a:prstGeom>
+        </p:spPr>
+        <p:style>
+          <a:lnRef idx="2">
+            <a:schemeClr val="accent3">
+              <a:shade val="50000"/>
+            </a:schemeClr>
+          </a:lnRef>
+          <a:fillRef idx="1">
+            <a:schemeClr val="accent3"/>
+          </a:fillRef>
+          <a:effectRef idx="0">
+            <a:schemeClr val="accent3"/>
+          </a:effectRef>
+          <a:fontRef idx="minor">
+            <a:schemeClr val="lt1"/>
+          </a:fontRef>
+        </p:style>
+        <p:txBody>
+          <a:bodyPr rtlCol="0" anchor="ctr"/>
+          <a:lstStyle/>
+          <a:p>
+            <a:pPr algn="ctr"/>
+            <a:r>
+              <a:rPr lang="en-US" dirty="0" smtClean="0"/>
+              <a:t>Create Post</a:t>
+            </a:r>
+            <a:endParaRPr lang="en-US" dirty="0"/>
+          </a:p>
+        </p:txBody>
+      </p:sp>
+      <p:sp>
+        <p:nvSpPr>
+          <p:cNvPr id="16" name="Rounded Rectangle 15"/>
+          <p:cNvSpPr/>
+          <p:nvPr/>
+        </p:nvSpPr>
+        <p:spPr>
+          <a:xfrm>
+            <a:off x="5741825" y="2670309"/>
+            <a:ext cx="2491019" cy="855133"/>
+          </a:xfrm>
+          <a:prstGeom prst="roundRect">
+            <a:avLst>
+              <a:gd name="adj" fmla="val 6766"/>
+            </a:avLst>
+          </a:prstGeom>
+        </p:spPr>
+        <p:style>
+          <a:lnRef idx="2">
+            <a:schemeClr val="accent3">
+              <a:shade val="50000"/>
+            </a:schemeClr>
+          </a:lnRef>
+          <a:fillRef idx="1">
+            <a:schemeClr val="accent3"/>
+          </a:fillRef>
+          <a:effectRef idx="0">
+            <a:schemeClr val="accent3"/>
+          </a:effectRef>
+          <a:fontRef idx="minor">
+            <a:schemeClr val="lt1"/>
+          </a:fontRef>
+        </p:style>
+        <p:txBody>
+          <a:bodyPr rtlCol="0" anchor="ctr"/>
+          <a:lstStyle/>
+          <a:p>
+            <a:pPr algn="ctr"/>
+            <a:r>
+              <a:rPr lang="en-US" dirty="0" smtClean="0"/>
+              <a:t>Edit Post</a:t>
+            </a:r>
+            <a:endParaRPr lang="en-US" dirty="0"/>
+          </a:p>
+        </p:txBody>
+      </p:sp>
+      <p:sp>
+        <p:nvSpPr>
+          <p:cNvPr id="17" name="Rounded Rectangle 16"/>
+          <p:cNvSpPr/>
+          <p:nvPr/>
+        </p:nvSpPr>
+        <p:spPr>
+          <a:xfrm>
+            <a:off x="8474244" y="4267392"/>
+            <a:ext cx="2491019" cy="855133"/>
+          </a:xfrm>
+          <a:prstGeom prst="roundRect">
+            <a:avLst>
+              <a:gd name="adj" fmla="val 6766"/>
+            </a:avLst>
+          </a:prstGeom>
+        </p:spPr>
+        <p:style>
+          <a:lnRef idx="2">
+            <a:schemeClr val="accent3">
+              <a:shade val="50000"/>
+            </a:schemeClr>
+          </a:lnRef>
+          <a:fillRef idx="1">
+            <a:schemeClr val="accent3"/>
+          </a:fillRef>
+          <a:effectRef idx="0">
+            <a:schemeClr val="accent3"/>
+          </a:effectRef>
+          <a:fontRef idx="minor">
+            <a:schemeClr val="lt1"/>
+          </a:fontRef>
+        </p:style>
+        <p:txBody>
+          <a:bodyPr rtlCol="0" anchor="ctr"/>
+          <a:lstStyle/>
+          <a:p>
+            <a:pPr algn="ctr"/>
+            <a:r>
+              <a:rPr lang="en-US" dirty="0" smtClean="0"/>
+              <a:t>Like Post</a:t>
+            </a:r>
+            <a:endParaRPr lang="en-US" dirty="0"/>
+          </a:p>
+        </p:txBody>
+      </p:sp>
+      <p:sp>
+        <p:nvSpPr>
+          <p:cNvPr id="19" name="Rectangle 18"/>
+          <p:cNvSpPr/>
+          <p:nvPr/>
+        </p:nvSpPr>
+        <p:spPr>
+          <a:xfrm>
+            <a:off x="8393779" y="1392989"/>
+            <a:ext cx="2651955" cy="2312736"/>
+          </a:xfrm>
+          <a:prstGeom prst="rect">
+            <a:avLst/>
+          </a:prstGeom>
+        </p:spPr>
+        <p:style>
+          <a:lnRef idx="1">
+            <a:schemeClr val="accent3"/>
+          </a:lnRef>
+          <a:fillRef idx="2">
+            <a:schemeClr val="accent3"/>
+          </a:fillRef>
+          <a:effectRef idx="1">
+            <a:schemeClr val="accent3"/>
+          </a:effectRef>
+          <a:fontRef idx="minor">
+            <a:schemeClr val="dk1"/>
+          </a:fontRef>
+        </p:style>
+        <p:txBody>
+          <a:bodyPr rot="0" spcFirstLastPara="0" vertOverflow="overflow" horzOverflow="overflow" vert="horz" wrap="square" lIns="91440" tIns="45720" rIns="91440" bIns="45720" numCol="1" spcCol="0" rtlCol="0" fromWordArt="0" anchor="t" anchorCtr="0" forceAA="0" compatLnSpc="1">
+            <a:prstTxWarp prst="textNoShape">
+              <a:avLst/>
+            </a:prstTxWarp>
+            <a:noAutofit/>
+          </a:bodyPr>
+          <a:lstStyle/>
+          <a:p>
+            <a:pPr algn="ctr"/>
+            <a:r>
+              <a:rPr lang="en-US" dirty="0" smtClean="0">
+                <a:solidFill>
+                  <a:schemeClr val="dk1"/>
+                </a:solidFill>
+              </a:rPr>
+              <a:t>Browsing</a:t>
+            </a:r>
+            <a:endParaRPr lang="en-US" dirty="0">
+              <a:solidFill>
+                <a:schemeClr val="dk1"/>
+              </a:solidFill>
+            </a:endParaRPr>
+          </a:p>
+        </p:txBody>
+      </p:sp>
+      <p:sp>
+        <p:nvSpPr>
+          <p:cNvPr id="18" name="Rounded Rectangle 17"/>
+          <p:cNvSpPr/>
+          <p:nvPr/>
+        </p:nvSpPr>
+        <p:spPr>
+          <a:xfrm>
+            <a:off x="8474246" y="1757054"/>
+            <a:ext cx="2491019" cy="855133"/>
+          </a:xfrm>
+          <a:prstGeom prst="roundRect">
+            <a:avLst>
+              <a:gd name="adj" fmla="val 6766"/>
+            </a:avLst>
+          </a:prstGeom>
+        </p:spPr>
+        <p:style>
+          <a:lnRef idx="2">
+            <a:schemeClr val="accent3">
+              <a:shade val="50000"/>
+            </a:schemeClr>
+          </a:lnRef>
+          <a:fillRef idx="1">
+            <a:schemeClr val="accent3"/>
+          </a:fillRef>
+          <a:effectRef idx="0">
+            <a:schemeClr val="accent3"/>
+          </a:effectRef>
+          <a:fontRef idx="minor">
+            <a:schemeClr val="lt1"/>
+          </a:fontRef>
+        </p:style>
+        <p:txBody>
+          <a:bodyPr rtlCol="0" anchor="ctr"/>
+          <a:lstStyle/>
+          <a:p>
+            <a:pPr algn="ctr"/>
+            <a:r>
+              <a:rPr lang="en-US" dirty="0" smtClean="0"/>
+              <a:t>Browse Posts</a:t>
+            </a:r>
+            <a:endParaRPr lang="en-US" dirty="0"/>
+          </a:p>
+        </p:txBody>
+      </p:sp>
+      <p:sp>
+        <p:nvSpPr>
+          <p:cNvPr id="20" name="Rounded Rectangle 19"/>
+          <p:cNvSpPr/>
+          <p:nvPr/>
+        </p:nvSpPr>
+        <p:spPr>
+          <a:xfrm>
+            <a:off x="8474245" y="2679922"/>
+            <a:ext cx="2491019" cy="855133"/>
+          </a:xfrm>
+          <a:prstGeom prst="roundRect">
+            <a:avLst>
+              <a:gd name="adj" fmla="val 6766"/>
+            </a:avLst>
+          </a:prstGeom>
+        </p:spPr>
+        <p:style>
+          <a:lnRef idx="2">
+            <a:schemeClr val="accent3">
+              <a:shade val="50000"/>
+            </a:schemeClr>
+          </a:lnRef>
+          <a:fillRef idx="1">
+            <a:schemeClr val="accent3"/>
+          </a:fillRef>
+          <a:effectRef idx="0">
+            <a:schemeClr val="accent3"/>
+          </a:effectRef>
+          <a:fontRef idx="minor">
+            <a:schemeClr val="lt1"/>
+          </a:fontRef>
+        </p:style>
+        <p:txBody>
+          <a:bodyPr rtlCol="0" anchor="ctr"/>
+          <a:lstStyle/>
+          <a:p>
+            <a:pPr algn="ctr"/>
+            <a:r>
+              <a:rPr lang="en-US" dirty="0" smtClean="0"/>
+              <a:t>Browse Group</a:t>
+            </a:r>
+            <a:endParaRPr lang="en-US" dirty="0"/>
+          </a:p>
+        </p:txBody>
+      </p:sp>
+      <p:sp>
+        <p:nvSpPr>
+          <p:cNvPr id="21" name="Rounded Rectangle 20"/>
+          <p:cNvSpPr/>
+          <p:nvPr/>
+        </p:nvSpPr>
+        <p:spPr>
+          <a:xfrm>
+            <a:off x="11287129" y="3612149"/>
+            <a:ext cx="2491019" cy="855133"/>
+          </a:xfrm>
+          <a:prstGeom prst="roundRect">
+            <a:avLst>
+              <a:gd name="adj" fmla="val 6766"/>
+            </a:avLst>
+          </a:prstGeom>
+        </p:spPr>
+        <p:style>
+          <a:lnRef idx="2">
+            <a:schemeClr val="accent3">
+              <a:shade val="50000"/>
+            </a:schemeClr>
+          </a:lnRef>
+          <a:fillRef idx="1">
+            <a:schemeClr val="accent3"/>
+          </a:fillRef>
+          <a:effectRef idx="0">
+            <a:schemeClr val="accent3"/>
+          </a:effectRef>
+          <a:fontRef idx="minor">
+            <a:schemeClr val="lt1"/>
+          </a:fontRef>
+        </p:style>
+        <p:txBody>
+          <a:bodyPr rtlCol="0" anchor="ctr"/>
+          <a:lstStyle/>
+          <a:p>
+            <a:pPr algn="ctr"/>
+            <a:r>
+              <a:rPr lang="en-US" dirty="0" smtClean="0"/>
+              <a:t>Set up Spotify API</a:t>
+            </a:r>
+            <a:endParaRPr lang="en-US" dirty="0"/>
+          </a:p>
+        </p:txBody>
+      </p:sp>
+      <p:sp>
+        <p:nvSpPr>
+          <p:cNvPr id="22" name="Rounded Rectangle 21"/>
+          <p:cNvSpPr/>
+          <p:nvPr/>
+        </p:nvSpPr>
+        <p:spPr>
+          <a:xfrm>
+            <a:off x="11287130" y="2684601"/>
+            <a:ext cx="2491019" cy="855133"/>
+          </a:xfrm>
+          <a:prstGeom prst="roundRect">
+            <a:avLst>
+              <a:gd name="adj" fmla="val 6766"/>
+            </a:avLst>
+          </a:prstGeom>
+        </p:spPr>
+        <p:style>
+          <a:lnRef idx="2">
+            <a:schemeClr val="accent3">
+              <a:shade val="50000"/>
+            </a:schemeClr>
+          </a:lnRef>
+          <a:fillRef idx="1">
+            <a:schemeClr val="accent3"/>
+          </a:fillRef>
+          <a:effectRef idx="0">
+            <a:schemeClr val="accent3"/>
+          </a:effectRef>
+          <a:fontRef idx="minor">
+            <a:schemeClr val="lt1"/>
+          </a:fontRef>
+        </p:style>
+        <p:txBody>
+          <a:bodyPr rtlCol="0" anchor="ctr"/>
+          <a:lstStyle/>
+          <a:p>
+            <a:pPr algn="ctr"/>
+            <a:r>
+              <a:rPr lang="en-US" dirty="0" smtClean="0"/>
+              <a:t>Configure Database Interface (CRUD)</a:t>
+            </a:r>
+            <a:endParaRPr lang="en-US" dirty="0"/>
+          </a:p>
+        </p:txBody>
+      </p:sp>
+      <p:sp>
+        <p:nvSpPr>
+          <p:cNvPr id="23" name="Rounded Rectangle 22"/>
+          <p:cNvSpPr/>
+          <p:nvPr/>
+        </p:nvSpPr>
+        <p:spPr>
+          <a:xfrm>
+            <a:off x="11287131" y="1757053"/>
+            <a:ext cx="2491019" cy="855133"/>
+          </a:xfrm>
+          <a:prstGeom prst="roundRect">
+            <a:avLst>
+              <a:gd name="adj" fmla="val 6766"/>
+            </a:avLst>
+          </a:prstGeom>
+        </p:spPr>
+        <p:style>
+          <a:lnRef idx="2">
+            <a:schemeClr val="accent3">
+              <a:shade val="50000"/>
+            </a:schemeClr>
+          </a:lnRef>
+          <a:fillRef idx="1">
+            <a:schemeClr val="accent3"/>
+          </a:fillRef>
+          <a:effectRef idx="0">
+            <a:schemeClr val="accent3"/>
+          </a:effectRef>
+          <a:fontRef idx="minor">
+            <a:schemeClr val="lt1"/>
+          </a:fontRef>
+        </p:style>
+        <p:txBody>
+          <a:bodyPr rtlCol="0" anchor="ctr"/>
+          <a:lstStyle/>
+          <a:p>
+            <a:pPr algn="ctr"/>
+            <a:r>
+              <a:rPr lang="en-US" dirty="0" smtClean="0"/>
+              <a:t>Configure Database Interface (CRUD)</a:t>
+            </a:r>
+            <a:endParaRPr lang="en-US" dirty="0"/>
+          </a:p>
+        </p:txBody>
+      </p:sp>
+      <p:sp>
+        <p:nvSpPr>
+          <p:cNvPr id="24" name="Rounded Rectangle 23"/>
+          <p:cNvSpPr/>
+          <p:nvPr/>
+        </p:nvSpPr>
+        <p:spPr>
+          <a:xfrm>
+            <a:off x="8474244" y="5249874"/>
+            <a:ext cx="2491019" cy="855133"/>
+          </a:xfrm>
+          <a:prstGeom prst="roundRect">
+            <a:avLst>
+              <a:gd name="adj" fmla="val 6766"/>
+            </a:avLst>
+          </a:prstGeom>
+        </p:spPr>
+        <p:style>
+          <a:lnRef idx="2">
+            <a:schemeClr val="accent3">
+              <a:shade val="50000"/>
+            </a:schemeClr>
+          </a:lnRef>
+          <a:fillRef idx="1">
+            <a:schemeClr val="accent3"/>
+          </a:fillRef>
+          <a:effectRef idx="0">
+            <a:schemeClr val="accent3"/>
+          </a:effectRef>
+          <a:fontRef idx="minor">
+            <a:schemeClr val="lt1"/>
+          </a:fontRef>
+        </p:style>
+        <p:txBody>
+          <a:bodyPr rtlCol="0" anchor="ctr"/>
+          <a:lstStyle/>
+          <a:p>
+            <a:pPr algn="ctr"/>
+            <a:r>
+              <a:rPr lang="en-US" dirty="0" smtClean="0"/>
+              <a:t>View Likes</a:t>
+            </a:r>
+            <a:endParaRPr lang="en-US" dirty="0"/>
+          </a:p>
+        </p:txBody>
+      </p:sp>
+      <p:sp>
+        <p:nvSpPr>
+          <p:cNvPr id="26" name="Rounded Rectangle 25"/>
+          <p:cNvSpPr/>
+          <p:nvPr/>
+        </p:nvSpPr>
+        <p:spPr>
+          <a:xfrm>
+            <a:off x="5741825" y="3602789"/>
+            <a:ext cx="2491019" cy="855133"/>
+          </a:xfrm>
+          <a:prstGeom prst="roundRect">
+            <a:avLst>
+              <a:gd name="adj" fmla="val 6766"/>
+            </a:avLst>
+          </a:prstGeom>
+        </p:spPr>
+        <p:style>
+          <a:lnRef idx="2">
+            <a:schemeClr val="accent3">
+              <a:shade val="50000"/>
+            </a:schemeClr>
+          </a:lnRef>
+          <a:fillRef idx="1">
+            <a:schemeClr val="accent3"/>
+          </a:fillRef>
+          <a:effectRef idx="0">
+            <a:schemeClr val="accent3"/>
+          </a:effectRef>
+          <a:fontRef idx="minor">
+            <a:schemeClr val="lt1"/>
+          </a:fontRef>
+        </p:style>
+        <p:txBody>
+          <a:bodyPr rtlCol="0" anchor="ctr"/>
+          <a:lstStyle/>
+          <a:p>
+            <a:pPr algn="ctr"/>
+            <a:r>
+              <a:rPr lang="en-US" dirty="0" smtClean="0"/>
+              <a:t>Comment Post</a:t>
+            </a:r>
+            <a:endParaRPr lang="en-US" dirty="0"/>
+          </a:p>
+        </p:txBody>
+      </p:sp>
+    </p:spTree>
+    <p:extLst>
+      <p:ext uri="{BB962C8B-B14F-4D97-AF65-F5344CB8AC3E}">
+        <p14:creationId xmlns:p14="http://schemas.microsoft.com/office/powerpoint/2010/main" val="503015039"/>
+      </p:ext>
+    </p:extLst>
+  </p:cSld>
+  <p:clrMapOvr>
+    <a:masterClrMapping/>
+  </p:clrMapOvr>
+  <p:timing>
+    <p:tnLst>
+      <p:par>
+        <p:cTn id="1" dur="indefinite" restart="never" nodeType="tmRoot"/>
+      </p:par>
+    </p:tnLst>
+  </p:timing>
+</p:sld>
+</file>
+
+<file path=ppt/slides/slide4.xml><?xml version="1.0" encoding="utf-8"?>
+<p:sld xmlns:a="http://schemas.openxmlformats.org/drawingml/2006/main" xmlns:r="http://schemas.openxmlformats.org/officeDocument/2006/relationships" xmlns:p="http://schemas.openxmlformats.org/presentationml/2006/main">
+  <p:cSld>
+    <p:spTree>
+      <p:nvGrpSpPr>
+        <p:cNvPr id="1" name=""/>
+        <p:cNvGrpSpPr/>
+        <p:nvPr/>
+      </p:nvGrpSpPr>
+      <p:grpSpPr>
+        <a:xfrm>
+          <a:off x="0" y="0"/>
+          <a:ext cx="0" cy="0"/>
+          <a:chOff x="0" y="0"/>
+          <a:chExt cx="0" cy="0"/>
+        </a:xfrm>
+      </p:grpSpPr>
+      <p:sp>
+        <p:nvSpPr>
+          <p:cNvPr id="2" name="Title 1"/>
+          <p:cNvSpPr>
+            <a:spLocks noGrp="1"/>
+          </p:cNvSpPr>
+          <p:nvPr>
+            <p:ph type="title"/>
+          </p:nvPr>
+        </p:nvSpPr>
+        <p:spPr/>
+        <p:txBody>
+          <a:bodyPr/>
+          <a:lstStyle/>
+          <a:p>
+            <a:r>
+              <a:rPr lang="en-US" dirty="0" smtClean="0"/>
+              <a:t>Roadmap</a:t>
+            </a:r>
+            <a:endParaRPr lang="en-US" dirty="0"/>
+          </a:p>
+        </p:txBody>
+      </p:sp>
+      <p:sp>
+        <p:nvSpPr>
+          <p:cNvPr id="3" name="Content Placeholder 2"/>
+          <p:cNvSpPr>
+            <a:spLocks noGrp="1"/>
+          </p:cNvSpPr>
+          <p:nvPr>
+            <p:ph idx="1"/>
+          </p:nvPr>
+        </p:nvSpPr>
+        <p:spPr/>
+        <p:txBody>
+          <a:bodyPr/>
+          <a:lstStyle/>
+          <a:p>
+            <a:endParaRPr lang="en-US"/>
+          </a:p>
+        </p:txBody>
+      </p:sp>
+    </p:spTree>
+    <p:extLst>
+      <p:ext uri="{BB962C8B-B14F-4D97-AF65-F5344CB8AC3E}">
+        <p14:creationId xmlns:p14="http://schemas.microsoft.com/office/powerpoint/2010/main" val="2146494802"/>
+      </p:ext>
+    </p:extLst>
+  </p:cSld>
+  <p:clrMapOvr>
+    <a:masterClrMapping/>
+  </p:clrMapOvr>
+</p:sld>
+</file>
+
+<file path=ppt/slides/slide5.xml><?xml version="1.0" encoding="utf-8"?>
+<p:sld xmlns:a="http://schemas.openxmlformats.org/drawingml/2006/main" xmlns:r="http://schemas.openxmlformats.org/officeDocument/2006/relationships" xmlns:p="http://schemas.openxmlformats.org/presentationml/2006/main">
+  <p:cSld>
+    <p:spTree>
+      <p:nvGrpSpPr>
+        <p:cNvPr id="1" name=""/>
+        <p:cNvGrpSpPr/>
+        <p:nvPr/>
+      </p:nvGrpSpPr>
+      <p:grpSpPr>
+        <a:xfrm>
+          <a:off x="0" y="0"/>
+          <a:ext cx="0" cy="0"/>
+          <a:chOff x="0" y="0"/>
+          <a:chExt cx="0" cy="0"/>
+        </a:xfrm>
+      </p:grpSpPr>
+      <p:sp>
+        <p:nvSpPr>
+          <p:cNvPr id="2" name="Title 1"/>
+          <p:cNvSpPr>
+            <a:spLocks noGrp="1"/>
+          </p:cNvSpPr>
+          <p:nvPr>
+            <p:ph type="title"/>
+          </p:nvPr>
+        </p:nvSpPr>
+        <p:spPr/>
+        <p:txBody>
+          <a:bodyPr/>
+          <a:lstStyle/>
+          <a:p>
+            <a:r>
+              <a:rPr lang="en-US" dirty="0" smtClean="0"/>
+              <a:t>Personas</a:t>
+            </a:r>
+            <a:endParaRPr lang="en-US" dirty="0"/>
+          </a:p>
+        </p:txBody>
+      </p:sp>
+      <p:sp>
+        <p:nvSpPr>
+          <p:cNvPr id="3" name="Content Placeholder 2"/>
+          <p:cNvSpPr>
+            <a:spLocks noGrp="1"/>
+          </p:cNvSpPr>
+          <p:nvPr>
+            <p:ph idx="1"/>
+          </p:nvPr>
+        </p:nvSpPr>
+        <p:spPr/>
+        <p:txBody>
+          <a:bodyPr/>
+          <a:lstStyle/>
+          <a:p>
+            <a:endParaRPr lang="en-US"/>
+          </a:p>
+        </p:txBody>
+      </p:sp>
+    </p:spTree>
+    <p:extLst>
+      <p:ext uri="{BB962C8B-B14F-4D97-AF65-F5344CB8AC3E}">
+        <p14:creationId xmlns:p14="http://schemas.microsoft.com/office/powerpoint/2010/main" val="2016973897"/>
+      </p:ext>
+    </p:extLst>
+  </p:cSld>
+  <p:clrMapOvr>
+    <a:masterClrMapping/>
+  </p:clrMapOvr>
+</p:sld>
+</file>
+
+<file path=ppt/slides/slide6.xml><?xml version="1.0" encoding="utf-8"?>
+<p:sld xmlns:a="http://schemas.openxmlformats.org/drawingml/2006/main" xmlns:r="http://schemas.openxmlformats.org/officeDocument/2006/relationships" xmlns:p="http://schemas.openxmlformats.org/presentationml/2006/main">
+  <p:cSld>
+    <p:spTree>
+      <p:nvGrpSpPr>
+        <p:cNvPr id="1" name=""/>
+        <p:cNvGrpSpPr/>
+        <p:nvPr/>
+      </p:nvGrpSpPr>
+      <p:grpSpPr>
+        <a:xfrm>
+          <a:off x="0" y="0"/>
+          <a:ext cx="0" cy="0"/>
+          <a:chOff x="0" y="0"/>
+          <a:chExt cx="0" cy="0"/>
+        </a:xfrm>
+      </p:grpSpPr>
+      <p:sp>
+        <p:nvSpPr>
+          <p:cNvPr id="2" name="Title 1"/>
+          <p:cNvSpPr>
+            <a:spLocks noGrp="1"/>
+          </p:cNvSpPr>
+          <p:nvPr>
+            <p:ph type="title"/>
+          </p:nvPr>
+        </p:nvSpPr>
+        <p:spPr/>
+        <p:txBody>
+          <a:bodyPr/>
+          <a:lstStyle/>
+          <a:p>
+            <a:r>
+              <a:rPr lang="en-US" dirty="0" smtClean="0"/>
+              <a:t>Architecture</a:t>
+            </a:r>
+            <a:endParaRPr lang="en-US" dirty="0"/>
+          </a:p>
+        </p:txBody>
+      </p:sp>
+    </p:spTree>
+    <p:extLst>
+      <p:ext uri="{BB962C8B-B14F-4D97-AF65-F5344CB8AC3E}">
+        <p14:creationId xmlns:p14="http://schemas.microsoft.com/office/powerpoint/2010/main" val="214213512"/>
+      </p:ext>
+    </p:extLst>
+  </p:cSld>
+  <p:clrMapOvr>
+    <a:masterClrMapping/>
+  </p:clrMapOvr>
+</p:sld>
+</file>
+
+<file path=ppt/slides/slide7.xml><?xml version="1.0" encoding="utf-8"?>
 <p:sld xmlns:a="http://schemas.openxmlformats.org/drawingml/2006/main" xmlns:r="http://schemas.openxmlformats.org/officeDocument/2006/relationships" xmlns:p="http://schemas.openxmlformats.org/presentationml/2006/main">
   <p:cSld>
     <p:spTree>
@@ -11828,7 +15454,1776 @@
 </p:sld>
 </file>
 
-<file path=ppt/slides/slide2.xml><?xml version="1.0" encoding="utf-8"?>
+<file path=ppt/slides/slide8.xml><?xml version="1.0" encoding="utf-8"?>
+<p:sld xmlns:a="http://schemas.openxmlformats.org/drawingml/2006/main" xmlns:r="http://schemas.openxmlformats.org/officeDocument/2006/relationships" xmlns:p="http://schemas.openxmlformats.org/presentationml/2006/main">
+  <p:cSld>
+    <p:spTree>
+      <p:nvGrpSpPr>
+        <p:cNvPr id="1" name=""/>
+        <p:cNvGrpSpPr/>
+        <p:nvPr/>
+      </p:nvGrpSpPr>
+      <p:grpSpPr>
+        <a:xfrm>
+          <a:off x="0" y="0"/>
+          <a:ext cx="0" cy="0"/>
+          <a:chOff x="0" y="0"/>
+          <a:chExt cx="0" cy="0"/>
+        </a:xfrm>
+      </p:grpSpPr>
+      <p:sp>
+        <p:nvSpPr>
+          <p:cNvPr id="4" name="Rectangle 3"/>
+          <p:cNvSpPr/>
+          <p:nvPr/>
+        </p:nvSpPr>
+        <p:spPr>
+          <a:xfrm>
+            <a:off x="526471" y="208547"/>
+            <a:ext cx="7796453" cy="3485999"/>
+          </a:xfrm>
+          <a:prstGeom prst="rect">
+            <a:avLst/>
+          </a:prstGeom>
+        </p:spPr>
+        <p:style>
+          <a:lnRef idx="1">
+            <a:schemeClr val="accent3"/>
+          </a:lnRef>
+          <a:fillRef idx="2">
+            <a:schemeClr val="accent3"/>
+          </a:fillRef>
+          <a:effectRef idx="1">
+            <a:schemeClr val="accent3"/>
+          </a:effectRef>
+          <a:fontRef idx="minor">
+            <a:schemeClr val="dk1"/>
+          </a:fontRef>
+        </p:style>
+        <p:txBody>
+          <a:bodyPr rtlCol="0" anchor="t"/>
+          <a:lstStyle/>
+          <a:p>
+            <a:pPr algn="ctr"/>
+            <a:r>
+              <a:rPr lang="en-US" dirty="0" err="1" smtClean="0"/>
+              <a:t>JustNoise</a:t>
+            </a:r>
+            <a:r>
+              <a:rPr lang="en-US" dirty="0"/>
+              <a:t> </a:t>
+            </a:r>
+            <a:r>
+              <a:rPr lang="en-US" dirty="0" smtClean="0"/>
+              <a:t>Model</a:t>
+            </a:r>
+            <a:endParaRPr lang="en-US" dirty="0"/>
+          </a:p>
+        </p:txBody>
+      </p:sp>
+      <p:sp>
+        <p:nvSpPr>
+          <p:cNvPr id="6" name="Rectangle 5"/>
+          <p:cNvSpPr/>
+          <p:nvPr/>
+        </p:nvSpPr>
+        <p:spPr>
+          <a:xfrm>
+            <a:off x="526471" y="3759201"/>
+            <a:ext cx="7796454" cy="2632364"/>
+          </a:xfrm>
+          <a:prstGeom prst="rect">
+            <a:avLst/>
+          </a:prstGeom>
+        </p:spPr>
+        <p:style>
+          <a:lnRef idx="3">
+            <a:schemeClr val="lt1"/>
+          </a:lnRef>
+          <a:fillRef idx="1">
+            <a:schemeClr val="accent5"/>
+          </a:fillRef>
+          <a:effectRef idx="1">
+            <a:schemeClr val="accent5"/>
+          </a:effectRef>
+          <a:fontRef idx="minor">
+            <a:schemeClr val="lt1"/>
+          </a:fontRef>
+        </p:style>
+        <p:txBody>
+          <a:bodyPr rtlCol="0" anchor="b"/>
+          <a:lstStyle/>
+          <a:p>
+            <a:pPr algn="ctr"/>
+            <a:r>
+              <a:rPr lang="en-US" dirty="0" smtClean="0"/>
+              <a:t>Spotify API</a:t>
+            </a:r>
+            <a:endParaRPr lang="en-US" dirty="0"/>
+          </a:p>
+        </p:txBody>
+      </p:sp>
+      <p:sp>
+        <p:nvSpPr>
+          <p:cNvPr id="7" name="Rectangle 6"/>
+          <p:cNvSpPr/>
+          <p:nvPr/>
+        </p:nvSpPr>
+        <p:spPr>
+          <a:xfrm>
+            <a:off x="953279" y="4036536"/>
+            <a:ext cx="1439416" cy="1283369"/>
+          </a:xfrm>
+          <a:prstGeom prst="rect">
+            <a:avLst/>
+          </a:prstGeom>
+        </p:spPr>
+        <p:style>
+          <a:lnRef idx="2">
+            <a:schemeClr val="accent1">
+              <a:shade val="50000"/>
+            </a:schemeClr>
+          </a:lnRef>
+          <a:fillRef idx="1">
+            <a:schemeClr val="accent1"/>
+          </a:fillRef>
+          <a:effectRef idx="0">
+            <a:schemeClr val="accent1"/>
+          </a:effectRef>
+          <a:fontRef idx="minor">
+            <a:schemeClr val="lt1"/>
+          </a:fontRef>
+        </p:style>
+        <p:txBody>
+          <a:bodyPr rtlCol="0" anchor="t"/>
+          <a:lstStyle/>
+          <a:p>
+            <a:pPr algn="ctr"/>
+            <a:r>
+              <a:rPr lang="en-US" dirty="0" smtClean="0">
+                <a:solidFill>
+                  <a:sysClr val="windowText" lastClr="000000"/>
+                </a:solidFill>
+              </a:rPr>
+              <a:t>User</a:t>
+            </a:r>
+          </a:p>
+          <a:p>
+            <a:r>
+              <a:rPr lang="en-US" sz="1000" dirty="0" err="1" smtClean="0">
+                <a:solidFill>
+                  <a:sysClr val="windowText" lastClr="000000"/>
+                </a:solidFill>
+              </a:rPr>
+              <a:t>Display_name</a:t>
+            </a:r>
+            <a:r>
+              <a:rPr lang="en-US" sz="1000" dirty="0" smtClean="0">
+                <a:solidFill>
+                  <a:sysClr val="windowText" lastClr="000000"/>
+                </a:solidFill>
+              </a:rPr>
+              <a:t> (string)</a:t>
+            </a:r>
+          </a:p>
+          <a:p>
+            <a:r>
+              <a:rPr lang="en-US" sz="1000" dirty="0" err="1" smtClean="0">
+                <a:solidFill>
+                  <a:sysClr val="windowText" lastClr="000000"/>
+                </a:solidFill>
+              </a:rPr>
+              <a:t>Href</a:t>
+            </a:r>
+            <a:r>
+              <a:rPr lang="en-US" sz="1000" dirty="0" smtClean="0">
+                <a:solidFill>
+                  <a:sysClr val="windowText" lastClr="000000"/>
+                </a:solidFill>
+              </a:rPr>
+              <a:t> (string)</a:t>
+            </a:r>
+          </a:p>
+          <a:p>
+            <a:r>
+              <a:rPr lang="en-US" sz="1000" dirty="0" smtClean="0">
+                <a:solidFill>
+                  <a:sysClr val="windowText" lastClr="000000"/>
+                </a:solidFill>
+              </a:rPr>
+              <a:t>Id (string)</a:t>
+            </a:r>
+          </a:p>
+          <a:p>
+            <a:r>
+              <a:rPr lang="en-US" sz="1000" dirty="0" smtClean="0">
+                <a:solidFill>
+                  <a:sysClr val="windowText" lastClr="000000"/>
+                </a:solidFill>
+              </a:rPr>
+              <a:t>Images (image objects)</a:t>
+            </a:r>
+          </a:p>
+          <a:p>
+            <a:r>
+              <a:rPr lang="en-US" sz="1000" dirty="0" smtClean="0">
+                <a:solidFill>
+                  <a:sysClr val="windowText" lastClr="000000"/>
+                </a:solidFill>
+              </a:rPr>
+              <a:t>Type (string)</a:t>
+            </a:r>
+          </a:p>
+          <a:p>
+            <a:r>
+              <a:rPr lang="en-US" sz="1000" dirty="0" smtClean="0">
+                <a:solidFill>
+                  <a:sysClr val="windowText" lastClr="000000"/>
+                </a:solidFill>
+              </a:rPr>
+              <a:t>Uri (string)</a:t>
+            </a:r>
+          </a:p>
+        </p:txBody>
+      </p:sp>
+      <p:sp>
+        <p:nvSpPr>
+          <p:cNvPr id="8" name="Rectangle 7"/>
+          <p:cNvSpPr/>
+          <p:nvPr/>
+        </p:nvSpPr>
+        <p:spPr>
+          <a:xfrm>
+            <a:off x="2816128" y="4036536"/>
+            <a:ext cx="1439416" cy="1727198"/>
+          </a:xfrm>
+          <a:prstGeom prst="rect">
+            <a:avLst/>
+          </a:prstGeom>
+        </p:spPr>
+        <p:style>
+          <a:lnRef idx="2">
+            <a:schemeClr val="accent1">
+              <a:shade val="50000"/>
+            </a:schemeClr>
+          </a:lnRef>
+          <a:fillRef idx="1">
+            <a:schemeClr val="accent1"/>
+          </a:fillRef>
+          <a:effectRef idx="0">
+            <a:schemeClr val="accent1"/>
+          </a:effectRef>
+          <a:fontRef idx="minor">
+            <a:schemeClr val="lt1"/>
+          </a:fontRef>
+        </p:style>
+        <p:txBody>
+          <a:bodyPr rtlCol="0" anchor="t"/>
+          <a:lstStyle/>
+          <a:p>
+            <a:pPr algn="ctr"/>
+            <a:r>
+              <a:rPr lang="en-US" dirty="0" smtClean="0">
+                <a:solidFill>
+                  <a:sysClr val="windowText" lastClr="000000"/>
+                </a:solidFill>
+              </a:rPr>
+              <a:t>Playlist</a:t>
+            </a:r>
+          </a:p>
+          <a:p>
+            <a:r>
+              <a:rPr lang="en-US" sz="1000" dirty="0" smtClean="0">
+                <a:solidFill>
+                  <a:sysClr val="windowText" lastClr="000000"/>
+                </a:solidFill>
+              </a:rPr>
+              <a:t>Collaborative (Boolean)</a:t>
+            </a:r>
+          </a:p>
+          <a:p>
+            <a:r>
+              <a:rPr lang="en-US" sz="1000" dirty="0" smtClean="0">
+                <a:solidFill>
+                  <a:sysClr val="windowText" lastClr="000000"/>
+                </a:solidFill>
+              </a:rPr>
+              <a:t>Description (string)</a:t>
+            </a:r>
+          </a:p>
+          <a:p>
+            <a:r>
+              <a:rPr lang="en-US" sz="1000" dirty="0" err="1" smtClean="0">
+                <a:solidFill>
+                  <a:sysClr val="windowText" lastClr="000000"/>
+                </a:solidFill>
+              </a:rPr>
+              <a:t>Href</a:t>
+            </a:r>
+            <a:r>
+              <a:rPr lang="en-US" sz="1000" dirty="0" smtClean="0">
+                <a:solidFill>
+                  <a:sysClr val="windowText" lastClr="000000"/>
+                </a:solidFill>
+              </a:rPr>
+              <a:t> (string)</a:t>
+            </a:r>
+          </a:p>
+          <a:p>
+            <a:r>
+              <a:rPr lang="en-US" sz="1000" dirty="0" smtClean="0">
+                <a:solidFill>
+                  <a:sysClr val="windowText" lastClr="000000"/>
+                </a:solidFill>
+              </a:rPr>
+              <a:t>Id (string)</a:t>
+            </a:r>
+          </a:p>
+          <a:p>
+            <a:r>
+              <a:rPr lang="en-US" sz="1000" dirty="0" smtClean="0">
+                <a:solidFill>
+                  <a:sysClr val="windowText" lastClr="000000"/>
+                </a:solidFill>
+              </a:rPr>
+              <a:t>Images(image objects)</a:t>
+            </a:r>
+          </a:p>
+          <a:p>
+            <a:r>
+              <a:rPr lang="en-US" sz="1000" dirty="0" smtClean="0">
+                <a:solidFill>
+                  <a:sysClr val="windowText" lastClr="000000"/>
+                </a:solidFill>
+              </a:rPr>
+              <a:t>Name (string)</a:t>
+            </a:r>
+          </a:p>
+          <a:p>
+            <a:r>
+              <a:rPr lang="en-US" sz="1000" dirty="0" smtClean="0">
+                <a:solidFill>
+                  <a:sysClr val="windowText" lastClr="000000"/>
+                </a:solidFill>
+              </a:rPr>
+              <a:t>Tracks (track object)</a:t>
+            </a:r>
+          </a:p>
+          <a:p>
+            <a:r>
+              <a:rPr lang="en-US" sz="1000" dirty="0" smtClean="0">
+                <a:solidFill>
+                  <a:sysClr val="windowText" lastClr="000000"/>
+                </a:solidFill>
+              </a:rPr>
+              <a:t>Type (string)</a:t>
+            </a:r>
+          </a:p>
+          <a:p>
+            <a:r>
+              <a:rPr lang="en-US" sz="1000" dirty="0" smtClean="0">
+                <a:solidFill>
+                  <a:sysClr val="windowText" lastClr="000000"/>
+                </a:solidFill>
+              </a:rPr>
+              <a:t>Uri (string)</a:t>
+            </a:r>
+          </a:p>
+        </p:txBody>
+      </p:sp>
+      <p:sp>
+        <p:nvSpPr>
+          <p:cNvPr id="9" name="Rectangle 8"/>
+          <p:cNvSpPr/>
+          <p:nvPr/>
+        </p:nvSpPr>
+        <p:spPr>
+          <a:xfrm>
+            <a:off x="6551951" y="4036536"/>
+            <a:ext cx="1439416" cy="1884219"/>
+          </a:xfrm>
+          <a:prstGeom prst="rect">
+            <a:avLst/>
+          </a:prstGeom>
+        </p:spPr>
+        <p:style>
+          <a:lnRef idx="2">
+            <a:schemeClr val="accent1">
+              <a:shade val="50000"/>
+            </a:schemeClr>
+          </a:lnRef>
+          <a:fillRef idx="1">
+            <a:schemeClr val="accent1"/>
+          </a:fillRef>
+          <a:effectRef idx="0">
+            <a:schemeClr val="accent1"/>
+          </a:effectRef>
+          <a:fontRef idx="minor">
+            <a:schemeClr val="lt1"/>
+          </a:fontRef>
+        </p:style>
+        <p:txBody>
+          <a:bodyPr rtlCol="0" anchor="t"/>
+          <a:lstStyle/>
+          <a:p>
+            <a:pPr algn="ctr"/>
+            <a:r>
+              <a:rPr lang="en-US" dirty="0" smtClean="0">
+                <a:solidFill>
+                  <a:sysClr val="windowText" lastClr="000000"/>
+                </a:solidFill>
+              </a:rPr>
+              <a:t>Track</a:t>
+            </a:r>
+          </a:p>
+          <a:p>
+            <a:r>
+              <a:rPr lang="en-US" sz="1000" dirty="0" smtClean="0">
+                <a:solidFill>
+                  <a:sysClr val="windowText" lastClr="000000"/>
+                </a:solidFill>
+              </a:rPr>
+              <a:t>Artists (artists)</a:t>
+            </a:r>
+          </a:p>
+          <a:p>
+            <a:r>
+              <a:rPr lang="en-US" sz="1000" dirty="0" err="1" smtClean="0">
+                <a:solidFill>
+                  <a:sysClr val="windowText" lastClr="000000"/>
+                </a:solidFill>
+              </a:rPr>
+              <a:t>Disc_number</a:t>
+            </a:r>
+            <a:r>
+              <a:rPr lang="en-US" sz="1000" dirty="0" smtClean="0">
+                <a:solidFill>
+                  <a:sysClr val="windowText" lastClr="000000"/>
+                </a:solidFill>
+              </a:rPr>
+              <a:t> (integer)</a:t>
+            </a:r>
+          </a:p>
+          <a:p>
+            <a:r>
+              <a:rPr lang="en-US" sz="1000" dirty="0" err="1" smtClean="0">
+                <a:solidFill>
+                  <a:sysClr val="windowText" lastClr="000000"/>
+                </a:solidFill>
+              </a:rPr>
+              <a:t>Duration_ms</a:t>
+            </a:r>
+            <a:r>
+              <a:rPr lang="en-US" sz="1000" dirty="0" smtClean="0">
+                <a:solidFill>
+                  <a:sysClr val="windowText" lastClr="000000"/>
+                </a:solidFill>
+              </a:rPr>
+              <a:t> (integer)</a:t>
+            </a:r>
+          </a:p>
+          <a:p>
+            <a:r>
+              <a:rPr lang="en-US" sz="1000" dirty="0" smtClean="0">
+                <a:solidFill>
+                  <a:sysClr val="windowText" lastClr="000000"/>
+                </a:solidFill>
+              </a:rPr>
+              <a:t>Explicit (Boolean)</a:t>
+            </a:r>
+          </a:p>
+          <a:p>
+            <a:r>
+              <a:rPr lang="en-US" sz="1000" dirty="0" err="1" smtClean="0">
+                <a:solidFill>
+                  <a:sysClr val="windowText" lastClr="000000"/>
+                </a:solidFill>
+              </a:rPr>
+              <a:t>Href</a:t>
+            </a:r>
+            <a:r>
+              <a:rPr lang="en-US" sz="1000" dirty="0" smtClean="0">
+                <a:solidFill>
+                  <a:sysClr val="windowText" lastClr="000000"/>
+                </a:solidFill>
+              </a:rPr>
+              <a:t> (string)</a:t>
+            </a:r>
+          </a:p>
+          <a:p>
+            <a:r>
+              <a:rPr lang="en-US" sz="1000" dirty="0" smtClean="0">
+                <a:solidFill>
+                  <a:sysClr val="windowText" lastClr="000000"/>
+                </a:solidFill>
+              </a:rPr>
+              <a:t>Id (string)</a:t>
+            </a:r>
+          </a:p>
+          <a:p>
+            <a:r>
+              <a:rPr lang="en-US" sz="1000" dirty="0" err="1" smtClean="0">
+                <a:solidFill>
+                  <a:sysClr val="windowText" lastClr="000000"/>
+                </a:solidFill>
+              </a:rPr>
+              <a:t>Is_playable</a:t>
+            </a:r>
+            <a:r>
+              <a:rPr lang="en-US" sz="1000" dirty="0" smtClean="0">
+                <a:solidFill>
+                  <a:sysClr val="windowText" lastClr="000000"/>
+                </a:solidFill>
+              </a:rPr>
+              <a:t> (Boolean)</a:t>
+            </a:r>
+            <a:endParaRPr lang="en-US" sz="1000" dirty="0">
+              <a:solidFill>
+                <a:sysClr val="windowText" lastClr="000000"/>
+              </a:solidFill>
+            </a:endParaRPr>
+          </a:p>
+          <a:p>
+            <a:r>
+              <a:rPr lang="en-US" sz="1000" dirty="0" smtClean="0">
+                <a:solidFill>
+                  <a:sysClr val="windowText" lastClr="000000"/>
+                </a:solidFill>
+              </a:rPr>
+              <a:t>Name (string)</a:t>
+            </a:r>
+          </a:p>
+          <a:p>
+            <a:r>
+              <a:rPr lang="en-US" sz="1000" dirty="0" err="1" smtClean="0">
+                <a:solidFill>
+                  <a:sysClr val="windowText" lastClr="000000"/>
+                </a:solidFill>
+              </a:rPr>
+              <a:t>Preview_url</a:t>
+            </a:r>
+            <a:r>
+              <a:rPr lang="en-US" sz="1000" dirty="0" smtClean="0">
+                <a:solidFill>
+                  <a:sysClr val="windowText" lastClr="000000"/>
+                </a:solidFill>
+              </a:rPr>
+              <a:t> (string)</a:t>
+            </a:r>
+          </a:p>
+          <a:p>
+            <a:r>
+              <a:rPr lang="en-US" sz="1000" dirty="0" err="1" smtClean="0">
+                <a:solidFill>
+                  <a:sysClr val="windowText" lastClr="000000"/>
+                </a:solidFill>
+              </a:rPr>
+              <a:t>Track_number</a:t>
+            </a:r>
+            <a:r>
+              <a:rPr lang="en-US" sz="1000" dirty="0" smtClean="0">
+                <a:solidFill>
+                  <a:sysClr val="windowText" lastClr="000000"/>
+                </a:solidFill>
+              </a:rPr>
+              <a:t> (integer)</a:t>
+            </a:r>
+          </a:p>
+          <a:p>
+            <a:endParaRPr lang="en-US" sz="1000" dirty="0" smtClean="0">
+              <a:solidFill>
+                <a:sysClr val="windowText" lastClr="000000"/>
+              </a:solidFill>
+            </a:endParaRPr>
+          </a:p>
+        </p:txBody>
+      </p:sp>
+      <p:sp>
+        <p:nvSpPr>
+          <p:cNvPr id="10" name="Rectangle 9"/>
+          <p:cNvSpPr/>
+          <p:nvPr/>
+        </p:nvSpPr>
+        <p:spPr>
+          <a:xfrm>
+            <a:off x="4685727" y="4036536"/>
+            <a:ext cx="1439416" cy="1001996"/>
+          </a:xfrm>
+          <a:prstGeom prst="rect">
+            <a:avLst/>
+          </a:prstGeom>
+        </p:spPr>
+        <p:style>
+          <a:lnRef idx="2">
+            <a:schemeClr val="accent1">
+              <a:shade val="50000"/>
+            </a:schemeClr>
+          </a:lnRef>
+          <a:fillRef idx="1">
+            <a:schemeClr val="accent1"/>
+          </a:fillRef>
+          <a:effectRef idx="0">
+            <a:schemeClr val="accent1"/>
+          </a:effectRef>
+          <a:fontRef idx="minor">
+            <a:schemeClr val="lt1"/>
+          </a:fontRef>
+        </p:style>
+        <p:txBody>
+          <a:bodyPr rtlCol="0" anchor="t"/>
+          <a:lstStyle/>
+          <a:p>
+            <a:pPr algn="ctr"/>
+            <a:r>
+              <a:rPr lang="en-US" dirty="0" smtClean="0">
+                <a:solidFill>
+                  <a:sysClr val="windowText" lastClr="000000"/>
+                </a:solidFill>
+              </a:rPr>
+              <a:t>Playlist track</a:t>
+            </a:r>
+          </a:p>
+          <a:p>
+            <a:r>
+              <a:rPr lang="en-US" sz="1000" dirty="0" err="1" smtClean="0">
+                <a:solidFill>
+                  <a:sysClr val="windowText" lastClr="000000"/>
+                </a:solidFill>
+              </a:rPr>
+              <a:t>Added_at</a:t>
+            </a:r>
+            <a:r>
+              <a:rPr lang="en-US" sz="1000" dirty="0" smtClean="0">
+                <a:solidFill>
+                  <a:sysClr val="windowText" lastClr="000000"/>
+                </a:solidFill>
+              </a:rPr>
+              <a:t> (</a:t>
+            </a:r>
+            <a:r>
+              <a:rPr lang="en-US" sz="1000" dirty="0" err="1" smtClean="0">
+                <a:solidFill>
+                  <a:sysClr val="windowText" lastClr="000000"/>
+                </a:solidFill>
+              </a:rPr>
+              <a:t>timetamp</a:t>
+            </a:r>
+            <a:r>
+              <a:rPr lang="en-US" sz="1000" dirty="0" smtClean="0">
+                <a:solidFill>
+                  <a:sysClr val="windowText" lastClr="000000"/>
+                </a:solidFill>
+              </a:rPr>
+              <a:t>)</a:t>
+            </a:r>
+          </a:p>
+          <a:p>
+            <a:r>
+              <a:rPr lang="en-US" sz="1000" dirty="0" err="1" smtClean="0">
+                <a:solidFill>
+                  <a:sysClr val="windowText" lastClr="000000"/>
+                </a:solidFill>
+              </a:rPr>
+              <a:t>Added_by</a:t>
+            </a:r>
+            <a:r>
+              <a:rPr lang="en-US" sz="1000" dirty="0" smtClean="0">
+                <a:solidFill>
+                  <a:sysClr val="windowText" lastClr="000000"/>
+                </a:solidFill>
+              </a:rPr>
+              <a:t> (user)</a:t>
+            </a:r>
+          </a:p>
+          <a:p>
+            <a:r>
+              <a:rPr lang="en-US" sz="1000" dirty="0" err="1" smtClean="0">
+                <a:solidFill>
+                  <a:sysClr val="windowText" lastClr="000000"/>
+                </a:solidFill>
+              </a:rPr>
+              <a:t>Is_local</a:t>
+            </a:r>
+            <a:r>
+              <a:rPr lang="en-US" sz="1000" dirty="0" smtClean="0">
+                <a:solidFill>
+                  <a:sysClr val="windowText" lastClr="000000"/>
+                </a:solidFill>
+              </a:rPr>
+              <a:t> (Boolean)</a:t>
+            </a:r>
+          </a:p>
+          <a:p>
+            <a:r>
+              <a:rPr lang="en-US" sz="1000" dirty="0" smtClean="0">
+                <a:solidFill>
+                  <a:sysClr val="windowText" lastClr="000000"/>
+                </a:solidFill>
+              </a:rPr>
+              <a:t>Track (track)</a:t>
+            </a:r>
+          </a:p>
+        </p:txBody>
+      </p:sp>
+      <p:sp>
+        <p:nvSpPr>
+          <p:cNvPr id="15" name="Rectangle 14"/>
+          <p:cNvSpPr/>
+          <p:nvPr/>
+        </p:nvSpPr>
+        <p:spPr>
+          <a:xfrm>
+            <a:off x="2819503" y="626356"/>
+            <a:ext cx="1439416" cy="1283369"/>
+          </a:xfrm>
+          <a:prstGeom prst="rect">
+            <a:avLst/>
+          </a:prstGeom>
+        </p:spPr>
+        <p:style>
+          <a:lnRef idx="2">
+            <a:schemeClr val="accent1">
+              <a:shade val="50000"/>
+            </a:schemeClr>
+          </a:lnRef>
+          <a:fillRef idx="1">
+            <a:schemeClr val="accent1"/>
+          </a:fillRef>
+          <a:effectRef idx="0">
+            <a:schemeClr val="accent1"/>
+          </a:effectRef>
+          <a:fontRef idx="minor">
+            <a:schemeClr val="lt1"/>
+          </a:fontRef>
+        </p:style>
+        <p:txBody>
+          <a:bodyPr rtlCol="0" anchor="t"/>
+          <a:lstStyle/>
+          <a:p>
+            <a:pPr algn="ctr"/>
+            <a:r>
+              <a:rPr lang="en-US" dirty="0" smtClean="0">
+                <a:solidFill>
+                  <a:sysClr val="windowText" lastClr="000000"/>
+                </a:solidFill>
+              </a:rPr>
+              <a:t>Contributor</a:t>
+            </a:r>
+          </a:p>
+          <a:p>
+            <a:r>
+              <a:rPr lang="en-US" sz="1000" dirty="0" err="1" smtClean="0">
+                <a:solidFill>
+                  <a:sysClr val="windowText" lastClr="000000"/>
+                </a:solidFill>
+              </a:rPr>
+              <a:t>userID</a:t>
+            </a:r>
+            <a:r>
+              <a:rPr lang="en-US" sz="1000" dirty="0" smtClean="0">
+                <a:solidFill>
+                  <a:sysClr val="windowText" lastClr="000000"/>
+                </a:solidFill>
+              </a:rPr>
+              <a:t> (string) (FK)</a:t>
+            </a:r>
+          </a:p>
+          <a:p>
+            <a:r>
+              <a:rPr lang="en-US" sz="1000" dirty="0" err="1" smtClean="0">
+                <a:solidFill>
+                  <a:sysClr val="windowText" lastClr="000000"/>
+                </a:solidFill>
+              </a:rPr>
+              <a:t>groupID</a:t>
+            </a:r>
+            <a:r>
+              <a:rPr lang="en-US" sz="1000" dirty="0" smtClean="0">
+                <a:solidFill>
+                  <a:sysClr val="windowText" lastClr="000000"/>
+                </a:solidFill>
+              </a:rPr>
+              <a:t> (string)</a:t>
+            </a:r>
+          </a:p>
+          <a:p>
+            <a:r>
+              <a:rPr lang="en-US" sz="1000" dirty="0" err="1" smtClean="0">
+                <a:solidFill>
+                  <a:sysClr val="windowText" lastClr="000000"/>
+                </a:solidFill>
+              </a:rPr>
+              <a:t>groupNotes</a:t>
+            </a:r>
+            <a:r>
+              <a:rPr lang="en-US" sz="1000" dirty="0">
+                <a:solidFill>
+                  <a:sysClr val="windowText" lastClr="000000"/>
+                </a:solidFill>
+              </a:rPr>
+              <a:t> </a:t>
+            </a:r>
+            <a:r>
+              <a:rPr lang="en-US" sz="1000" dirty="0" smtClean="0">
+                <a:solidFill>
+                  <a:sysClr val="windowText" lastClr="000000"/>
+                </a:solidFill>
+              </a:rPr>
+              <a:t>(number)</a:t>
+            </a:r>
+          </a:p>
+          <a:p>
+            <a:r>
+              <a:rPr lang="en-US" sz="1000" dirty="0" err="1" smtClean="0">
+                <a:solidFill>
+                  <a:sysClr val="windowText" lastClr="000000"/>
+                </a:solidFill>
+              </a:rPr>
+              <a:t>dateJoined</a:t>
+            </a:r>
+            <a:r>
+              <a:rPr lang="en-US" sz="1000" dirty="0" smtClean="0">
+                <a:solidFill>
+                  <a:sysClr val="windowText" lastClr="000000"/>
+                </a:solidFill>
+              </a:rPr>
+              <a:t> (date)</a:t>
+            </a:r>
+          </a:p>
+          <a:p>
+            <a:r>
+              <a:rPr lang="en-US" sz="1000" dirty="0" smtClean="0">
+                <a:solidFill>
+                  <a:sysClr val="windowText" lastClr="000000"/>
+                </a:solidFill>
+              </a:rPr>
+              <a:t>Creator (Boolean)</a:t>
+            </a:r>
+          </a:p>
+        </p:txBody>
+      </p:sp>
+      <p:sp>
+        <p:nvSpPr>
+          <p:cNvPr id="16" name="Rectangle 15"/>
+          <p:cNvSpPr/>
+          <p:nvPr/>
+        </p:nvSpPr>
+        <p:spPr>
+          <a:xfrm>
+            <a:off x="2819503" y="2118042"/>
+            <a:ext cx="1439416" cy="1283369"/>
+          </a:xfrm>
+          <a:prstGeom prst="rect">
+            <a:avLst/>
+          </a:prstGeom>
+        </p:spPr>
+        <p:style>
+          <a:lnRef idx="2">
+            <a:schemeClr val="accent1">
+              <a:shade val="50000"/>
+            </a:schemeClr>
+          </a:lnRef>
+          <a:fillRef idx="1">
+            <a:schemeClr val="accent1"/>
+          </a:fillRef>
+          <a:effectRef idx="0">
+            <a:schemeClr val="accent1"/>
+          </a:effectRef>
+          <a:fontRef idx="minor">
+            <a:schemeClr val="lt1"/>
+          </a:fontRef>
+        </p:style>
+        <p:txBody>
+          <a:bodyPr rtlCol="0" anchor="t"/>
+          <a:lstStyle/>
+          <a:p>
+            <a:pPr algn="ctr"/>
+            <a:r>
+              <a:rPr lang="en-US" dirty="0" smtClean="0">
+                <a:solidFill>
+                  <a:sysClr val="windowText" lastClr="000000"/>
+                </a:solidFill>
+              </a:rPr>
+              <a:t>Group</a:t>
+            </a:r>
+          </a:p>
+          <a:p>
+            <a:r>
+              <a:rPr lang="en-US" sz="1000" dirty="0" err="1" smtClean="0">
+                <a:solidFill>
+                  <a:sysClr val="windowText" lastClr="000000"/>
+                </a:solidFill>
+              </a:rPr>
+              <a:t>groupID</a:t>
+            </a:r>
+            <a:r>
+              <a:rPr lang="en-US" sz="1000" dirty="0" smtClean="0">
+                <a:solidFill>
+                  <a:sysClr val="windowText" lastClr="000000"/>
+                </a:solidFill>
+              </a:rPr>
+              <a:t> (string) (PK)</a:t>
+            </a:r>
+          </a:p>
+          <a:p>
+            <a:r>
+              <a:rPr lang="en-US" sz="1000" dirty="0" smtClean="0">
+                <a:solidFill>
+                  <a:sysClr val="windowText" lastClr="000000"/>
+                </a:solidFill>
+              </a:rPr>
+              <a:t>Name (string)</a:t>
+            </a:r>
+          </a:p>
+          <a:p>
+            <a:r>
+              <a:rPr lang="en-US" sz="1000" dirty="0" err="1" smtClean="0">
+                <a:solidFill>
+                  <a:sysClr val="windowText" lastClr="000000"/>
+                </a:solidFill>
+              </a:rPr>
+              <a:t>dateCreated</a:t>
+            </a:r>
+            <a:r>
+              <a:rPr lang="en-US" sz="1000" dirty="0">
+                <a:solidFill>
+                  <a:sysClr val="windowText" lastClr="000000"/>
+                </a:solidFill>
+              </a:rPr>
+              <a:t> </a:t>
+            </a:r>
+            <a:r>
+              <a:rPr lang="en-US" sz="1000" dirty="0" smtClean="0">
+                <a:solidFill>
+                  <a:sysClr val="windowText" lastClr="000000"/>
+                </a:solidFill>
+              </a:rPr>
+              <a:t>(date)</a:t>
+            </a:r>
+          </a:p>
+          <a:p>
+            <a:r>
+              <a:rPr lang="en-US" sz="1000" dirty="0" err="1" smtClean="0">
+                <a:solidFill>
+                  <a:sysClr val="windowText" lastClr="000000"/>
+                </a:solidFill>
+              </a:rPr>
+              <a:t>PlaylistID</a:t>
+            </a:r>
+            <a:r>
+              <a:rPr lang="en-US" sz="1000" dirty="0" smtClean="0">
+                <a:solidFill>
+                  <a:sysClr val="windowText" lastClr="000000"/>
+                </a:solidFill>
+              </a:rPr>
+              <a:t> (string)</a:t>
+            </a:r>
+          </a:p>
+          <a:p>
+            <a:r>
+              <a:rPr lang="en-US" sz="1000" dirty="0" smtClean="0">
+                <a:solidFill>
+                  <a:sysClr val="windowText" lastClr="000000"/>
+                </a:solidFill>
+              </a:rPr>
+              <a:t>Description (string)</a:t>
+            </a:r>
+          </a:p>
+        </p:txBody>
+      </p:sp>
+      <p:sp>
+        <p:nvSpPr>
+          <p:cNvPr id="17" name="Rectangle 16"/>
+          <p:cNvSpPr/>
+          <p:nvPr/>
+        </p:nvSpPr>
+        <p:spPr>
+          <a:xfrm>
+            <a:off x="6551951" y="2118042"/>
+            <a:ext cx="1439416" cy="1283369"/>
+          </a:xfrm>
+          <a:prstGeom prst="rect">
+            <a:avLst/>
+          </a:prstGeom>
+        </p:spPr>
+        <p:style>
+          <a:lnRef idx="2">
+            <a:schemeClr val="accent1">
+              <a:shade val="50000"/>
+            </a:schemeClr>
+          </a:lnRef>
+          <a:fillRef idx="1">
+            <a:schemeClr val="accent1"/>
+          </a:fillRef>
+          <a:effectRef idx="0">
+            <a:schemeClr val="accent1"/>
+          </a:effectRef>
+          <a:fontRef idx="minor">
+            <a:schemeClr val="lt1"/>
+          </a:fontRef>
+        </p:style>
+        <p:txBody>
+          <a:bodyPr rtlCol="0" anchor="t"/>
+          <a:lstStyle/>
+          <a:p>
+            <a:pPr algn="ctr"/>
+            <a:r>
+              <a:rPr lang="en-US" dirty="0" smtClean="0">
+                <a:solidFill>
+                  <a:sysClr val="windowText" lastClr="000000"/>
+                </a:solidFill>
+              </a:rPr>
+              <a:t>Note</a:t>
+            </a:r>
+          </a:p>
+          <a:p>
+            <a:r>
+              <a:rPr lang="en-US" sz="1000" dirty="0" err="1" smtClean="0">
+                <a:solidFill>
+                  <a:sysClr val="windowText" lastClr="000000"/>
+                </a:solidFill>
+              </a:rPr>
+              <a:t>noteID</a:t>
+            </a:r>
+            <a:r>
+              <a:rPr lang="en-US" sz="1000" dirty="0" smtClean="0">
+                <a:solidFill>
+                  <a:sysClr val="windowText" lastClr="000000"/>
+                </a:solidFill>
+              </a:rPr>
+              <a:t> (string) (PK)</a:t>
+            </a:r>
+          </a:p>
+          <a:p>
+            <a:r>
+              <a:rPr lang="en-US" sz="1000" dirty="0" err="1" smtClean="0">
+                <a:solidFill>
+                  <a:sysClr val="windowText" lastClr="000000"/>
+                </a:solidFill>
+              </a:rPr>
+              <a:t>postID</a:t>
+            </a:r>
+            <a:r>
+              <a:rPr lang="en-US" sz="1000" dirty="0">
+                <a:solidFill>
+                  <a:sysClr val="windowText" lastClr="000000"/>
+                </a:solidFill>
+              </a:rPr>
+              <a:t> </a:t>
+            </a:r>
+            <a:r>
+              <a:rPr lang="en-US" sz="1000" dirty="0" smtClean="0">
+                <a:solidFill>
+                  <a:sysClr val="windowText" lastClr="000000"/>
+                </a:solidFill>
+              </a:rPr>
+              <a:t>(string) (FK)</a:t>
+            </a:r>
+          </a:p>
+          <a:p>
+            <a:r>
+              <a:rPr lang="en-US" sz="1000" dirty="0" err="1" smtClean="0">
+                <a:solidFill>
+                  <a:sysClr val="windowText" lastClr="000000"/>
+                </a:solidFill>
+              </a:rPr>
+              <a:t>dateLiked</a:t>
+            </a:r>
+            <a:r>
+              <a:rPr lang="en-US" sz="1000" dirty="0" smtClean="0">
+                <a:solidFill>
+                  <a:sysClr val="windowText" lastClr="000000"/>
+                </a:solidFill>
+              </a:rPr>
+              <a:t> (date)</a:t>
+            </a:r>
+          </a:p>
+          <a:p>
+            <a:r>
+              <a:rPr lang="en-US" sz="1000" dirty="0" err="1" smtClean="0">
+                <a:solidFill>
+                  <a:sysClr val="windowText" lastClr="000000"/>
+                </a:solidFill>
+              </a:rPr>
+              <a:t>userID</a:t>
+            </a:r>
+            <a:r>
+              <a:rPr lang="en-US" sz="1000" dirty="0" smtClean="0">
+                <a:solidFill>
+                  <a:sysClr val="windowText" lastClr="000000"/>
+                </a:solidFill>
+              </a:rPr>
+              <a:t> (string) (FK)</a:t>
+            </a:r>
+          </a:p>
+        </p:txBody>
+      </p:sp>
+      <p:sp>
+        <p:nvSpPr>
+          <p:cNvPr id="18" name="Rectangle 17"/>
+          <p:cNvSpPr/>
+          <p:nvPr/>
+        </p:nvSpPr>
+        <p:spPr>
+          <a:xfrm>
+            <a:off x="4685727" y="2118042"/>
+            <a:ext cx="1439416" cy="1283369"/>
+          </a:xfrm>
+          <a:prstGeom prst="rect">
+            <a:avLst/>
+          </a:prstGeom>
+        </p:spPr>
+        <p:style>
+          <a:lnRef idx="2">
+            <a:schemeClr val="accent1">
+              <a:shade val="50000"/>
+            </a:schemeClr>
+          </a:lnRef>
+          <a:fillRef idx="1">
+            <a:schemeClr val="accent1"/>
+          </a:fillRef>
+          <a:effectRef idx="0">
+            <a:schemeClr val="accent1"/>
+          </a:effectRef>
+          <a:fontRef idx="minor">
+            <a:schemeClr val="lt1"/>
+          </a:fontRef>
+        </p:style>
+        <p:txBody>
+          <a:bodyPr rtlCol="0" anchor="t"/>
+          <a:lstStyle/>
+          <a:p>
+            <a:pPr algn="ctr"/>
+            <a:r>
+              <a:rPr lang="en-US" dirty="0" smtClean="0">
+                <a:solidFill>
+                  <a:sysClr val="windowText" lastClr="000000"/>
+                </a:solidFill>
+              </a:rPr>
+              <a:t>Post</a:t>
+            </a:r>
+          </a:p>
+          <a:p>
+            <a:r>
+              <a:rPr lang="en-US" sz="1000" dirty="0" err="1" smtClean="0">
+                <a:solidFill>
+                  <a:sysClr val="windowText" lastClr="000000"/>
+                </a:solidFill>
+              </a:rPr>
+              <a:t>postID</a:t>
+            </a:r>
+            <a:r>
+              <a:rPr lang="en-US" sz="1000" dirty="0" smtClean="0">
+                <a:solidFill>
+                  <a:sysClr val="windowText" lastClr="000000"/>
+                </a:solidFill>
+              </a:rPr>
+              <a:t> (PK)</a:t>
+            </a:r>
+          </a:p>
+          <a:p>
+            <a:r>
+              <a:rPr lang="en-US" sz="1000" dirty="0" err="1" smtClean="0">
+                <a:solidFill>
+                  <a:sysClr val="windowText" lastClr="000000"/>
+                </a:solidFill>
+              </a:rPr>
+              <a:t>userID</a:t>
+            </a:r>
+            <a:r>
+              <a:rPr lang="en-US" sz="1000" dirty="0" smtClean="0">
+                <a:solidFill>
+                  <a:sysClr val="windowText" lastClr="000000"/>
+                </a:solidFill>
+              </a:rPr>
+              <a:t> (string) (FK)</a:t>
+            </a:r>
+          </a:p>
+          <a:p>
+            <a:r>
+              <a:rPr lang="en-US" sz="1000" dirty="0" err="1" smtClean="0">
+                <a:solidFill>
+                  <a:sysClr val="windowText" lastClr="000000"/>
+                </a:solidFill>
+              </a:rPr>
+              <a:t>groupID</a:t>
+            </a:r>
+            <a:r>
+              <a:rPr lang="en-US" sz="1000" dirty="0" smtClean="0">
+                <a:solidFill>
+                  <a:sysClr val="windowText" lastClr="000000"/>
+                </a:solidFill>
+              </a:rPr>
+              <a:t> (string) (FK)</a:t>
+            </a:r>
+          </a:p>
+          <a:p>
+            <a:r>
+              <a:rPr lang="en-US" sz="1000" dirty="0" err="1" smtClean="0">
+                <a:solidFill>
+                  <a:sysClr val="windowText" lastClr="000000"/>
+                </a:solidFill>
+              </a:rPr>
+              <a:t>spotifyID</a:t>
+            </a:r>
+            <a:r>
+              <a:rPr lang="en-US" sz="1000" dirty="0">
+                <a:solidFill>
+                  <a:sysClr val="windowText" lastClr="000000"/>
+                </a:solidFill>
+              </a:rPr>
+              <a:t> </a:t>
+            </a:r>
+            <a:r>
+              <a:rPr lang="en-US" sz="1000" dirty="0" smtClean="0">
+                <a:solidFill>
+                  <a:sysClr val="windowText" lastClr="000000"/>
+                </a:solidFill>
+              </a:rPr>
+              <a:t>(string) (FK)</a:t>
+            </a:r>
+          </a:p>
+          <a:p>
+            <a:r>
+              <a:rPr lang="en-US" sz="1000" dirty="0" err="1" smtClean="0">
+                <a:solidFill>
+                  <a:sysClr val="windowText" lastClr="000000"/>
+                </a:solidFill>
+              </a:rPr>
+              <a:t>datePosted</a:t>
+            </a:r>
+            <a:r>
+              <a:rPr lang="en-US" sz="1000" dirty="0" smtClean="0">
+                <a:solidFill>
+                  <a:sysClr val="windowText" lastClr="000000"/>
+                </a:solidFill>
+              </a:rPr>
+              <a:t> (date)</a:t>
+            </a:r>
+          </a:p>
+          <a:p>
+            <a:r>
+              <a:rPr lang="en-US" sz="1000" dirty="0" smtClean="0">
+                <a:solidFill>
+                  <a:sysClr val="windowText" lastClr="000000"/>
+                </a:solidFill>
+              </a:rPr>
+              <a:t>Comment (string)</a:t>
+            </a:r>
+          </a:p>
+        </p:txBody>
+      </p:sp>
+      <p:sp>
+        <p:nvSpPr>
+          <p:cNvPr id="19" name="Rectangle 18"/>
+          <p:cNvSpPr/>
+          <p:nvPr/>
+        </p:nvSpPr>
+        <p:spPr>
+          <a:xfrm>
+            <a:off x="953279" y="2106741"/>
+            <a:ext cx="1439416" cy="1283369"/>
+          </a:xfrm>
+          <a:prstGeom prst="rect">
+            <a:avLst/>
+          </a:prstGeom>
+        </p:spPr>
+        <p:style>
+          <a:lnRef idx="2">
+            <a:schemeClr val="accent1">
+              <a:shade val="50000"/>
+            </a:schemeClr>
+          </a:lnRef>
+          <a:fillRef idx="1">
+            <a:schemeClr val="accent1"/>
+          </a:fillRef>
+          <a:effectRef idx="0">
+            <a:schemeClr val="accent1"/>
+          </a:effectRef>
+          <a:fontRef idx="minor">
+            <a:schemeClr val="lt1"/>
+          </a:fontRef>
+        </p:style>
+        <p:txBody>
+          <a:bodyPr rtlCol="0" anchor="t"/>
+          <a:lstStyle/>
+          <a:p>
+            <a:pPr algn="ctr"/>
+            <a:r>
+              <a:rPr lang="en-US" dirty="0" smtClean="0">
+                <a:solidFill>
+                  <a:sysClr val="windowText" lastClr="000000"/>
+                </a:solidFill>
+              </a:rPr>
+              <a:t>User</a:t>
+            </a:r>
+          </a:p>
+          <a:p>
+            <a:r>
+              <a:rPr lang="en-US" sz="1000" dirty="0" err="1" smtClean="0">
+                <a:solidFill>
+                  <a:sysClr val="windowText" lastClr="000000"/>
+                </a:solidFill>
+              </a:rPr>
+              <a:t>userID</a:t>
+            </a:r>
+            <a:r>
+              <a:rPr lang="en-US" sz="1000" dirty="0" smtClean="0">
+                <a:solidFill>
+                  <a:sysClr val="windowText" lastClr="000000"/>
+                </a:solidFill>
+              </a:rPr>
+              <a:t> (string) (PK)</a:t>
+            </a:r>
+          </a:p>
+          <a:p>
+            <a:r>
+              <a:rPr lang="en-US" sz="1000" dirty="0" err="1" smtClean="0">
+                <a:solidFill>
+                  <a:sysClr val="windowText" lastClr="000000"/>
+                </a:solidFill>
+              </a:rPr>
+              <a:t>displayName</a:t>
+            </a:r>
+            <a:r>
+              <a:rPr lang="en-US" sz="1000" dirty="0" smtClean="0">
+                <a:solidFill>
+                  <a:sysClr val="windowText" lastClr="000000"/>
+                </a:solidFill>
+              </a:rPr>
+              <a:t> (string)</a:t>
+            </a:r>
+          </a:p>
+          <a:p>
+            <a:r>
+              <a:rPr lang="en-US" sz="1000" dirty="0" err="1" smtClean="0">
+                <a:solidFill>
+                  <a:sysClr val="windowText" lastClr="000000"/>
+                </a:solidFill>
+              </a:rPr>
+              <a:t>profileURL</a:t>
+            </a:r>
+            <a:r>
+              <a:rPr lang="en-US" sz="1000" dirty="0" smtClean="0">
+                <a:solidFill>
+                  <a:sysClr val="windowText" lastClr="000000"/>
+                </a:solidFill>
+              </a:rPr>
+              <a:t> (string)</a:t>
+            </a:r>
+          </a:p>
+          <a:p>
+            <a:r>
+              <a:rPr lang="en-US" sz="1000" dirty="0" err="1" smtClean="0">
+                <a:solidFill>
+                  <a:sysClr val="windowText" lastClr="000000"/>
+                </a:solidFill>
+              </a:rPr>
+              <a:t>totalNotes</a:t>
+            </a:r>
+            <a:r>
+              <a:rPr lang="en-US" sz="1000" dirty="0" smtClean="0">
+                <a:solidFill>
+                  <a:sysClr val="windowText" lastClr="000000"/>
+                </a:solidFill>
+              </a:rPr>
+              <a:t> (Number)</a:t>
+            </a:r>
+          </a:p>
+          <a:p>
+            <a:r>
+              <a:rPr lang="en-US" sz="1000" dirty="0" smtClean="0">
+                <a:solidFill>
+                  <a:sysClr val="windowText" lastClr="000000"/>
+                </a:solidFill>
+              </a:rPr>
+              <a:t>Token (String)</a:t>
+            </a:r>
+          </a:p>
+          <a:p>
+            <a:r>
+              <a:rPr lang="en-US" sz="1000" dirty="0" err="1" smtClean="0">
+                <a:solidFill>
+                  <a:sysClr val="windowText" lastClr="000000"/>
+                </a:solidFill>
+              </a:rPr>
+              <a:t>rToken</a:t>
+            </a:r>
+            <a:r>
+              <a:rPr lang="en-US" sz="1000" dirty="0" smtClean="0">
+                <a:solidFill>
+                  <a:sysClr val="windowText" lastClr="000000"/>
+                </a:solidFill>
+              </a:rPr>
+              <a:t> (String)</a:t>
+            </a:r>
+          </a:p>
+        </p:txBody>
+      </p:sp>
+      <p:cxnSp>
+        <p:nvCxnSpPr>
+          <p:cNvPr id="13" name="Elbow Connector 12"/>
+          <p:cNvCxnSpPr/>
+          <p:nvPr/>
+        </p:nvCxnSpPr>
+        <p:spPr>
+          <a:xfrm rot="10800000">
+            <a:off x="3916219" y="1025237"/>
+            <a:ext cx="1847273" cy="1634837"/>
+          </a:xfrm>
+          <a:prstGeom prst="bentConnector3">
+            <a:avLst>
+              <a:gd name="adj1" fmla="val -3000"/>
+            </a:avLst>
+          </a:prstGeom>
+          <a:ln>
+            <a:tailEnd type="triangle"/>
+          </a:ln>
+        </p:spPr>
+        <p:style>
+          <a:lnRef idx="1">
+            <a:schemeClr val="dk1"/>
+          </a:lnRef>
+          <a:fillRef idx="0">
+            <a:schemeClr val="dk1"/>
+          </a:fillRef>
+          <a:effectRef idx="0">
+            <a:schemeClr val="dk1"/>
+          </a:effectRef>
+          <a:fontRef idx="minor">
+            <a:schemeClr val="tx1"/>
+          </a:fontRef>
+        </p:style>
+      </p:cxnSp>
+      <p:cxnSp>
+        <p:nvCxnSpPr>
+          <p:cNvPr id="21" name="Elbow Connector 20"/>
+          <p:cNvCxnSpPr/>
+          <p:nvPr/>
+        </p:nvCxnSpPr>
+        <p:spPr>
+          <a:xfrm rot="10800000">
+            <a:off x="3990109" y="2512292"/>
+            <a:ext cx="777154" cy="334097"/>
+          </a:xfrm>
+          <a:prstGeom prst="bentConnector3">
+            <a:avLst/>
+          </a:prstGeom>
+          <a:ln>
+            <a:tailEnd type="triangle"/>
+          </a:ln>
+        </p:spPr>
+        <p:style>
+          <a:lnRef idx="1">
+            <a:schemeClr val="dk1"/>
+          </a:lnRef>
+          <a:fillRef idx="0">
+            <a:schemeClr val="dk1"/>
+          </a:fillRef>
+          <a:effectRef idx="0">
+            <a:schemeClr val="dk1"/>
+          </a:effectRef>
+          <a:fontRef idx="minor">
+            <a:schemeClr val="tx1"/>
+          </a:fontRef>
+        </p:style>
+      </p:cxnSp>
+      <p:cxnSp>
+        <p:nvCxnSpPr>
+          <p:cNvPr id="24" name="Elbow Connector 23"/>
+          <p:cNvCxnSpPr/>
+          <p:nvPr/>
+        </p:nvCxnSpPr>
+        <p:spPr>
+          <a:xfrm rot="16200000" flipH="1">
+            <a:off x="5305865" y="3887556"/>
+            <a:ext cx="2225504" cy="396447"/>
+          </a:xfrm>
+          <a:prstGeom prst="bentConnector3">
+            <a:avLst>
+              <a:gd name="adj1" fmla="val 100075"/>
+            </a:avLst>
+          </a:prstGeom>
+          <a:ln>
+            <a:prstDash val="dashDot"/>
+            <a:tailEnd type="triangle"/>
+          </a:ln>
+        </p:spPr>
+        <p:style>
+          <a:lnRef idx="1">
+            <a:schemeClr val="dk1"/>
+          </a:lnRef>
+          <a:fillRef idx="0">
+            <a:schemeClr val="dk1"/>
+          </a:fillRef>
+          <a:effectRef idx="0">
+            <a:schemeClr val="dk1"/>
+          </a:effectRef>
+          <a:fontRef idx="minor">
+            <a:schemeClr val="tx1"/>
+          </a:fontRef>
+        </p:style>
+      </p:cxnSp>
+      <p:cxnSp>
+        <p:nvCxnSpPr>
+          <p:cNvPr id="33" name="Straight Connector 32"/>
+          <p:cNvCxnSpPr/>
+          <p:nvPr/>
+        </p:nvCxnSpPr>
+        <p:spPr>
+          <a:xfrm flipH="1">
+            <a:off x="5888839" y="2973028"/>
+            <a:ext cx="334932" cy="0"/>
+          </a:xfrm>
+          <a:prstGeom prst="line">
+            <a:avLst/>
+          </a:prstGeom>
+          <a:ln>
+            <a:prstDash val="dashDot"/>
+          </a:ln>
+        </p:spPr>
+        <p:style>
+          <a:lnRef idx="1">
+            <a:schemeClr val="dk1"/>
+          </a:lnRef>
+          <a:fillRef idx="0">
+            <a:schemeClr val="dk1"/>
+          </a:fillRef>
+          <a:effectRef idx="0">
+            <a:schemeClr val="dk1"/>
+          </a:effectRef>
+          <a:fontRef idx="minor">
+            <a:schemeClr val="tx1"/>
+          </a:fontRef>
+        </p:style>
+      </p:cxnSp>
+      <p:cxnSp>
+        <p:nvCxnSpPr>
+          <p:cNvPr id="38" name="Elbow Connector 37"/>
+          <p:cNvCxnSpPr/>
+          <p:nvPr/>
+        </p:nvCxnSpPr>
+        <p:spPr>
+          <a:xfrm rot="10800000">
+            <a:off x="5364626" y="2512295"/>
+            <a:ext cx="1277474" cy="167047"/>
+          </a:xfrm>
+          <a:prstGeom prst="bentConnector3">
+            <a:avLst>
+              <a:gd name="adj1" fmla="val 23655"/>
+            </a:avLst>
+          </a:prstGeom>
+          <a:ln>
+            <a:tailEnd type="triangle"/>
+          </a:ln>
+        </p:spPr>
+        <p:style>
+          <a:lnRef idx="1">
+            <a:schemeClr val="dk1"/>
+          </a:lnRef>
+          <a:fillRef idx="0">
+            <a:schemeClr val="dk1"/>
+          </a:fillRef>
+          <a:effectRef idx="0">
+            <a:schemeClr val="dk1"/>
+          </a:effectRef>
+          <a:fontRef idx="minor">
+            <a:schemeClr val="tx1"/>
+          </a:fontRef>
+        </p:style>
+      </p:cxnSp>
+      <p:cxnSp>
+        <p:nvCxnSpPr>
+          <p:cNvPr id="43" name="Elbow Connector 42"/>
+          <p:cNvCxnSpPr>
+            <a:endCxn id="19" idx="1"/>
+          </p:cNvCxnSpPr>
+          <p:nvPr/>
+        </p:nvCxnSpPr>
+        <p:spPr>
+          <a:xfrm rot="10800000">
+            <a:off x="953279" y="2748427"/>
+            <a:ext cx="6695388" cy="230425"/>
+          </a:xfrm>
+          <a:prstGeom prst="bentConnector5">
+            <a:avLst>
+              <a:gd name="adj1" fmla="val -2410"/>
+              <a:gd name="adj2" fmla="val -277686"/>
+              <a:gd name="adj3" fmla="val 103414"/>
+            </a:avLst>
+          </a:prstGeom>
+          <a:ln>
+            <a:tailEnd type="triangle"/>
+          </a:ln>
+        </p:spPr>
+        <p:style>
+          <a:lnRef idx="1">
+            <a:schemeClr val="dk1"/>
+          </a:lnRef>
+          <a:fillRef idx="0">
+            <a:schemeClr val="dk1"/>
+          </a:fillRef>
+          <a:effectRef idx="0">
+            <a:schemeClr val="dk1"/>
+          </a:effectRef>
+          <a:fontRef idx="minor">
+            <a:schemeClr val="tx1"/>
+          </a:fontRef>
+        </p:style>
+      </p:cxnSp>
+      <p:cxnSp>
+        <p:nvCxnSpPr>
+          <p:cNvPr id="55" name="Straight Arrow Connector 54"/>
+          <p:cNvCxnSpPr>
+            <a:stCxn id="19" idx="2"/>
+            <a:endCxn id="7" idx="0"/>
+          </p:cNvCxnSpPr>
+          <p:nvPr/>
+        </p:nvCxnSpPr>
+        <p:spPr>
+          <a:xfrm>
+            <a:off x="1672987" y="3390110"/>
+            <a:ext cx="0" cy="646426"/>
+          </a:xfrm>
+          <a:prstGeom prst="straightConnector1">
+            <a:avLst/>
+          </a:prstGeom>
+          <a:ln>
+            <a:prstDash val="dashDot"/>
+            <a:tailEnd type="triangle"/>
+          </a:ln>
+        </p:spPr>
+        <p:style>
+          <a:lnRef idx="1">
+            <a:schemeClr val="dk1"/>
+          </a:lnRef>
+          <a:fillRef idx="0">
+            <a:schemeClr val="dk1"/>
+          </a:fillRef>
+          <a:effectRef idx="0">
+            <a:schemeClr val="dk1"/>
+          </a:effectRef>
+          <a:fontRef idx="minor">
+            <a:schemeClr val="tx1"/>
+          </a:fontRef>
+        </p:style>
+      </p:cxnSp>
+      <p:cxnSp>
+        <p:nvCxnSpPr>
+          <p:cNvPr id="57" name="Elbow Connector 56"/>
+          <p:cNvCxnSpPr/>
+          <p:nvPr/>
+        </p:nvCxnSpPr>
+        <p:spPr>
+          <a:xfrm rot="5400000">
+            <a:off x="1594050" y="1539390"/>
+            <a:ext cx="1487055" cy="458751"/>
+          </a:xfrm>
+          <a:prstGeom prst="bentConnector3">
+            <a:avLst>
+              <a:gd name="adj1" fmla="val 100104"/>
+            </a:avLst>
+          </a:prstGeom>
+          <a:ln>
+            <a:tailEnd type="triangle"/>
+          </a:ln>
+        </p:spPr>
+        <p:style>
+          <a:lnRef idx="1">
+            <a:schemeClr val="dk1"/>
+          </a:lnRef>
+          <a:fillRef idx="0">
+            <a:schemeClr val="dk1"/>
+          </a:fillRef>
+          <a:effectRef idx="0">
+            <a:schemeClr val="dk1"/>
+          </a:effectRef>
+          <a:fontRef idx="minor">
+            <a:schemeClr val="tx1"/>
+          </a:fontRef>
+        </p:style>
+      </p:cxnSp>
+      <p:cxnSp>
+        <p:nvCxnSpPr>
+          <p:cNvPr id="63" name="Straight Connector 62"/>
+          <p:cNvCxnSpPr/>
+          <p:nvPr/>
+        </p:nvCxnSpPr>
+        <p:spPr>
+          <a:xfrm>
+            <a:off x="2566953" y="1025236"/>
+            <a:ext cx="271000" cy="0"/>
+          </a:xfrm>
+          <a:prstGeom prst="line">
+            <a:avLst/>
+          </a:prstGeom>
+        </p:spPr>
+        <p:style>
+          <a:lnRef idx="1">
+            <a:schemeClr val="dk1"/>
+          </a:lnRef>
+          <a:fillRef idx="0">
+            <a:schemeClr val="dk1"/>
+          </a:fillRef>
+          <a:effectRef idx="0">
+            <a:schemeClr val="dk1"/>
+          </a:effectRef>
+          <a:fontRef idx="minor">
+            <a:schemeClr val="tx1"/>
+          </a:fontRef>
+        </p:style>
+      </p:cxnSp>
+      <p:cxnSp>
+        <p:nvCxnSpPr>
+          <p:cNvPr id="66" name="Straight Arrow Connector 65"/>
+          <p:cNvCxnSpPr>
+            <a:stCxn id="16" idx="2"/>
+            <a:endCxn id="8" idx="0"/>
+          </p:cNvCxnSpPr>
+          <p:nvPr/>
+        </p:nvCxnSpPr>
+        <p:spPr>
+          <a:xfrm flipH="1">
+            <a:off x="3535836" y="3401411"/>
+            <a:ext cx="3375" cy="635125"/>
+          </a:xfrm>
+          <a:prstGeom prst="straightConnector1">
+            <a:avLst/>
+          </a:prstGeom>
+          <a:ln>
+            <a:prstDash val="dashDot"/>
+            <a:tailEnd type="triangle"/>
+          </a:ln>
+        </p:spPr>
+        <p:style>
+          <a:lnRef idx="1">
+            <a:schemeClr val="dk1"/>
+          </a:lnRef>
+          <a:fillRef idx="0">
+            <a:schemeClr val="dk1"/>
+          </a:fillRef>
+          <a:effectRef idx="0">
+            <a:schemeClr val="dk1"/>
+          </a:effectRef>
+          <a:fontRef idx="minor">
+            <a:schemeClr val="tx1"/>
+          </a:fontRef>
+        </p:style>
+      </p:cxnSp>
+    </p:spTree>
+    <p:extLst>
+      <p:ext uri="{BB962C8B-B14F-4D97-AF65-F5344CB8AC3E}">
+        <p14:creationId xmlns:p14="http://schemas.microsoft.com/office/powerpoint/2010/main" val="3498708662"/>
+      </p:ext>
+    </p:extLst>
+  </p:cSld>
+  <p:clrMapOvr>
+    <a:masterClrMapping/>
+  </p:clrMapOvr>
+</p:sld>
+</file>
+
+<file path=ppt/slides/slide9.xml><?xml version="1.0" encoding="utf-8"?>
 <p:sld xmlns:a="http://schemas.openxmlformats.org/drawingml/2006/main" xmlns:r="http://schemas.openxmlformats.org/officeDocument/2006/relationships" xmlns:p="http://schemas.openxmlformats.org/presentationml/2006/main">
   <p:cSld>
     <p:spTree>
@@ -11860,155 +17255,371 @@
           <a:bodyPr/>
           <a:lstStyle/>
           <a:p>
+            <a:r>
+              <a:rPr lang="en-US" dirty="0" smtClean="0"/>
+              <a:t>Spotify Authorization</a:t>
+            </a:r>
             <a:endParaRPr lang="en-US" dirty="0"/>
           </a:p>
         </p:txBody>
       </p:sp>
+      <p:pic>
+        <p:nvPicPr>
+          <p:cNvPr id="1026" name="Picture 2" descr="Authorization Code Flow Diagram"/>
+          <p:cNvPicPr>
+            <a:picLocks noChangeAspect="1" noChangeArrowheads="1"/>
+          </p:cNvPicPr>
+          <p:nvPr/>
+        </p:nvPicPr>
+        <p:blipFill>
+          <a:blip r:embed="rId2">
+            <a:extLst>
+              <a:ext uri="{28A0092B-C50C-407E-A947-70E740481C1C}">
+                <a14:useLocalDpi xmlns:a14="http://schemas.microsoft.com/office/drawing/2010/main" val="0"/>
+              </a:ext>
+            </a:extLst>
+          </a:blip>
+          <a:srcRect/>
+          <a:stretch>
+            <a:fillRect/>
+          </a:stretch>
+        </p:blipFill>
+        <p:spPr bwMode="auto">
+          <a:xfrm>
+            <a:off x="5524500" y="-1"/>
+            <a:ext cx="6667500" cy="6858001"/>
+          </a:xfrm>
+          <a:prstGeom prst="rect">
+            <a:avLst/>
+          </a:prstGeom>
+          <a:noFill/>
+          <a:extLst>
+            <a:ext uri="{909E8E84-426E-40DD-AFC4-6F175D3DCCD1}">
+              <a14:hiddenFill xmlns:a14="http://schemas.microsoft.com/office/drawing/2010/main">
+                <a:solidFill>
+                  <a:srgbClr val="FFFFFF"/>
+                </a:solidFill>
+              </a14:hiddenFill>
+            </a:ext>
+          </a:extLst>
+        </p:spPr>
+      </p:pic>
       <p:sp>
         <p:nvSpPr>
-          <p:cNvPr id="3" name="Content Placeholder 2"/>
-          <p:cNvSpPr>
-            <a:spLocks noGrp="1"/>
-          </p:cNvSpPr>
-          <p:nvPr>
-            <p:ph idx="1"/>
-          </p:nvPr>
+          <p:cNvPr id="3" name="Rectangle 2"/>
+          <p:cNvSpPr/>
+          <p:nvPr/>
         </p:nvSpPr>
-        <p:spPr/>
+        <p:spPr>
+          <a:xfrm>
+            <a:off x="577515" y="2186407"/>
+            <a:ext cx="6096000" cy="646331"/>
+          </a:xfrm>
+          <a:prstGeom prst="rect">
+            <a:avLst/>
+          </a:prstGeom>
+        </p:spPr>
         <p:txBody>
           <a:bodyPr>
-            <a:normAutofit fontScale="77500" lnSpcReduction="20000"/>
+            <a:spAutoFit/>
           </a:bodyPr>
           <a:lstStyle/>
           <a:p>
             <a:r>
+              <a:rPr lang="en-US" dirty="0">
+                <a:hlinkClick r:id="rId3"/>
+              </a:rPr>
+              <a:t>https://developer.spotify.com/web-api/authorization-guide/#</a:t>
+            </a:r>
+            <a:r>
+              <a:rPr lang="en-US" dirty="0" smtClean="0">
+                <a:hlinkClick r:id="rId3"/>
+              </a:rPr>
+              <a:t>authorization_code_flow</a:t>
+            </a:r>
+            <a:r>
               <a:rPr lang="en-US" dirty="0" smtClean="0"/>
-              <a:t>User</a:t>
-            </a:r>
-          </a:p>
-          <a:p>
-            <a:pPr lvl="1"/>
-            <a:r>
-              <a:rPr lang="en-US" dirty="0" smtClean="0"/>
-              <a:t>Sign In</a:t>
-            </a:r>
-          </a:p>
-          <a:p>
-            <a:pPr lvl="1"/>
-            <a:r>
-              <a:rPr lang="en-US" dirty="0" smtClean="0"/>
-              <a:t>Log In</a:t>
-            </a:r>
-          </a:p>
-          <a:p>
-            <a:pPr lvl="1"/>
-            <a:r>
-              <a:rPr lang="en-US" dirty="0" smtClean="0"/>
-              <a:t>Log Out</a:t>
-            </a:r>
-          </a:p>
-          <a:p>
-            <a:r>
-              <a:rPr lang="en-US" dirty="0" smtClean="0"/>
-              <a:t>Group</a:t>
-            </a:r>
-          </a:p>
-          <a:p>
-            <a:pPr lvl="1"/>
-            <a:r>
-              <a:rPr lang="en-US" dirty="0" smtClean="0"/>
-              <a:t>Create Group</a:t>
-            </a:r>
-          </a:p>
-          <a:p>
-            <a:pPr lvl="1"/>
-            <a:r>
-              <a:rPr lang="en-US" dirty="0" smtClean="0"/>
-              <a:t>Edit Group</a:t>
-            </a:r>
-          </a:p>
-          <a:p>
-            <a:r>
-              <a:rPr lang="en-US" dirty="0" smtClean="0"/>
-              <a:t>Post</a:t>
-            </a:r>
-          </a:p>
-          <a:p>
-            <a:pPr lvl="1"/>
-            <a:r>
-              <a:rPr lang="en-US" dirty="0" smtClean="0"/>
-              <a:t>Create Post</a:t>
-            </a:r>
-          </a:p>
-          <a:p>
-            <a:pPr lvl="1"/>
-            <a:r>
-              <a:rPr lang="en-US" dirty="0" smtClean="0"/>
-              <a:t>Edit Post</a:t>
-            </a:r>
-          </a:p>
-          <a:p>
-            <a:pPr lvl="1"/>
-            <a:r>
-              <a:rPr lang="en-US" dirty="0" smtClean="0"/>
-              <a:t>Delete Post</a:t>
-            </a:r>
-          </a:p>
-          <a:p>
-            <a:pPr lvl="1"/>
-            <a:r>
-              <a:rPr lang="en-US" dirty="0" smtClean="0"/>
-              <a:t>Create Note</a:t>
-            </a:r>
-          </a:p>
-          <a:p>
-            <a:r>
-              <a:rPr lang="en-US" dirty="0" smtClean="0"/>
-              <a:t>Contributor</a:t>
-            </a:r>
-          </a:p>
-          <a:p>
-            <a:pPr lvl="1"/>
-            <a:r>
-              <a:rPr lang="en-US" dirty="0" smtClean="0"/>
-              <a:t>Create contributor</a:t>
-            </a:r>
-          </a:p>
-          <a:p>
-            <a:pPr lvl="1"/>
-            <a:r>
-              <a:rPr lang="en-US" dirty="0" smtClean="0"/>
-              <a:t>Remove </a:t>
-            </a:r>
-            <a:r>
-              <a:rPr lang="en-US" dirty="0" err="1" smtClean="0"/>
-              <a:t>contributer</a:t>
-            </a:r>
-            <a:endParaRPr lang="en-US" dirty="0" smtClean="0"/>
+              <a:t> </a:t>
+            </a:r>
+            <a:endParaRPr lang="en-US" dirty="0"/>
           </a:p>
         </p:txBody>
       </p:sp>
     </p:spTree>
     <p:extLst>
       <p:ext uri="{BB962C8B-B14F-4D97-AF65-F5344CB8AC3E}">
-        <p14:creationId xmlns:p14="http://schemas.microsoft.com/office/powerpoint/2010/main" val="503015039"/>
+        <p14:creationId xmlns:p14="http://schemas.microsoft.com/office/powerpoint/2010/main" val="375219916"/>
       </p:ext>
     </p:extLst>
   </p:cSld>
   <p:clrMapOvr>
     <a:masterClrMapping/>
   </p:clrMapOvr>
-  <p:timing>
-    <p:tnLst>
-      <p:par>
-        <p:cTn id="1" dur="indefinite" restart="never" nodeType="tmRoot"/>
-      </p:par>
-    </p:tnLst>
-  </p:timing>
 </p:sld>
 </file>
 
 <file path=ppt/theme/theme1.xml><?xml version="1.0" encoding="utf-8"?>
+<a:theme xmlns:a="http://schemas.openxmlformats.org/drawingml/2006/main" name="Office Theme">
+  <a:themeElements>
+    <a:clrScheme name="Custom 1">
+      <a:dk1>
+        <a:sysClr val="windowText" lastClr="000000"/>
+      </a:dk1>
+      <a:lt1>
+        <a:sysClr val="window" lastClr="FFFFFF"/>
+      </a:lt1>
+      <a:dk2>
+        <a:srgbClr val="44546A"/>
+      </a:dk2>
+      <a:lt2>
+        <a:srgbClr val="E7E6E6"/>
+      </a:lt2>
+      <a:accent1>
+        <a:srgbClr val="FFFFFF"/>
+      </a:accent1>
+      <a:accent2>
+        <a:srgbClr val="ECEBE8"/>
+      </a:accent2>
+      <a:accent3>
+        <a:srgbClr val="A5A5A5"/>
+      </a:accent3>
+      <a:accent4>
+        <a:srgbClr val="000000"/>
+      </a:accent4>
+      <a:accent5>
+        <a:srgbClr val="84BD00"/>
+      </a:accent5>
+      <a:accent6>
+        <a:srgbClr val="70AD47"/>
+      </a:accent6>
+      <a:hlink>
+        <a:srgbClr val="0563C1"/>
+      </a:hlink>
+      <a:folHlink>
+        <a:srgbClr val="954F72"/>
+      </a:folHlink>
+    </a:clrScheme>
+    <a:fontScheme name="Office">
+      <a:majorFont>
+        <a:latin typeface="Calibri Light" panose="020F0302020204030204"/>
+        <a:ea typeface=""/>
+        <a:cs typeface=""/>
+        <a:font script="Jpan" typeface="游ゴシック Light"/>
+        <a:font script="Hang" typeface="맑은 고딕"/>
+        <a:font script="Hans" typeface="等线 Light"/>
+        <a:font script="Hant" typeface="新細明體"/>
+        <a:font script="Arab" typeface="Times New Roman"/>
+        <a:font script="Hebr" typeface="Times New Roman"/>
+        <a:font script="Thai" typeface="Angsana New"/>
+        <a:font script="Ethi" typeface="Nyala"/>
+        <a:font script="Beng" typeface="Vrinda"/>
+        <a:font script="Gujr" typeface="Shruti"/>
+        <a:font script="Khmr" typeface="MoolBoran"/>
+        <a:font script="Knda" typeface="Tunga"/>
+        <a:font script="Guru" typeface="Raavi"/>
+        <a:font script="Cans" typeface="Euphemia"/>
+        <a:font script="Cher" typeface="Plantagenet Cherokee"/>
+        <a:font script="Yiii" typeface="Microsoft Yi Baiti"/>
+        <a:font script="Tibt" typeface="Microsoft Himalaya"/>
+        <a:font script="Thaa" typeface="MV Boli"/>
+        <a:font script="Deva" typeface="Mangal"/>
+        <a:font script="Telu" typeface="Gautami"/>
+        <a:font script="Taml" typeface="Latha"/>
+        <a:font script="Syrc" typeface="Estrangelo Edessa"/>
+        <a:font script="Orya" typeface="Kalinga"/>
+        <a:font script="Mlym" typeface="Kartika"/>
+        <a:font script="Laoo" typeface="DokChampa"/>
+        <a:font script="Sinh" typeface="Iskoola Pota"/>
+        <a:font script="Mong" typeface="Mongolian Baiti"/>
+        <a:font script="Viet" typeface="Times New Roman"/>
+        <a:font script="Uigh" typeface="Microsoft Uighur"/>
+        <a:font script="Geor" typeface="Sylfaen"/>
+      </a:majorFont>
+      <a:minorFont>
+        <a:latin typeface="Calibri" panose="020F0502020204030204"/>
+        <a:ea typeface=""/>
+        <a:cs typeface=""/>
+        <a:font script="Jpan" typeface="游ゴシック"/>
+        <a:font script="Hang" typeface="맑은 고딕"/>
+        <a:font script="Hans" typeface="等线"/>
+        <a:font script="Hant" typeface="新細明體"/>
+        <a:font script="Arab" typeface="Arial"/>
+        <a:font script="Hebr" typeface="Arial"/>
+        <a:font script="Thai" typeface="Cordia New"/>
+        <a:font script="Ethi" typeface="Nyala"/>
+        <a:font script="Beng" typeface="Vrinda"/>
+        <a:font script="Gujr" typeface="Shruti"/>
+        <a:font script="Khmr" typeface="DaunPenh"/>
+        <a:font script="Knda" typeface="Tunga"/>
+        <a:font script="Guru" typeface="Raavi"/>
+        <a:font script="Cans" typeface="Euphemia"/>
+        <a:font script="Cher" typeface="Plantagenet Cherokee"/>
+        <a:font script="Yiii" typeface="Microsoft Yi Baiti"/>
+        <a:font script="Tibt" typeface="Microsoft Himalaya"/>
+        <a:font script="Thaa" typeface="MV Boli"/>
+        <a:font script="Deva" typeface="Mangal"/>
+        <a:font script="Telu" typeface="Gautami"/>
+        <a:font script="Taml" typeface="Latha"/>
+        <a:font script="Syrc" typeface="Estrangelo Edessa"/>
+        <a:font script="Orya" typeface="Kalinga"/>
+        <a:font script="Mlym" typeface="Kartika"/>
+        <a:font script="Laoo" typeface="DokChampa"/>
+        <a:font script="Sinh" typeface="Iskoola Pota"/>
+        <a:font script="Mong" typeface="Mongolian Baiti"/>
+        <a:font script="Viet" typeface="Arial"/>
+        <a:font script="Uigh" typeface="Microsoft Uighur"/>
+        <a:font script="Geor" typeface="Sylfaen"/>
+      </a:minorFont>
+    </a:fontScheme>
+    <a:fmtScheme name="Office">
+      <a:fillStyleLst>
+        <a:solidFill>
+          <a:schemeClr val="phClr"/>
+        </a:solidFill>
+        <a:gradFill rotWithShape="1">
+          <a:gsLst>
+            <a:gs pos="0">
+              <a:schemeClr val="phClr">
+                <a:lumMod val="110000"/>
+                <a:satMod val="105000"/>
+                <a:tint val="67000"/>
+              </a:schemeClr>
+            </a:gs>
+            <a:gs pos="50000">
+              <a:schemeClr val="phClr">
+                <a:lumMod val="105000"/>
+                <a:satMod val="103000"/>
+                <a:tint val="73000"/>
+              </a:schemeClr>
+            </a:gs>
+            <a:gs pos="100000">
+              <a:schemeClr val="phClr">
+                <a:lumMod val="105000"/>
+                <a:satMod val="109000"/>
+                <a:tint val="81000"/>
+              </a:schemeClr>
+            </a:gs>
+          </a:gsLst>
+          <a:lin ang="5400000" scaled="0"/>
+        </a:gradFill>
+        <a:gradFill rotWithShape="1">
+          <a:gsLst>
+            <a:gs pos="0">
+              <a:schemeClr val="phClr">
+                <a:satMod val="103000"/>
+                <a:lumMod val="102000"/>
+                <a:tint val="94000"/>
+              </a:schemeClr>
+            </a:gs>
+            <a:gs pos="50000">
+              <a:schemeClr val="phClr">
+                <a:satMod val="110000"/>
+                <a:lumMod val="100000"/>
+                <a:shade val="100000"/>
+              </a:schemeClr>
+            </a:gs>
+            <a:gs pos="100000">
+              <a:schemeClr val="phClr">
+                <a:lumMod val="99000"/>
+                <a:satMod val="120000"/>
+                <a:shade val="78000"/>
+              </a:schemeClr>
+            </a:gs>
+          </a:gsLst>
+          <a:lin ang="5400000" scaled="0"/>
+        </a:gradFill>
+      </a:fillStyleLst>
+      <a:lnStyleLst>
+        <a:ln w="6350" cap="flat" cmpd="sng" algn="ctr">
+          <a:solidFill>
+            <a:schemeClr val="phClr"/>
+          </a:solidFill>
+          <a:prstDash val="solid"/>
+          <a:miter lim="800000"/>
+        </a:ln>
+        <a:ln w="12700" cap="flat" cmpd="sng" algn="ctr">
+          <a:solidFill>
+            <a:schemeClr val="phClr"/>
+          </a:solidFill>
+          <a:prstDash val="solid"/>
+          <a:miter lim="800000"/>
+        </a:ln>
+        <a:ln w="19050" cap="flat" cmpd="sng" algn="ctr">
+          <a:solidFill>
+            <a:schemeClr val="phClr"/>
+          </a:solidFill>
+          <a:prstDash val="solid"/>
+          <a:miter lim="800000"/>
+        </a:ln>
+      </a:lnStyleLst>
+      <a:effectStyleLst>
+        <a:effectStyle>
+          <a:effectLst/>
+        </a:effectStyle>
+        <a:effectStyle>
+          <a:effectLst/>
+        </a:effectStyle>
+        <a:effectStyle>
+          <a:effectLst>
+            <a:outerShdw blurRad="57150" dist="19050" dir="5400000" algn="ctr" rotWithShape="0">
+              <a:srgbClr val="000000">
+                <a:alpha val="63000"/>
+              </a:srgbClr>
+            </a:outerShdw>
+          </a:effectLst>
+        </a:effectStyle>
+      </a:effectStyleLst>
+      <a:bgFillStyleLst>
+        <a:solidFill>
+          <a:schemeClr val="phClr"/>
+        </a:solidFill>
+        <a:solidFill>
+          <a:schemeClr val="phClr">
+            <a:tint val="95000"/>
+            <a:satMod val="170000"/>
+          </a:schemeClr>
+        </a:solidFill>
+        <a:gradFill rotWithShape="1">
+          <a:gsLst>
+            <a:gs pos="0">
+              <a:schemeClr val="phClr">
+                <a:tint val="93000"/>
+                <a:satMod val="150000"/>
+                <a:shade val="98000"/>
+                <a:lumMod val="102000"/>
+              </a:schemeClr>
+            </a:gs>
+            <a:gs pos="50000">
+              <a:schemeClr val="phClr">
+                <a:tint val="98000"/>
+                <a:satMod val="130000"/>
+                <a:shade val="90000"/>
+                <a:lumMod val="103000"/>
+              </a:schemeClr>
+            </a:gs>
+            <a:gs pos="100000">
+              <a:schemeClr val="phClr">
+                <a:shade val="63000"/>
+                <a:satMod val="120000"/>
+              </a:schemeClr>
+            </a:gs>
+          </a:gsLst>
+          <a:lin ang="5400000" scaled="0"/>
+        </a:gradFill>
+      </a:bgFillStyleLst>
+    </a:fmtScheme>
+  </a:themeElements>
+  <a:objectDefaults/>
+  <a:extraClrSchemeLst/>
+  <a:extLst>
+    <a:ext uri="{05A4C25C-085E-4340-85A3-A5531E510DB2}">
+      <thm15:themeFamily xmlns:thm15="http://schemas.microsoft.com/office/thememl/2012/main" name="Office Theme" id="{62F939B6-93AF-4DB8-9C6B-D6C7DFDC589F}" vid="{4A3C46E8-61CC-4603-A589-7422A47A8E4A}"/>
+    </a:ext>
+  </a:extLst>
+</a:theme>
+</file>
+
+<file path=ppt/theme/theme2.xml><?xml version="1.0" encoding="utf-8"?>
 <a:theme xmlns:a="http://schemas.openxmlformats.org/drawingml/2006/main" name="Office Theme">
   <a:themeElements>
     <a:clrScheme name="Office">

--- a/design/Wireframe.pptx
+++ b/design/Wireframe.pptx
@@ -244,7 +244,7 @@
           <a:p>
             <a:fld id="{83BD93B1-4FFB-4F2F-86DA-FC2169DC86CC}" type="datetimeFigureOut">
               <a:rPr lang="en-US" smtClean="0"/>
-              <a:t>8/17/2017</a:t>
+              <a:t>8/18/2017</a:t>
             </a:fld>
             <a:endParaRPr lang="en-US"/>
           </a:p>
@@ -811,7 +811,7 @@
           <a:p>
             <a:fld id="{C3ED2144-9C76-4636-9D8F-BA5586FDC78C}" type="datetimeFigureOut">
               <a:rPr lang="en-US" smtClean="0"/>
-              <a:t>8/17/2017</a:t>
+              <a:t>8/18/2017</a:t>
             </a:fld>
             <a:endParaRPr lang="en-US"/>
           </a:p>
@@ -981,7 +981,7 @@
           <a:p>
             <a:fld id="{C3ED2144-9C76-4636-9D8F-BA5586FDC78C}" type="datetimeFigureOut">
               <a:rPr lang="en-US" smtClean="0"/>
-              <a:t>8/17/2017</a:t>
+              <a:t>8/18/2017</a:t>
             </a:fld>
             <a:endParaRPr lang="en-US"/>
           </a:p>
@@ -1161,7 +1161,7 @@
           <a:p>
             <a:fld id="{C3ED2144-9C76-4636-9D8F-BA5586FDC78C}" type="datetimeFigureOut">
               <a:rPr lang="en-US" smtClean="0"/>
-              <a:t>8/17/2017</a:t>
+              <a:t>8/18/2017</a:t>
             </a:fld>
             <a:endParaRPr lang="en-US"/>
           </a:p>
@@ -1331,7 +1331,7 @@
           <a:p>
             <a:fld id="{C3ED2144-9C76-4636-9D8F-BA5586FDC78C}" type="datetimeFigureOut">
               <a:rPr lang="en-US" smtClean="0"/>
-              <a:t>8/17/2017</a:t>
+              <a:t>8/18/2017</a:t>
             </a:fld>
             <a:endParaRPr lang="en-US"/>
           </a:p>
@@ -1577,7 +1577,7 @@
           <a:p>
             <a:fld id="{C3ED2144-9C76-4636-9D8F-BA5586FDC78C}" type="datetimeFigureOut">
               <a:rPr lang="en-US" smtClean="0"/>
-              <a:t>8/17/2017</a:t>
+              <a:t>8/18/2017</a:t>
             </a:fld>
             <a:endParaRPr lang="en-US"/>
           </a:p>
@@ -1809,7 +1809,7 @@
           <a:p>
             <a:fld id="{C3ED2144-9C76-4636-9D8F-BA5586FDC78C}" type="datetimeFigureOut">
               <a:rPr lang="en-US" smtClean="0"/>
-              <a:t>8/17/2017</a:t>
+              <a:t>8/18/2017</a:t>
             </a:fld>
             <a:endParaRPr lang="en-US"/>
           </a:p>
@@ -2176,7 +2176,7 @@
           <a:p>
             <a:fld id="{C3ED2144-9C76-4636-9D8F-BA5586FDC78C}" type="datetimeFigureOut">
               <a:rPr lang="en-US" smtClean="0"/>
-              <a:t>8/17/2017</a:t>
+              <a:t>8/18/2017</a:t>
             </a:fld>
             <a:endParaRPr lang="en-US"/>
           </a:p>
@@ -2294,7 +2294,7 @@
           <a:p>
             <a:fld id="{C3ED2144-9C76-4636-9D8F-BA5586FDC78C}" type="datetimeFigureOut">
               <a:rPr lang="en-US" smtClean="0"/>
-              <a:t>8/17/2017</a:t>
+              <a:t>8/18/2017</a:t>
             </a:fld>
             <a:endParaRPr lang="en-US"/>
           </a:p>
@@ -2389,7 +2389,7 @@
           <a:p>
             <a:fld id="{C3ED2144-9C76-4636-9D8F-BA5586FDC78C}" type="datetimeFigureOut">
               <a:rPr lang="en-US" smtClean="0"/>
-              <a:t>8/17/2017</a:t>
+              <a:t>8/18/2017</a:t>
             </a:fld>
             <a:endParaRPr lang="en-US"/>
           </a:p>
@@ -2666,7 +2666,7 @@
           <a:p>
             <a:fld id="{C3ED2144-9C76-4636-9D8F-BA5586FDC78C}" type="datetimeFigureOut">
               <a:rPr lang="en-US" smtClean="0"/>
-              <a:t>8/17/2017</a:t>
+              <a:t>8/18/2017</a:t>
             </a:fld>
             <a:endParaRPr lang="en-US"/>
           </a:p>
@@ -2919,7 +2919,7 @@
           <a:p>
             <a:fld id="{C3ED2144-9C76-4636-9D8F-BA5586FDC78C}" type="datetimeFigureOut">
               <a:rPr lang="en-US" smtClean="0"/>
-              <a:t>8/17/2017</a:t>
+              <a:t>8/18/2017</a:t>
             </a:fld>
             <a:endParaRPr lang="en-US"/>
           </a:p>
@@ -3132,7 +3132,7 @@
           <a:p>
             <a:fld id="{C3ED2144-9C76-4636-9D8F-BA5586FDC78C}" type="datetimeFigureOut">
               <a:rPr lang="en-US" smtClean="0"/>
-              <a:t>8/17/2017</a:t>
+              <a:t>8/18/2017</a:t>
             </a:fld>
             <a:endParaRPr lang="en-US"/>
           </a:p>
@@ -6356,7 +6356,11 @@
             <a:pPr algn="ctr"/>
             <a:r>
               <a:rPr lang="en-US" dirty="0" smtClean="0"/>
-              <a:t>Comment Post</a:t>
+              <a:t>Comment </a:t>
+            </a:r>
+            <a:r>
+              <a:rPr lang="en-US" dirty="0" smtClean="0"/>
+              <a:t>On Post</a:t>
             </a:r>
             <a:endParaRPr lang="en-US" dirty="0"/>
           </a:p>
@@ -6416,7 +6420,7 @@
           <a:p>
             <a:r>
               <a:rPr lang="en-US" dirty="0" smtClean="0"/>
-              <a:t>Roadmap</a:t>
+              <a:t>Engineering Roadmap</a:t>
             </a:r>
             <a:endParaRPr lang="en-US" dirty="0"/>
           </a:p>
@@ -6496,12 +6500,12 @@
       </p:sp>
       <p:sp>
         <p:nvSpPr>
-          <p:cNvPr id="3" name="Content Placeholder 2"/>
+          <p:cNvPr id="4" name="Text Placeholder 3"/>
           <p:cNvSpPr>
             <a:spLocks noGrp="1"/>
           </p:cNvSpPr>
           <p:nvPr>
-            <p:ph idx="1"/>
+            <p:ph type="body" idx="1"/>
           </p:nvPr>
         </p:nvSpPr>
         <p:spPr/>
@@ -6509,7 +6513,94 @@
           <a:bodyPr/>
           <a:lstStyle/>
           <a:p>
+            <a:endParaRPr lang="en-US" dirty="0"/>
+          </a:p>
+        </p:txBody>
+      </p:sp>
+      <p:sp>
+        <p:nvSpPr>
+          <p:cNvPr id="5" name="Content Placeholder 4"/>
+          <p:cNvSpPr>
+            <a:spLocks noGrp="1"/>
+          </p:cNvSpPr>
+          <p:nvPr>
+            <p:ph sz="half" idx="2"/>
+          </p:nvPr>
+        </p:nvSpPr>
+        <p:spPr/>
+        <p:txBody>
+          <a:bodyPr/>
+          <a:lstStyle/>
+          <a:p>
+            <a:r>
+              <a:rPr lang="en-US" dirty="0" smtClean="0"/>
+              <a:t>Kyle wants to create a group for his friends from college to stay in touch through music</a:t>
+            </a:r>
+          </a:p>
+          <a:p>
+            <a:r>
+              <a:rPr lang="en-US" dirty="0" smtClean="0"/>
+              <a:t>Kyle uses Spotify frequently throughout the day</a:t>
+            </a:r>
+          </a:p>
+          <a:p>
+            <a:endParaRPr lang="en-US" dirty="0"/>
+          </a:p>
+        </p:txBody>
+      </p:sp>
+      <p:sp>
+        <p:nvSpPr>
+          <p:cNvPr id="6" name="Text Placeholder 5"/>
+          <p:cNvSpPr>
+            <a:spLocks noGrp="1"/>
+          </p:cNvSpPr>
+          <p:nvPr>
+            <p:ph type="body" sz="quarter" idx="3"/>
+          </p:nvPr>
+        </p:nvSpPr>
+        <p:spPr/>
+        <p:txBody>
+          <a:bodyPr/>
+          <a:lstStyle/>
+          <a:p>
             <a:endParaRPr lang="en-US"/>
+          </a:p>
+        </p:txBody>
+      </p:sp>
+      <p:sp>
+        <p:nvSpPr>
+          <p:cNvPr id="7" name="Content Placeholder 6"/>
+          <p:cNvSpPr>
+            <a:spLocks noGrp="1"/>
+          </p:cNvSpPr>
+          <p:nvPr>
+            <p:ph sz="quarter" idx="4"/>
+          </p:nvPr>
+        </p:nvSpPr>
+        <p:spPr/>
+        <p:txBody>
+          <a:bodyPr/>
+          <a:lstStyle/>
+          <a:p>
+            <a:r>
+              <a:rPr lang="en-US" dirty="0" smtClean="0"/>
+              <a:t>Jane went to college with Kyle</a:t>
+            </a:r>
+          </a:p>
+          <a:p>
+            <a:r>
+              <a:rPr lang="en-US" dirty="0" smtClean="0"/>
+              <a:t>Jane received an invite to join </a:t>
+            </a:r>
+            <a:r>
+              <a:rPr lang="en-US" dirty="0" err="1" smtClean="0"/>
+              <a:t>JustNoise</a:t>
+            </a:r>
+            <a:r>
+              <a:rPr lang="en-US" dirty="0" smtClean="0"/>
+              <a:t> from Kyle</a:t>
+            </a:r>
+            <a:endParaRPr lang="en-US" dirty="0"/>
           </a:p>
         </p:txBody>
       </p:sp>
@@ -6561,6 +6652,132 @@
             <a:r>
               <a:rPr lang="en-US" dirty="0" smtClean="0"/>
               <a:t>Architecture</a:t>
+            </a:r>
+            <a:endParaRPr lang="en-US" dirty="0"/>
+          </a:p>
+        </p:txBody>
+      </p:sp>
+      <p:sp>
+        <p:nvSpPr>
+          <p:cNvPr id="3" name="Rounded Rectangle 2"/>
+          <p:cNvSpPr/>
+          <p:nvPr/>
+        </p:nvSpPr>
+        <p:spPr>
+          <a:xfrm>
+            <a:off x="1892300" y="2311400"/>
+            <a:ext cx="1409700" cy="838200"/>
+          </a:xfrm>
+          <a:prstGeom prst="roundRect">
+            <a:avLst/>
+          </a:prstGeom>
+        </p:spPr>
+        <p:style>
+          <a:lnRef idx="2">
+            <a:schemeClr val="accent5"/>
+          </a:lnRef>
+          <a:fillRef idx="1">
+            <a:schemeClr val="lt1"/>
+          </a:fillRef>
+          <a:effectRef idx="0">
+            <a:schemeClr val="accent5"/>
+          </a:effectRef>
+          <a:fontRef idx="minor">
+            <a:schemeClr val="dk1"/>
+          </a:fontRef>
+        </p:style>
+        <p:txBody>
+          <a:bodyPr rtlCol="0" anchor="ctr"/>
+          <a:lstStyle/>
+          <a:p>
+            <a:pPr algn="ctr"/>
+            <a:r>
+              <a:rPr lang="en-US" dirty="0" smtClean="0"/>
+              <a:t>Views</a:t>
+            </a:r>
+            <a:endParaRPr lang="en-US" dirty="0"/>
+          </a:p>
+        </p:txBody>
+      </p:sp>
+      <p:sp>
+        <p:nvSpPr>
+          <p:cNvPr id="4" name="Rounded Rectangle 3"/>
+          <p:cNvSpPr/>
+          <p:nvPr/>
+        </p:nvSpPr>
+        <p:spPr>
+          <a:xfrm>
+            <a:off x="3479800" y="2311400"/>
+            <a:ext cx="1409700" cy="838200"/>
+          </a:xfrm>
+          <a:prstGeom prst="roundRect">
+            <a:avLst/>
+          </a:prstGeom>
+        </p:spPr>
+        <p:style>
+          <a:lnRef idx="2">
+            <a:schemeClr val="accent5"/>
+          </a:lnRef>
+          <a:fillRef idx="1">
+            <a:schemeClr val="lt1"/>
+          </a:fillRef>
+          <a:effectRef idx="0">
+            <a:schemeClr val="accent5"/>
+          </a:effectRef>
+          <a:fontRef idx="minor">
+            <a:schemeClr val="dk1"/>
+          </a:fontRef>
+        </p:style>
+        <p:txBody>
+          <a:bodyPr rtlCol="0" anchor="ctr"/>
+          <a:lstStyle/>
+          <a:p>
+            <a:pPr algn="ctr"/>
+            <a:r>
+              <a:rPr lang="en-US" dirty="0" smtClean="0"/>
+              <a:t>Routes</a:t>
+            </a:r>
+            <a:endParaRPr lang="en-US" dirty="0"/>
+          </a:p>
+        </p:txBody>
+      </p:sp>
+      <p:sp>
+        <p:nvSpPr>
+          <p:cNvPr id="5" name="Rounded Rectangle 4"/>
+          <p:cNvSpPr/>
+          <p:nvPr/>
+        </p:nvSpPr>
+        <p:spPr>
+          <a:xfrm>
+            <a:off x="5067300" y="2311400"/>
+            <a:ext cx="1409700" cy="838200"/>
+          </a:xfrm>
+          <a:prstGeom prst="roundRect">
+            <a:avLst/>
+          </a:prstGeom>
+        </p:spPr>
+        <p:style>
+          <a:lnRef idx="2">
+            <a:schemeClr val="accent5"/>
+          </a:lnRef>
+          <a:fillRef idx="1">
+            <a:schemeClr val="lt1"/>
+          </a:fillRef>
+          <a:effectRef idx="0">
+            <a:schemeClr val="accent5"/>
+          </a:effectRef>
+          <a:fontRef idx="minor">
+            <a:schemeClr val="dk1"/>
+          </a:fontRef>
+        </p:style>
+        <p:txBody>
+          <a:bodyPr rtlCol="0" anchor="ctr"/>
+          <a:lstStyle/>
+          <a:p>
+            <a:pPr algn="ctr"/>
+            <a:r>
+              <a:rPr lang="en-US" dirty="0" smtClean="0"/>
+              <a:t>Models</a:t>
             </a:r>
             <a:endParaRPr lang="en-US" dirty="0"/>
           </a:p>
@@ -8232,7 +8449,7 @@
               </a:ln>
               <a:extLst>
                 <a:ext uri="{91240B29-F687-4f45-9708-019B960494DF}">
-                  <a14:hiddenLine xmlns:a14="http://schemas.microsoft.com/office/drawing/2010/main" xmlns="" w="9525">
+                  <a14:hiddenLine xmlns="" xmlns:a14="http://schemas.microsoft.com/office/drawing/2010/main" w="9525">
                     <a:solidFill>
                       <a:srgbClr val="000000"/>
                     </a:solidFill>
@@ -8385,7 +8602,7 @@
               </a:ln>
               <a:extLst>
                 <a:ext uri="{91240B29-F687-4f45-9708-019B960494DF}">
-                  <a14:hiddenLine xmlns:a14="http://schemas.microsoft.com/office/drawing/2010/main" xmlns="" w="9525">
+                  <a14:hiddenLine xmlns="" xmlns:a14="http://schemas.microsoft.com/office/drawing/2010/main" w="9525">
                     <a:solidFill>
                       <a:srgbClr val="000000"/>
                     </a:solidFill>
@@ -8537,7 +8754,7 @@
               </a:ln>
               <a:extLst>
                 <a:ext uri="{91240B29-F687-4f45-9708-019B960494DF}">
-                  <a14:hiddenLine xmlns:a14="http://schemas.microsoft.com/office/drawing/2010/main" xmlns="" w="9525">
+                  <a14:hiddenLine xmlns="" xmlns:a14="http://schemas.microsoft.com/office/drawing/2010/main" w="9525">
                     <a:solidFill>
                       <a:srgbClr val="000000"/>
                     </a:solidFill>
@@ -9590,7 +9807,7 @@
             </a:ln>
             <a:extLst>
               <a:ext uri="{91240B29-F687-4f45-9708-019B960494DF}">
-                <a14:hiddenLine xmlns:a14="http://schemas.microsoft.com/office/drawing/2010/main" xmlns="" w="9525">
+                <a14:hiddenLine xmlns="" xmlns:a14="http://schemas.microsoft.com/office/drawing/2010/main" w="9525">
                   <a:solidFill>
                     <a:srgbClr val="000000"/>
                   </a:solidFill>
@@ -10144,7 +10361,7 @@
             </a:ln>
             <a:extLst>
               <a:ext uri="{91240B29-F687-4f45-9708-019B960494DF}">
-                <a14:hiddenLine xmlns:a14="http://schemas.microsoft.com/office/drawing/2010/main" xmlns="" w="9525">
+                <a14:hiddenLine xmlns="" xmlns:a14="http://schemas.microsoft.com/office/drawing/2010/main" w="9525">
                   <a:solidFill>
                     <a:srgbClr val="000000"/>
                   </a:solidFill>
@@ -10693,7 +10910,7 @@
             </a:ln>
             <a:extLst>
               <a:ext uri="{91240B29-F687-4f45-9708-019B960494DF}">
-                <a14:hiddenLine xmlns:a14="http://schemas.microsoft.com/office/drawing/2010/main" xmlns="" w="9525">
+                <a14:hiddenLine xmlns="" xmlns:a14="http://schemas.microsoft.com/office/drawing/2010/main" w="9525">
                   <a:solidFill>
                     <a:srgbClr val="000000"/>
                   </a:solidFill>
@@ -11247,7 +11464,7 @@
             </a:ln>
             <a:extLst>
               <a:ext uri="{91240B29-F687-4f45-9708-019B960494DF}">
-                <a14:hiddenLine xmlns:a14="http://schemas.microsoft.com/office/drawing/2010/main" xmlns="" w="9525">
+                <a14:hiddenLine xmlns="" xmlns:a14="http://schemas.microsoft.com/office/drawing/2010/main" w="9525">
                   <a:solidFill>
                     <a:srgbClr val="000000"/>
                   </a:solidFill>
@@ -11628,7 +11845,7 @@
             </a:ln>
             <a:extLst>
               <a:ext uri="{91240B29-F687-4f45-9708-019B960494DF}">
-                <a14:hiddenLine xmlns:a14="http://schemas.microsoft.com/office/drawing/2010/main" xmlns="" w="9525">
+                <a14:hiddenLine xmlns="" xmlns:a14="http://schemas.microsoft.com/office/drawing/2010/main" w="9525">
                   <a:solidFill>
                     <a:srgbClr val="000000"/>
                   </a:solidFill>
@@ -11901,7 +12118,7 @@
             </a:ln>
             <a:extLst>
               <a:ext uri="{91240B29-F687-4f45-9708-019B960494DF}">
-                <a14:hiddenLine xmlns:a14="http://schemas.microsoft.com/office/drawing/2010/main" xmlns="" w="9525">
+                <a14:hiddenLine xmlns="" xmlns:a14="http://schemas.microsoft.com/office/drawing/2010/main" w="9525">
                   <a:solidFill>
                     <a:srgbClr val="000000"/>
                   </a:solidFill>
@@ -12350,7 +12567,7 @@
             </a:ln>
             <a:extLst>
               <a:ext uri="{91240B29-F687-4f45-9708-019B960494DF}">
-                <a14:hiddenLine xmlns:a14="http://schemas.microsoft.com/office/drawing/2010/main" xmlns="" w="9525">
+                <a14:hiddenLine xmlns="" xmlns:a14="http://schemas.microsoft.com/office/drawing/2010/main" w="9525">
                   <a:solidFill>
                     <a:srgbClr val="000000"/>
                   </a:solidFill>
@@ -12837,7 +13054,7 @@
             </a:ln>
             <a:extLst>
               <a:ext uri="{91240B29-F687-4f45-9708-019B960494DF}">
-                <a14:hiddenLine xmlns:a14="http://schemas.microsoft.com/office/drawing/2010/main" xmlns="" w="9525">
+                <a14:hiddenLine xmlns="" xmlns:a14="http://schemas.microsoft.com/office/drawing/2010/main" w="9525">
                   <a:solidFill>
                     <a:srgbClr val="000000"/>
                   </a:solidFill>
@@ -13324,7 +13541,7 @@
             </a:ln>
             <a:extLst>
               <a:ext uri="{91240B29-F687-4f45-9708-019B960494DF}">
-                <a14:hiddenLine xmlns:a14="http://schemas.microsoft.com/office/drawing/2010/main" xmlns="" w="9525">
+                <a14:hiddenLine xmlns="" xmlns:a14="http://schemas.microsoft.com/office/drawing/2010/main" w="9525">
                   <a:solidFill>
                     <a:srgbClr val="000000"/>
                   </a:solidFill>
@@ -13811,7 +14028,7 @@
             </a:ln>
             <a:extLst>
               <a:ext uri="{91240B29-F687-4f45-9708-019B960494DF}">
-                <a14:hiddenLine xmlns:a14="http://schemas.microsoft.com/office/drawing/2010/main" xmlns="" w="9525">
+                <a14:hiddenLine xmlns="" xmlns:a14="http://schemas.microsoft.com/office/drawing/2010/main" w="9525">
                   <a:solidFill>
                     <a:srgbClr val="000000"/>
                   </a:solidFill>
@@ -14298,7 +14515,7 @@
             </a:ln>
             <a:extLst>
               <a:ext uri="{91240B29-F687-4f45-9708-019B960494DF}">
-                <a14:hiddenLine xmlns:a14="http://schemas.microsoft.com/office/drawing/2010/main" xmlns="" w="9525">
+                <a14:hiddenLine xmlns="" xmlns:a14="http://schemas.microsoft.com/office/drawing/2010/main" w="9525">
                   <a:solidFill>
                     <a:srgbClr val="000000"/>
                   </a:solidFill>
@@ -14675,7 +14892,7 @@
             </a:ln>
             <a:extLst>
               <a:ext uri="{91240B29-F687-4f45-9708-019B960494DF}">
-                <a14:hiddenLine xmlns:a14="http://schemas.microsoft.com/office/drawing/2010/main" xmlns="" w="9525">
+                <a14:hiddenLine xmlns="" xmlns:a14="http://schemas.microsoft.com/office/drawing/2010/main" w="9525">
                   <a:solidFill>
                     <a:srgbClr val="000000"/>
                   </a:solidFill>
@@ -14948,7 +15165,7 @@
             </a:ln>
             <a:extLst>
               <a:ext uri="{91240B29-F687-4f45-9708-019B960494DF}">
-                <a14:hiddenLine xmlns:a14="http://schemas.microsoft.com/office/drawing/2010/main" xmlns="" w="9525">
+                <a14:hiddenLine xmlns="" xmlns:a14="http://schemas.microsoft.com/office/drawing/2010/main" w="9525">
                   <a:solidFill>
                     <a:srgbClr val="000000"/>
                   </a:solidFill>
@@ -16553,8 +16770,31 @@
                   <a:sysClr val="windowText" lastClr="000000"/>
                 </a:solidFill>
               </a:rPr>
-              <a:t> (string) (FK)</a:t>
-            </a:r>
+              <a:t> (string) (FK</a:t>
+            </a:r>
+            <a:r>
+              <a:rPr lang="en-US" sz="1000" dirty="0" smtClean="0">
+                <a:solidFill>
+                  <a:sysClr val="windowText" lastClr="000000"/>
+                </a:solidFill>
+              </a:rPr>
+              <a:t>)</a:t>
+            </a:r>
+          </a:p>
+          <a:p>
+            <a:r>
+              <a:rPr lang="en-US" sz="1000" dirty="0" smtClean="0">
+                <a:solidFill>
+                  <a:sysClr val="windowText" lastClr="000000"/>
+                </a:solidFill>
+              </a:rPr>
+              <a:t>internal (Boolean)</a:t>
+            </a:r>
+            <a:endParaRPr lang="en-US" sz="1000" dirty="0" smtClean="0">
+              <a:solidFill>
+                <a:sysClr val="windowText" lastClr="000000"/>
+              </a:solidFill>
+            </a:endParaRPr>
           </a:p>
         </p:txBody>
       </p:sp>
